--- a/04. Slides/05. ADC/ADC.pptx
+++ b/04. Slides/05. ADC/ADC.pptx
@@ -2,33 +2,32 @@
 <file path=ppt/presentation.xml><?xml version="1.0" encoding="utf-8"?>
 <p:presentation xmlns:a="http://schemas.openxmlformats.org/drawingml/2006/main" xmlns:r="http://schemas.openxmlformats.org/officeDocument/2006/relationships" xmlns:p="http://schemas.openxmlformats.org/presentationml/2006/main" saveSubsetFonts="1">
   <p:sldMasterIdLst>
-    <p:sldMasterId id="2147483648" r:id="rId1"/>
-    <p:sldMasterId id="2147483660" r:id="rId2"/>
-    <p:sldMasterId id="2147483662" r:id="rId3"/>
+    <p:sldMasterId id="2147483660" r:id="rId1"/>
+    <p:sldMasterId id="2147483662" r:id="rId2"/>
   </p:sldMasterIdLst>
   <p:sldIdLst>
-    <p:sldId id="256" r:id="rId4"/>
-    <p:sldId id="257" r:id="rId5"/>
-    <p:sldId id="363" r:id="rId6"/>
-    <p:sldId id="443" r:id="rId7"/>
-    <p:sldId id="444" r:id="rId8"/>
-    <p:sldId id="445" r:id="rId9"/>
-    <p:sldId id="446" r:id="rId10"/>
-    <p:sldId id="447" r:id="rId11"/>
-    <p:sldId id="448" r:id="rId12"/>
-    <p:sldId id="449" r:id="rId13"/>
-    <p:sldId id="450" r:id="rId14"/>
-    <p:sldId id="451" r:id="rId15"/>
-    <p:sldId id="452" r:id="rId16"/>
-    <p:sldId id="453" r:id="rId17"/>
-    <p:sldId id="454" r:id="rId18"/>
-    <p:sldId id="455" r:id="rId19"/>
-    <p:sldId id="456" r:id="rId20"/>
-    <p:sldId id="457" r:id="rId21"/>
-    <p:sldId id="458" r:id="rId22"/>
-    <p:sldId id="459" r:id="rId23"/>
-    <p:sldId id="460" r:id="rId24"/>
-    <p:sldId id="461" r:id="rId25"/>
+    <p:sldId id="257" r:id="rId3"/>
+    <p:sldId id="363" r:id="rId4"/>
+    <p:sldId id="443" r:id="rId5"/>
+    <p:sldId id="444" r:id="rId6"/>
+    <p:sldId id="445" r:id="rId7"/>
+    <p:sldId id="446" r:id="rId8"/>
+    <p:sldId id="447" r:id="rId9"/>
+    <p:sldId id="448" r:id="rId10"/>
+    <p:sldId id="449" r:id="rId11"/>
+    <p:sldId id="450" r:id="rId12"/>
+    <p:sldId id="451" r:id="rId13"/>
+    <p:sldId id="452" r:id="rId14"/>
+    <p:sldId id="453" r:id="rId15"/>
+    <p:sldId id="454" r:id="rId16"/>
+    <p:sldId id="455" r:id="rId17"/>
+    <p:sldId id="456" r:id="rId18"/>
+    <p:sldId id="457" r:id="rId19"/>
+    <p:sldId id="458" r:id="rId20"/>
+    <p:sldId id="459" r:id="rId21"/>
+    <p:sldId id="460" r:id="rId22"/>
+    <p:sldId id="461" r:id="rId23"/>
+    <p:sldId id="462" r:id="rId24"/>
   </p:sldIdLst>
   <p:sldSz cx="12192000" cy="6858000"/>
   <p:notesSz cx="6858000" cy="9144000"/>
@@ -127,636 +126,15 @@
       </a:defRPr>
     </a:lvl9pPr>
   </p:defaultTextStyle>
+  <p:extLst>
+    <p:ext uri="{EFAFB233-063F-42B5-8137-9DF3F51BA10A}">
+      <p15:sldGuideLst xmlns:p15="http://schemas.microsoft.com/office/powerpoint/2012/main"/>
+    </p:ext>
+  </p:extLst>
 </p:presentation>
 </file>
 
 <file path=ppt/slideLayouts/slideLayout1.xml><?xml version="1.0" encoding="utf-8"?>
-<p:sldLayout xmlns:a="http://schemas.openxmlformats.org/drawingml/2006/main" xmlns:r="http://schemas.openxmlformats.org/officeDocument/2006/relationships" xmlns:p="http://schemas.openxmlformats.org/presentationml/2006/main" type="title" preserve="1">
-  <p:cSld name="Title Slide">
-    <p:spTree>
-      <p:nvGrpSpPr>
-        <p:cNvPr id="1" name=""/>
-        <p:cNvGrpSpPr/>
-        <p:nvPr/>
-      </p:nvGrpSpPr>
-      <p:grpSpPr>
-        <a:xfrm>
-          <a:off x="0" y="0"/>
-          <a:ext cx="0" cy="0"/>
-          <a:chOff x="0" y="0"/>
-          <a:chExt cx="0" cy="0"/>
-        </a:xfrm>
-      </p:grpSpPr>
-      <p:sp>
-        <p:nvSpPr>
-          <p:cNvPr id="2" name="Title 1">
-            <a:extLst>
-              <a:ext uri="{FF2B5EF4-FFF2-40B4-BE49-F238E27FC236}">
-                <a16:creationId xmlns:a16="http://schemas.microsoft.com/office/drawing/2014/main" id="{7C4A5CB3-0628-4C8F-BC59-2EFB9DC6ECB1}"/>
-              </a:ext>
-            </a:extLst>
-          </p:cNvPr>
-          <p:cNvSpPr>
-            <a:spLocks noGrp="1"/>
-          </p:cNvSpPr>
-          <p:nvPr>
-            <p:ph type="ctrTitle"/>
-          </p:nvPr>
-        </p:nvSpPr>
-        <p:spPr>
-          <a:xfrm>
-            <a:off x="1524000" y="1122363"/>
-            <a:ext cx="9144000" cy="2387600"/>
-          </a:xfrm>
-        </p:spPr>
-        <p:txBody>
-          <a:bodyPr anchor="b"/>
-          <a:lstStyle>
-            <a:lvl1pPr algn="ctr">
-              <a:defRPr sz="6000"/>
-            </a:lvl1pPr>
-          </a:lstStyle>
-          <a:p>
-            <a:r>
-              <a:rPr lang="en-US"/>
-              <a:t>Click to edit Master title style</a:t>
-            </a:r>
-          </a:p>
-        </p:txBody>
-      </p:sp>
-      <p:sp>
-        <p:nvSpPr>
-          <p:cNvPr id="3" name="Subtitle 2">
-            <a:extLst>
-              <a:ext uri="{FF2B5EF4-FFF2-40B4-BE49-F238E27FC236}">
-                <a16:creationId xmlns:a16="http://schemas.microsoft.com/office/drawing/2014/main" id="{7660D586-C2A2-4FC5-A637-D65EB51B65D8}"/>
-              </a:ext>
-            </a:extLst>
-          </p:cNvPr>
-          <p:cNvSpPr>
-            <a:spLocks noGrp="1"/>
-          </p:cNvSpPr>
-          <p:nvPr>
-            <p:ph type="subTitle" idx="1"/>
-          </p:nvPr>
-        </p:nvSpPr>
-        <p:spPr>
-          <a:xfrm>
-            <a:off x="1524000" y="3602038"/>
-            <a:ext cx="9144000" cy="1655762"/>
-          </a:xfrm>
-        </p:spPr>
-        <p:txBody>
-          <a:bodyPr/>
-          <a:lstStyle>
-            <a:lvl1pPr marL="0" indent="0" algn="ctr">
-              <a:buNone/>
-              <a:defRPr sz="2400"/>
-            </a:lvl1pPr>
-            <a:lvl2pPr marL="457200" indent="0" algn="ctr">
-              <a:buNone/>
-              <a:defRPr sz="2000"/>
-            </a:lvl2pPr>
-            <a:lvl3pPr marL="914400" indent="0" algn="ctr">
-              <a:buNone/>
-              <a:defRPr sz="1800"/>
-            </a:lvl3pPr>
-            <a:lvl4pPr marL="1371600" indent="0" algn="ctr">
-              <a:buNone/>
-              <a:defRPr sz="1600"/>
-            </a:lvl4pPr>
-            <a:lvl5pPr marL="1828800" indent="0" algn="ctr">
-              <a:buNone/>
-              <a:defRPr sz="1600"/>
-            </a:lvl5pPr>
-            <a:lvl6pPr marL="2286000" indent="0" algn="ctr">
-              <a:buNone/>
-              <a:defRPr sz="1600"/>
-            </a:lvl6pPr>
-            <a:lvl7pPr marL="2743200" indent="0" algn="ctr">
-              <a:buNone/>
-              <a:defRPr sz="1600"/>
-            </a:lvl7pPr>
-            <a:lvl8pPr marL="3200400" indent="0" algn="ctr">
-              <a:buNone/>
-              <a:defRPr sz="1600"/>
-            </a:lvl8pPr>
-            <a:lvl9pPr marL="3657600" indent="0" algn="ctr">
-              <a:buNone/>
-              <a:defRPr sz="1600"/>
-            </a:lvl9pPr>
-          </a:lstStyle>
-          <a:p>
-            <a:r>
-              <a:rPr lang="en-US"/>
-              <a:t>Click to edit Master subtitle style</a:t>
-            </a:r>
-          </a:p>
-        </p:txBody>
-      </p:sp>
-      <p:sp>
-        <p:nvSpPr>
-          <p:cNvPr id="4" name="Date Placeholder 3">
-            <a:extLst>
-              <a:ext uri="{FF2B5EF4-FFF2-40B4-BE49-F238E27FC236}">
-                <a16:creationId xmlns:a16="http://schemas.microsoft.com/office/drawing/2014/main" id="{C15382C6-33F1-4C60-9D58-D542D96B9210}"/>
-              </a:ext>
-            </a:extLst>
-          </p:cNvPr>
-          <p:cNvSpPr>
-            <a:spLocks noGrp="1"/>
-          </p:cNvSpPr>
-          <p:nvPr>
-            <p:ph type="dt" sz="half" idx="10"/>
-          </p:nvPr>
-        </p:nvSpPr>
-        <p:spPr/>
-        <p:txBody>
-          <a:bodyPr/>
-          <a:lstStyle/>
-          <a:p>
-            <a:fld id="{56B36DF7-D075-4B16-B767-125076EC0A7B}" type="datetimeFigureOut">
-              <a:rPr lang="en-US" smtClean="0"/>
-              <a:t>8/31/2021</a:t>
-            </a:fld>
-            <a:endParaRPr lang="en-US"/>
-          </a:p>
-        </p:txBody>
-      </p:sp>
-      <p:sp>
-        <p:nvSpPr>
-          <p:cNvPr id="5" name="Footer Placeholder 4">
-            <a:extLst>
-              <a:ext uri="{FF2B5EF4-FFF2-40B4-BE49-F238E27FC236}">
-                <a16:creationId xmlns:a16="http://schemas.microsoft.com/office/drawing/2014/main" id="{026824BB-A752-411E-8E84-61051D981AF0}"/>
-              </a:ext>
-            </a:extLst>
-          </p:cNvPr>
-          <p:cNvSpPr>
-            <a:spLocks noGrp="1"/>
-          </p:cNvSpPr>
-          <p:nvPr>
-            <p:ph type="ftr" sz="quarter" idx="11"/>
-          </p:nvPr>
-        </p:nvSpPr>
-        <p:spPr/>
-        <p:txBody>
-          <a:bodyPr/>
-          <a:lstStyle/>
-          <a:p>
-            <a:endParaRPr lang="en-US"/>
-          </a:p>
-        </p:txBody>
-      </p:sp>
-      <p:sp>
-        <p:nvSpPr>
-          <p:cNvPr id="6" name="Slide Number Placeholder 5">
-            <a:extLst>
-              <a:ext uri="{FF2B5EF4-FFF2-40B4-BE49-F238E27FC236}">
-                <a16:creationId xmlns:a16="http://schemas.microsoft.com/office/drawing/2014/main" id="{A0E38920-A632-401F-9CA0-23104A9272EF}"/>
-              </a:ext>
-            </a:extLst>
-          </p:cNvPr>
-          <p:cNvSpPr>
-            <a:spLocks noGrp="1"/>
-          </p:cNvSpPr>
-          <p:nvPr>
-            <p:ph type="sldNum" sz="quarter" idx="12"/>
-          </p:nvPr>
-        </p:nvSpPr>
-        <p:spPr/>
-        <p:txBody>
-          <a:bodyPr/>
-          <a:lstStyle/>
-          <a:p>
-            <a:fld id="{F7D79181-B4B9-4625-8114-A44AF754A8B7}" type="slidenum">
-              <a:rPr lang="en-US" smtClean="0"/>
-              <a:t>‹#›</a:t>
-            </a:fld>
-            <a:endParaRPr lang="en-US"/>
-          </a:p>
-        </p:txBody>
-      </p:sp>
-    </p:spTree>
-    <p:extLst>
-      <p:ext uri="{BB962C8B-B14F-4D97-AF65-F5344CB8AC3E}">
-        <p14:creationId xmlns:p14="http://schemas.microsoft.com/office/powerpoint/2010/main" val="3145893896"/>
-      </p:ext>
-    </p:extLst>
-  </p:cSld>
-  <p:clrMapOvr>
-    <a:masterClrMapping/>
-  </p:clrMapOvr>
-</p:sldLayout>
-</file>
-
-<file path=ppt/slideLayouts/slideLayout10.xml><?xml version="1.0" encoding="utf-8"?>
-<p:sldLayout xmlns:a="http://schemas.openxmlformats.org/drawingml/2006/main" xmlns:r="http://schemas.openxmlformats.org/officeDocument/2006/relationships" xmlns:p="http://schemas.openxmlformats.org/presentationml/2006/main" type="vertTx" preserve="1">
-  <p:cSld name="Title and Vertical Text">
-    <p:spTree>
-      <p:nvGrpSpPr>
-        <p:cNvPr id="1" name=""/>
-        <p:cNvGrpSpPr/>
-        <p:nvPr/>
-      </p:nvGrpSpPr>
-      <p:grpSpPr>
-        <a:xfrm>
-          <a:off x="0" y="0"/>
-          <a:ext cx="0" cy="0"/>
-          <a:chOff x="0" y="0"/>
-          <a:chExt cx="0" cy="0"/>
-        </a:xfrm>
-      </p:grpSpPr>
-      <p:sp>
-        <p:nvSpPr>
-          <p:cNvPr id="2" name="Title 1">
-            <a:extLst>
-              <a:ext uri="{FF2B5EF4-FFF2-40B4-BE49-F238E27FC236}">
-                <a16:creationId xmlns:a16="http://schemas.microsoft.com/office/drawing/2014/main" id="{390F57A5-5A9D-466F-80FF-DE215BEE40CD}"/>
-              </a:ext>
-            </a:extLst>
-          </p:cNvPr>
-          <p:cNvSpPr>
-            <a:spLocks noGrp="1"/>
-          </p:cNvSpPr>
-          <p:nvPr>
-            <p:ph type="title"/>
-          </p:nvPr>
-        </p:nvSpPr>
-        <p:spPr/>
-        <p:txBody>
-          <a:bodyPr/>
-          <a:lstStyle/>
-          <a:p>
-            <a:r>
-              <a:rPr lang="en-US"/>
-              <a:t>Click to edit Master title style</a:t>
-            </a:r>
-          </a:p>
-        </p:txBody>
-      </p:sp>
-      <p:sp>
-        <p:nvSpPr>
-          <p:cNvPr id="3" name="Vertical Text Placeholder 2">
-            <a:extLst>
-              <a:ext uri="{FF2B5EF4-FFF2-40B4-BE49-F238E27FC236}">
-                <a16:creationId xmlns:a16="http://schemas.microsoft.com/office/drawing/2014/main" id="{03AC0CD1-272D-4F47-BBFA-57F9B2FA3E81}"/>
-              </a:ext>
-            </a:extLst>
-          </p:cNvPr>
-          <p:cNvSpPr>
-            <a:spLocks noGrp="1"/>
-          </p:cNvSpPr>
-          <p:nvPr>
-            <p:ph type="body" orient="vert" idx="1"/>
-          </p:nvPr>
-        </p:nvSpPr>
-        <p:spPr/>
-        <p:txBody>
-          <a:bodyPr vert="eaVert"/>
-          <a:lstStyle/>
-          <a:p>
-            <a:pPr lvl="0"/>
-            <a:r>
-              <a:rPr lang="en-US"/>
-              <a:t>Click to edit Master text styles</a:t>
-            </a:r>
-          </a:p>
-          <a:p>
-            <a:pPr lvl="1"/>
-            <a:r>
-              <a:rPr lang="en-US"/>
-              <a:t>Second level</a:t>
-            </a:r>
-          </a:p>
-          <a:p>
-            <a:pPr lvl="2"/>
-            <a:r>
-              <a:rPr lang="en-US"/>
-              <a:t>Third level</a:t>
-            </a:r>
-          </a:p>
-          <a:p>
-            <a:pPr lvl="3"/>
-            <a:r>
-              <a:rPr lang="en-US"/>
-              <a:t>Fourth level</a:t>
-            </a:r>
-          </a:p>
-          <a:p>
-            <a:pPr lvl="4"/>
-            <a:r>
-              <a:rPr lang="en-US"/>
-              <a:t>Fifth level</a:t>
-            </a:r>
-          </a:p>
-        </p:txBody>
-      </p:sp>
-      <p:sp>
-        <p:nvSpPr>
-          <p:cNvPr id="4" name="Date Placeholder 3">
-            <a:extLst>
-              <a:ext uri="{FF2B5EF4-FFF2-40B4-BE49-F238E27FC236}">
-                <a16:creationId xmlns:a16="http://schemas.microsoft.com/office/drawing/2014/main" id="{D0800D84-0EA9-45E4-855A-10872DD2A84E}"/>
-              </a:ext>
-            </a:extLst>
-          </p:cNvPr>
-          <p:cNvSpPr>
-            <a:spLocks noGrp="1"/>
-          </p:cNvSpPr>
-          <p:nvPr>
-            <p:ph type="dt" sz="half" idx="10"/>
-          </p:nvPr>
-        </p:nvSpPr>
-        <p:spPr/>
-        <p:txBody>
-          <a:bodyPr/>
-          <a:lstStyle/>
-          <a:p>
-            <a:fld id="{56B36DF7-D075-4B16-B767-125076EC0A7B}" type="datetimeFigureOut">
-              <a:rPr lang="en-US" smtClean="0"/>
-              <a:t>8/31/2021</a:t>
-            </a:fld>
-            <a:endParaRPr lang="en-US"/>
-          </a:p>
-        </p:txBody>
-      </p:sp>
-      <p:sp>
-        <p:nvSpPr>
-          <p:cNvPr id="5" name="Footer Placeholder 4">
-            <a:extLst>
-              <a:ext uri="{FF2B5EF4-FFF2-40B4-BE49-F238E27FC236}">
-                <a16:creationId xmlns:a16="http://schemas.microsoft.com/office/drawing/2014/main" id="{4BAA3C27-6A6D-46A1-BE47-1B54B413172A}"/>
-              </a:ext>
-            </a:extLst>
-          </p:cNvPr>
-          <p:cNvSpPr>
-            <a:spLocks noGrp="1"/>
-          </p:cNvSpPr>
-          <p:nvPr>
-            <p:ph type="ftr" sz="quarter" idx="11"/>
-          </p:nvPr>
-        </p:nvSpPr>
-        <p:spPr/>
-        <p:txBody>
-          <a:bodyPr/>
-          <a:lstStyle/>
-          <a:p>
-            <a:endParaRPr lang="en-US"/>
-          </a:p>
-        </p:txBody>
-      </p:sp>
-      <p:sp>
-        <p:nvSpPr>
-          <p:cNvPr id="6" name="Slide Number Placeholder 5">
-            <a:extLst>
-              <a:ext uri="{FF2B5EF4-FFF2-40B4-BE49-F238E27FC236}">
-                <a16:creationId xmlns:a16="http://schemas.microsoft.com/office/drawing/2014/main" id="{F34F3511-D08A-4D59-BF71-F26F4CEF9870}"/>
-              </a:ext>
-            </a:extLst>
-          </p:cNvPr>
-          <p:cNvSpPr>
-            <a:spLocks noGrp="1"/>
-          </p:cNvSpPr>
-          <p:nvPr>
-            <p:ph type="sldNum" sz="quarter" idx="12"/>
-          </p:nvPr>
-        </p:nvSpPr>
-        <p:spPr/>
-        <p:txBody>
-          <a:bodyPr/>
-          <a:lstStyle/>
-          <a:p>
-            <a:fld id="{F7D79181-B4B9-4625-8114-A44AF754A8B7}" type="slidenum">
-              <a:rPr lang="en-US" smtClean="0"/>
-              <a:t>‹#›</a:t>
-            </a:fld>
-            <a:endParaRPr lang="en-US"/>
-          </a:p>
-        </p:txBody>
-      </p:sp>
-    </p:spTree>
-    <p:extLst>
-      <p:ext uri="{BB962C8B-B14F-4D97-AF65-F5344CB8AC3E}">
-        <p14:creationId xmlns:p14="http://schemas.microsoft.com/office/powerpoint/2010/main" val="1194420051"/>
-      </p:ext>
-    </p:extLst>
-  </p:cSld>
-  <p:clrMapOvr>
-    <a:masterClrMapping/>
-  </p:clrMapOvr>
-</p:sldLayout>
-</file>
-
-<file path=ppt/slideLayouts/slideLayout11.xml><?xml version="1.0" encoding="utf-8"?>
-<p:sldLayout xmlns:a="http://schemas.openxmlformats.org/drawingml/2006/main" xmlns:r="http://schemas.openxmlformats.org/officeDocument/2006/relationships" xmlns:p="http://schemas.openxmlformats.org/presentationml/2006/main" type="vertTitleAndTx" preserve="1">
-  <p:cSld name="Vertical Title and Text">
-    <p:spTree>
-      <p:nvGrpSpPr>
-        <p:cNvPr id="1" name=""/>
-        <p:cNvGrpSpPr/>
-        <p:nvPr/>
-      </p:nvGrpSpPr>
-      <p:grpSpPr>
-        <a:xfrm>
-          <a:off x="0" y="0"/>
-          <a:ext cx="0" cy="0"/>
-          <a:chOff x="0" y="0"/>
-          <a:chExt cx="0" cy="0"/>
-        </a:xfrm>
-      </p:grpSpPr>
-      <p:sp>
-        <p:nvSpPr>
-          <p:cNvPr id="2" name="Vertical Title 1">
-            <a:extLst>
-              <a:ext uri="{FF2B5EF4-FFF2-40B4-BE49-F238E27FC236}">
-                <a16:creationId xmlns:a16="http://schemas.microsoft.com/office/drawing/2014/main" id="{972FB1FC-39B7-4370-86DD-B9DA881E040F}"/>
-              </a:ext>
-            </a:extLst>
-          </p:cNvPr>
-          <p:cNvSpPr>
-            <a:spLocks noGrp="1"/>
-          </p:cNvSpPr>
-          <p:nvPr>
-            <p:ph type="title" orient="vert"/>
-          </p:nvPr>
-        </p:nvSpPr>
-        <p:spPr>
-          <a:xfrm>
-            <a:off x="8724900" y="365125"/>
-            <a:ext cx="2628900" cy="5811838"/>
-          </a:xfrm>
-        </p:spPr>
-        <p:txBody>
-          <a:bodyPr vert="eaVert"/>
-          <a:lstStyle/>
-          <a:p>
-            <a:r>
-              <a:rPr lang="en-US"/>
-              <a:t>Click to edit Master title style</a:t>
-            </a:r>
-          </a:p>
-        </p:txBody>
-      </p:sp>
-      <p:sp>
-        <p:nvSpPr>
-          <p:cNvPr id="3" name="Vertical Text Placeholder 2">
-            <a:extLst>
-              <a:ext uri="{FF2B5EF4-FFF2-40B4-BE49-F238E27FC236}">
-                <a16:creationId xmlns:a16="http://schemas.microsoft.com/office/drawing/2014/main" id="{8DA9FB73-72BC-4B78-BAF1-4F04F2C0C460}"/>
-              </a:ext>
-            </a:extLst>
-          </p:cNvPr>
-          <p:cNvSpPr>
-            <a:spLocks noGrp="1"/>
-          </p:cNvSpPr>
-          <p:nvPr>
-            <p:ph type="body" orient="vert" idx="1"/>
-          </p:nvPr>
-        </p:nvSpPr>
-        <p:spPr>
-          <a:xfrm>
-            <a:off x="838200" y="365125"/>
-            <a:ext cx="7734300" cy="5811838"/>
-          </a:xfrm>
-        </p:spPr>
-        <p:txBody>
-          <a:bodyPr vert="eaVert"/>
-          <a:lstStyle/>
-          <a:p>
-            <a:pPr lvl="0"/>
-            <a:r>
-              <a:rPr lang="en-US"/>
-              <a:t>Click to edit Master text styles</a:t>
-            </a:r>
-          </a:p>
-          <a:p>
-            <a:pPr lvl="1"/>
-            <a:r>
-              <a:rPr lang="en-US"/>
-              <a:t>Second level</a:t>
-            </a:r>
-          </a:p>
-          <a:p>
-            <a:pPr lvl="2"/>
-            <a:r>
-              <a:rPr lang="en-US"/>
-              <a:t>Third level</a:t>
-            </a:r>
-          </a:p>
-          <a:p>
-            <a:pPr lvl="3"/>
-            <a:r>
-              <a:rPr lang="en-US"/>
-              <a:t>Fourth level</a:t>
-            </a:r>
-          </a:p>
-          <a:p>
-            <a:pPr lvl="4"/>
-            <a:r>
-              <a:rPr lang="en-US"/>
-              <a:t>Fifth level</a:t>
-            </a:r>
-          </a:p>
-        </p:txBody>
-      </p:sp>
-      <p:sp>
-        <p:nvSpPr>
-          <p:cNvPr id="4" name="Date Placeholder 3">
-            <a:extLst>
-              <a:ext uri="{FF2B5EF4-FFF2-40B4-BE49-F238E27FC236}">
-                <a16:creationId xmlns:a16="http://schemas.microsoft.com/office/drawing/2014/main" id="{32159F15-C4C8-480A-AFDA-A75778EEB015}"/>
-              </a:ext>
-            </a:extLst>
-          </p:cNvPr>
-          <p:cNvSpPr>
-            <a:spLocks noGrp="1"/>
-          </p:cNvSpPr>
-          <p:nvPr>
-            <p:ph type="dt" sz="half" idx="10"/>
-          </p:nvPr>
-        </p:nvSpPr>
-        <p:spPr/>
-        <p:txBody>
-          <a:bodyPr/>
-          <a:lstStyle/>
-          <a:p>
-            <a:fld id="{56B36DF7-D075-4B16-B767-125076EC0A7B}" type="datetimeFigureOut">
-              <a:rPr lang="en-US" smtClean="0"/>
-              <a:t>8/31/2021</a:t>
-            </a:fld>
-            <a:endParaRPr lang="en-US"/>
-          </a:p>
-        </p:txBody>
-      </p:sp>
-      <p:sp>
-        <p:nvSpPr>
-          <p:cNvPr id="5" name="Footer Placeholder 4">
-            <a:extLst>
-              <a:ext uri="{FF2B5EF4-FFF2-40B4-BE49-F238E27FC236}">
-                <a16:creationId xmlns:a16="http://schemas.microsoft.com/office/drawing/2014/main" id="{4245D53B-EA56-433E-A359-68E0CD08FB7A}"/>
-              </a:ext>
-            </a:extLst>
-          </p:cNvPr>
-          <p:cNvSpPr>
-            <a:spLocks noGrp="1"/>
-          </p:cNvSpPr>
-          <p:nvPr>
-            <p:ph type="ftr" sz="quarter" idx="11"/>
-          </p:nvPr>
-        </p:nvSpPr>
-        <p:spPr/>
-        <p:txBody>
-          <a:bodyPr/>
-          <a:lstStyle/>
-          <a:p>
-            <a:endParaRPr lang="en-US"/>
-          </a:p>
-        </p:txBody>
-      </p:sp>
-      <p:sp>
-        <p:nvSpPr>
-          <p:cNvPr id="6" name="Slide Number Placeholder 5">
-            <a:extLst>
-              <a:ext uri="{FF2B5EF4-FFF2-40B4-BE49-F238E27FC236}">
-                <a16:creationId xmlns:a16="http://schemas.microsoft.com/office/drawing/2014/main" id="{B99EFCB5-B66A-4A3A-9359-25804F44018D}"/>
-              </a:ext>
-            </a:extLst>
-          </p:cNvPr>
-          <p:cNvSpPr>
-            <a:spLocks noGrp="1"/>
-          </p:cNvSpPr>
-          <p:nvPr>
-            <p:ph type="sldNum" sz="quarter" idx="12"/>
-          </p:nvPr>
-        </p:nvSpPr>
-        <p:spPr/>
-        <p:txBody>
-          <a:bodyPr/>
-          <a:lstStyle/>
-          <a:p>
-            <a:fld id="{F7D79181-B4B9-4625-8114-A44AF754A8B7}" type="slidenum">
-              <a:rPr lang="en-US" smtClean="0"/>
-              <a:t>‹#›</a:t>
-            </a:fld>
-            <a:endParaRPr lang="en-US"/>
-          </a:p>
-        </p:txBody>
-      </p:sp>
-    </p:spTree>
-    <p:extLst>
-      <p:ext uri="{BB962C8B-B14F-4D97-AF65-F5344CB8AC3E}">
-        <p14:creationId xmlns:p14="http://schemas.microsoft.com/office/powerpoint/2010/main" val="15129112"/>
-      </p:ext>
-    </p:extLst>
-  </p:cSld>
-  <p:clrMapOvr>
-    <a:masterClrMapping/>
-  </p:clrMapOvr>
-</p:sldLayout>
-</file>
-
-<file path=ppt/slideLayouts/slideLayout12.xml><?xml version="1.0" encoding="utf-8"?>
 <p:sldLayout xmlns:a="http://schemas.openxmlformats.org/drawingml/2006/main" xmlns:r="http://schemas.openxmlformats.org/officeDocument/2006/relationships" xmlns:p="http://schemas.openxmlformats.org/presentationml/2006/main" type="blank" preserve="1">
   <p:cSld name="Blank">
     <p:spTree>
@@ -861,7 +239,636 @@
 </p:sldLayout>
 </file>
 
-<file path=ppt/slideLayouts/slideLayout13.xml><?xml version="1.0" encoding="utf-8"?>
+<file path=ppt/slideLayouts/slideLayout10.xml><?xml version="1.0" encoding="utf-8"?>
+<p:sldLayout xmlns:a="http://schemas.openxmlformats.org/drawingml/2006/main" xmlns:r="http://schemas.openxmlformats.org/officeDocument/2006/relationships" xmlns:p="http://schemas.openxmlformats.org/presentationml/2006/main" type="picTx" preserve="1">
+  <p:cSld name="Picture with Caption">
+    <p:spTree>
+      <p:nvGrpSpPr>
+        <p:cNvPr id="1" name=""/>
+        <p:cNvGrpSpPr/>
+        <p:nvPr/>
+      </p:nvGrpSpPr>
+      <p:grpSpPr>
+        <a:xfrm>
+          <a:off x="0" y="0"/>
+          <a:ext cx="0" cy="0"/>
+          <a:chOff x="0" y="0"/>
+          <a:chExt cx="0" cy="0"/>
+        </a:xfrm>
+      </p:grpSpPr>
+      <p:sp>
+        <p:nvSpPr>
+          <p:cNvPr id="2" name="Title 1"/>
+          <p:cNvSpPr>
+            <a:spLocks noGrp="1"/>
+          </p:cNvSpPr>
+          <p:nvPr>
+            <p:ph type="title"/>
+          </p:nvPr>
+        </p:nvSpPr>
+        <p:spPr>
+          <a:xfrm>
+            <a:off x="2389717" y="4800600"/>
+            <a:ext cx="7315200" cy="566738"/>
+          </a:xfrm>
+        </p:spPr>
+        <p:txBody>
+          <a:bodyPr/>
+          <a:lstStyle>
+            <a:lvl1pPr algn="l">
+              <a:defRPr sz="2000" b="1"/>
+            </a:lvl1pPr>
+          </a:lstStyle>
+          <a:p>
+            <a:r>
+              <a:rPr lang="en-US"/>
+              <a:t>Click to edit Master title style</a:t>
+            </a:r>
+          </a:p>
+        </p:txBody>
+      </p:sp>
+      <p:sp>
+        <p:nvSpPr>
+          <p:cNvPr id="3" name="Picture Placeholder 2"/>
+          <p:cNvSpPr>
+            <a:spLocks noGrp="1"/>
+          </p:cNvSpPr>
+          <p:nvPr>
+            <p:ph type="pic" idx="1"/>
+          </p:nvPr>
+        </p:nvSpPr>
+        <p:spPr>
+          <a:xfrm>
+            <a:off x="2389717" y="612775"/>
+            <a:ext cx="7315200" cy="4114800"/>
+          </a:xfrm>
+        </p:spPr>
+        <p:txBody>
+          <a:bodyPr/>
+          <a:lstStyle>
+            <a:lvl1pPr marL="0" indent="0">
+              <a:buNone/>
+              <a:defRPr sz="3200"/>
+            </a:lvl1pPr>
+            <a:lvl2pPr marL="457200" indent="0">
+              <a:buNone/>
+              <a:defRPr sz="2800"/>
+            </a:lvl2pPr>
+            <a:lvl3pPr marL="914400" indent="0">
+              <a:buNone/>
+              <a:defRPr sz="2400"/>
+            </a:lvl3pPr>
+            <a:lvl4pPr marL="1371600" indent="0">
+              <a:buNone/>
+              <a:defRPr sz="2000"/>
+            </a:lvl4pPr>
+            <a:lvl5pPr marL="1828800" indent="0">
+              <a:buNone/>
+              <a:defRPr sz="2000"/>
+            </a:lvl5pPr>
+            <a:lvl6pPr marL="2286000" indent="0">
+              <a:buNone/>
+              <a:defRPr sz="2000"/>
+            </a:lvl6pPr>
+            <a:lvl7pPr marL="2743200" indent="0">
+              <a:buNone/>
+              <a:defRPr sz="2000"/>
+            </a:lvl7pPr>
+            <a:lvl8pPr marL="3200400" indent="0">
+              <a:buNone/>
+              <a:defRPr sz="2000"/>
+            </a:lvl8pPr>
+            <a:lvl9pPr marL="3657600" indent="0">
+              <a:buNone/>
+              <a:defRPr sz="2000"/>
+            </a:lvl9pPr>
+          </a:lstStyle>
+          <a:p>
+            <a:pPr lvl="0"/>
+            <a:endParaRPr lang="en-US" noProof="0"/>
+          </a:p>
+        </p:txBody>
+      </p:sp>
+      <p:sp>
+        <p:nvSpPr>
+          <p:cNvPr id="4" name="Text Placeholder 3"/>
+          <p:cNvSpPr>
+            <a:spLocks noGrp="1"/>
+          </p:cNvSpPr>
+          <p:nvPr>
+            <p:ph type="body" sz="half" idx="2"/>
+          </p:nvPr>
+        </p:nvSpPr>
+        <p:spPr>
+          <a:xfrm>
+            <a:off x="2389717" y="5367338"/>
+            <a:ext cx="7315200" cy="804862"/>
+          </a:xfrm>
+        </p:spPr>
+        <p:txBody>
+          <a:bodyPr/>
+          <a:lstStyle>
+            <a:lvl1pPr marL="0" indent="0">
+              <a:buNone/>
+              <a:defRPr sz="1400"/>
+            </a:lvl1pPr>
+            <a:lvl2pPr marL="457200" indent="0">
+              <a:buNone/>
+              <a:defRPr sz="1200"/>
+            </a:lvl2pPr>
+            <a:lvl3pPr marL="914400" indent="0">
+              <a:buNone/>
+              <a:defRPr sz="1000"/>
+            </a:lvl3pPr>
+            <a:lvl4pPr marL="1371600" indent="0">
+              <a:buNone/>
+              <a:defRPr sz="900"/>
+            </a:lvl4pPr>
+            <a:lvl5pPr marL="1828800" indent="0">
+              <a:buNone/>
+              <a:defRPr sz="900"/>
+            </a:lvl5pPr>
+            <a:lvl6pPr marL="2286000" indent="0">
+              <a:buNone/>
+              <a:defRPr sz="900"/>
+            </a:lvl6pPr>
+            <a:lvl7pPr marL="2743200" indent="0">
+              <a:buNone/>
+              <a:defRPr sz="900"/>
+            </a:lvl7pPr>
+            <a:lvl8pPr marL="3200400" indent="0">
+              <a:buNone/>
+              <a:defRPr sz="900"/>
+            </a:lvl8pPr>
+            <a:lvl9pPr marL="3657600" indent="0">
+              <a:buNone/>
+              <a:defRPr sz="900"/>
+            </a:lvl9pPr>
+          </a:lstStyle>
+          <a:p>
+            <a:pPr lvl="0"/>
+            <a:r>
+              <a:rPr lang="en-US"/>
+              <a:t>Click to edit Master text styles</a:t>
+            </a:r>
+          </a:p>
+        </p:txBody>
+      </p:sp>
+      <p:sp>
+        <p:nvSpPr>
+          <p:cNvPr id="5" name="Rectangle 5">
+            <a:extLst>
+              <a:ext uri="{FF2B5EF4-FFF2-40B4-BE49-F238E27FC236}">
+                <a16:creationId xmlns:a16="http://schemas.microsoft.com/office/drawing/2014/main" id="{9FF29DF2-272C-4DF5-B221-881A5195A6D4}"/>
+              </a:ext>
+            </a:extLst>
+          </p:cNvPr>
+          <p:cNvSpPr>
+            <a:spLocks noGrp="1" noChangeArrowheads="1"/>
+          </p:cNvSpPr>
+          <p:nvPr>
+            <p:ph type="dt" sz="half" idx="10"/>
+          </p:nvPr>
+        </p:nvSpPr>
+        <p:spPr>
+          <a:ln/>
+        </p:spPr>
+        <p:txBody>
+          <a:bodyPr/>
+          <a:lstStyle>
+            <a:lvl1pPr>
+              <a:defRPr/>
+            </a:lvl1pPr>
+          </a:lstStyle>
+          <a:p>
+            <a:pPr>
+              <a:defRPr/>
+            </a:pPr>
+            <a:endParaRPr lang="en-US" altLang="en-US"/>
+          </a:p>
+        </p:txBody>
+      </p:sp>
+      <p:sp>
+        <p:nvSpPr>
+          <p:cNvPr id="6" name="Rectangle 7">
+            <a:extLst>
+              <a:ext uri="{FF2B5EF4-FFF2-40B4-BE49-F238E27FC236}">
+                <a16:creationId xmlns:a16="http://schemas.microsoft.com/office/drawing/2014/main" id="{D09118A7-F379-40D4-9D97-8583589080EA}"/>
+              </a:ext>
+            </a:extLst>
+          </p:cNvPr>
+          <p:cNvSpPr>
+            <a:spLocks noGrp="1" noChangeArrowheads="1"/>
+          </p:cNvSpPr>
+          <p:nvPr>
+            <p:ph type="sldNum" sz="quarter" idx="11"/>
+          </p:nvPr>
+        </p:nvSpPr>
+        <p:spPr>
+          <a:ln/>
+        </p:spPr>
+        <p:txBody>
+          <a:bodyPr/>
+          <a:lstStyle>
+            <a:lvl1pPr>
+              <a:defRPr/>
+            </a:lvl1pPr>
+          </a:lstStyle>
+          <a:p>
+            <a:pPr>
+              <a:defRPr/>
+            </a:pPr>
+            <a:fld id="{CAF9C78E-A5C9-4AFB-8616-E10027409AA0}" type="slidenum">
+              <a:rPr lang="en-US" altLang="en-US"/>
+              <a:pPr>
+                <a:defRPr/>
+              </a:pPr>
+              <a:t>‹#›</a:t>
+            </a:fld>
+            <a:endParaRPr lang="en-US" altLang="en-US"/>
+          </a:p>
+        </p:txBody>
+      </p:sp>
+    </p:spTree>
+    <p:extLst>
+      <p:ext uri="{BB962C8B-B14F-4D97-AF65-F5344CB8AC3E}">
+        <p14:creationId xmlns:p14="http://schemas.microsoft.com/office/powerpoint/2010/main" val="458229216"/>
+      </p:ext>
+    </p:extLst>
+  </p:cSld>
+  <p:clrMapOvr>
+    <a:masterClrMapping/>
+  </p:clrMapOvr>
+</p:sldLayout>
+</file>
+
+<file path=ppt/slideLayouts/slideLayout11.xml><?xml version="1.0" encoding="utf-8"?>
+<p:sldLayout xmlns:a="http://schemas.openxmlformats.org/drawingml/2006/main" xmlns:r="http://schemas.openxmlformats.org/officeDocument/2006/relationships" xmlns:p="http://schemas.openxmlformats.org/presentationml/2006/main" type="vertTx" preserve="1">
+  <p:cSld name="Title and Vertical Text">
+    <p:spTree>
+      <p:nvGrpSpPr>
+        <p:cNvPr id="1" name=""/>
+        <p:cNvGrpSpPr/>
+        <p:nvPr/>
+      </p:nvGrpSpPr>
+      <p:grpSpPr>
+        <a:xfrm>
+          <a:off x="0" y="0"/>
+          <a:ext cx="0" cy="0"/>
+          <a:chOff x="0" y="0"/>
+          <a:chExt cx="0" cy="0"/>
+        </a:xfrm>
+      </p:grpSpPr>
+      <p:sp>
+        <p:nvSpPr>
+          <p:cNvPr id="2" name="Title 1"/>
+          <p:cNvSpPr>
+            <a:spLocks noGrp="1"/>
+          </p:cNvSpPr>
+          <p:nvPr>
+            <p:ph type="title"/>
+          </p:nvPr>
+        </p:nvSpPr>
+        <p:spPr/>
+        <p:txBody>
+          <a:bodyPr/>
+          <a:lstStyle/>
+          <a:p>
+            <a:r>
+              <a:rPr lang="en-US"/>
+              <a:t>Click to edit Master title style</a:t>
+            </a:r>
+          </a:p>
+        </p:txBody>
+      </p:sp>
+      <p:sp>
+        <p:nvSpPr>
+          <p:cNvPr id="3" name="Vertical Text Placeholder 2"/>
+          <p:cNvSpPr>
+            <a:spLocks noGrp="1"/>
+          </p:cNvSpPr>
+          <p:nvPr>
+            <p:ph type="body" orient="vert" idx="1"/>
+          </p:nvPr>
+        </p:nvSpPr>
+        <p:spPr/>
+        <p:txBody>
+          <a:bodyPr vert="eaVert"/>
+          <a:lstStyle/>
+          <a:p>
+            <a:pPr lvl="0"/>
+            <a:r>
+              <a:rPr lang="en-US"/>
+              <a:t>Click to edit Master text styles</a:t>
+            </a:r>
+          </a:p>
+          <a:p>
+            <a:pPr lvl="1"/>
+            <a:r>
+              <a:rPr lang="en-US"/>
+              <a:t>Second level</a:t>
+            </a:r>
+          </a:p>
+          <a:p>
+            <a:pPr lvl="2"/>
+            <a:r>
+              <a:rPr lang="en-US"/>
+              <a:t>Third level</a:t>
+            </a:r>
+          </a:p>
+          <a:p>
+            <a:pPr lvl="3"/>
+            <a:r>
+              <a:rPr lang="en-US"/>
+              <a:t>Fourth level</a:t>
+            </a:r>
+          </a:p>
+          <a:p>
+            <a:pPr lvl="4"/>
+            <a:r>
+              <a:rPr lang="en-US"/>
+              <a:t>Fifth level</a:t>
+            </a:r>
+          </a:p>
+        </p:txBody>
+      </p:sp>
+      <p:sp>
+        <p:nvSpPr>
+          <p:cNvPr id="4" name="Rectangle 5">
+            <a:extLst>
+              <a:ext uri="{FF2B5EF4-FFF2-40B4-BE49-F238E27FC236}">
+                <a16:creationId xmlns:a16="http://schemas.microsoft.com/office/drawing/2014/main" id="{03CE7503-63EE-4C4E-8094-F36FF8B4A27F}"/>
+              </a:ext>
+            </a:extLst>
+          </p:cNvPr>
+          <p:cNvSpPr>
+            <a:spLocks noGrp="1" noChangeArrowheads="1"/>
+          </p:cNvSpPr>
+          <p:nvPr>
+            <p:ph type="dt" sz="half" idx="10"/>
+          </p:nvPr>
+        </p:nvSpPr>
+        <p:spPr>
+          <a:ln/>
+        </p:spPr>
+        <p:txBody>
+          <a:bodyPr/>
+          <a:lstStyle>
+            <a:lvl1pPr>
+              <a:defRPr/>
+            </a:lvl1pPr>
+          </a:lstStyle>
+          <a:p>
+            <a:pPr>
+              <a:defRPr/>
+            </a:pPr>
+            <a:endParaRPr lang="en-US" altLang="en-US"/>
+          </a:p>
+        </p:txBody>
+      </p:sp>
+      <p:sp>
+        <p:nvSpPr>
+          <p:cNvPr id="5" name="Rectangle 7">
+            <a:extLst>
+              <a:ext uri="{FF2B5EF4-FFF2-40B4-BE49-F238E27FC236}">
+                <a16:creationId xmlns:a16="http://schemas.microsoft.com/office/drawing/2014/main" id="{1F6A88E6-22F7-4324-B512-7A0D4CC98240}"/>
+              </a:ext>
+            </a:extLst>
+          </p:cNvPr>
+          <p:cNvSpPr>
+            <a:spLocks noGrp="1" noChangeArrowheads="1"/>
+          </p:cNvSpPr>
+          <p:nvPr>
+            <p:ph type="sldNum" sz="quarter" idx="11"/>
+          </p:nvPr>
+        </p:nvSpPr>
+        <p:spPr>
+          <a:ln/>
+        </p:spPr>
+        <p:txBody>
+          <a:bodyPr/>
+          <a:lstStyle>
+            <a:lvl1pPr>
+              <a:defRPr/>
+            </a:lvl1pPr>
+          </a:lstStyle>
+          <a:p>
+            <a:pPr>
+              <a:defRPr/>
+            </a:pPr>
+            <a:fld id="{54886259-D9D7-4C1C-8916-165CECB78B7F}" type="slidenum">
+              <a:rPr lang="en-US" altLang="en-US"/>
+              <a:pPr>
+                <a:defRPr/>
+              </a:pPr>
+              <a:t>‹#›</a:t>
+            </a:fld>
+            <a:endParaRPr lang="en-US" altLang="en-US"/>
+          </a:p>
+        </p:txBody>
+      </p:sp>
+    </p:spTree>
+    <p:extLst>
+      <p:ext uri="{BB962C8B-B14F-4D97-AF65-F5344CB8AC3E}">
+        <p14:creationId xmlns:p14="http://schemas.microsoft.com/office/powerpoint/2010/main" val="3201393865"/>
+      </p:ext>
+    </p:extLst>
+  </p:cSld>
+  <p:clrMapOvr>
+    <a:masterClrMapping/>
+  </p:clrMapOvr>
+</p:sldLayout>
+</file>
+
+<file path=ppt/slideLayouts/slideLayout12.xml><?xml version="1.0" encoding="utf-8"?>
+<p:sldLayout xmlns:a="http://schemas.openxmlformats.org/drawingml/2006/main" xmlns:r="http://schemas.openxmlformats.org/officeDocument/2006/relationships" xmlns:p="http://schemas.openxmlformats.org/presentationml/2006/main" type="vertTitleAndTx" preserve="1">
+  <p:cSld name="Vertical Title and Text">
+    <p:spTree>
+      <p:nvGrpSpPr>
+        <p:cNvPr id="1" name=""/>
+        <p:cNvGrpSpPr/>
+        <p:nvPr/>
+      </p:nvGrpSpPr>
+      <p:grpSpPr>
+        <a:xfrm>
+          <a:off x="0" y="0"/>
+          <a:ext cx="0" cy="0"/>
+          <a:chOff x="0" y="0"/>
+          <a:chExt cx="0" cy="0"/>
+        </a:xfrm>
+      </p:grpSpPr>
+      <p:sp>
+        <p:nvSpPr>
+          <p:cNvPr id="2" name="Vertical Title 1"/>
+          <p:cNvSpPr>
+            <a:spLocks noGrp="1"/>
+          </p:cNvSpPr>
+          <p:nvPr>
+            <p:ph type="title" orient="vert"/>
+          </p:nvPr>
+        </p:nvSpPr>
+        <p:spPr>
+          <a:xfrm>
+            <a:off x="8839200" y="258763"/>
+            <a:ext cx="2743200" cy="5872162"/>
+          </a:xfrm>
+        </p:spPr>
+        <p:txBody>
+          <a:bodyPr vert="eaVert"/>
+          <a:lstStyle/>
+          <a:p>
+            <a:r>
+              <a:rPr lang="en-US"/>
+              <a:t>Click to edit Master title style</a:t>
+            </a:r>
+          </a:p>
+        </p:txBody>
+      </p:sp>
+      <p:sp>
+        <p:nvSpPr>
+          <p:cNvPr id="3" name="Vertical Text Placeholder 2"/>
+          <p:cNvSpPr>
+            <a:spLocks noGrp="1"/>
+          </p:cNvSpPr>
+          <p:nvPr>
+            <p:ph type="body" orient="vert" idx="1"/>
+          </p:nvPr>
+        </p:nvSpPr>
+        <p:spPr>
+          <a:xfrm>
+            <a:off x="609600" y="258763"/>
+            <a:ext cx="8026400" cy="5872162"/>
+          </a:xfrm>
+        </p:spPr>
+        <p:txBody>
+          <a:bodyPr vert="eaVert"/>
+          <a:lstStyle/>
+          <a:p>
+            <a:pPr lvl="0"/>
+            <a:r>
+              <a:rPr lang="en-US"/>
+              <a:t>Click to edit Master text styles</a:t>
+            </a:r>
+          </a:p>
+          <a:p>
+            <a:pPr lvl="1"/>
+            <a:r>
+              <a:rPr lang="en-US"/>
+              <a:t>Second level</a:t>
+            </a:r>
+          </a:p>
+          <a:p>
+            <a:pPr lvl="2"/>
+            <a:r>
+              <a:rPr lang="en-US"/>
+              <a:t>Third level</a:t>
+            </a:r>
+          </a:p>
+          <a:p>
+            <a:pPr lvl="3"/>
+            <a:r>
+              <a:rPr lang="en-US"/>
+              <a:t>Fourth level</a:t>
+            </a:r>
+          </a:p>
+          <a:p>
+            <a:pPr lvl="4"/>
+            <a:r>
+              <a:rPr lang="en-US"/>
+              <a:t>Fifth level</a:t>
+            </a:r>
+          </a:p>
+        </p:txBody>
+      </p:sp>
+      <p:sp>
+        <p:nvSpPr>
+          <p:cNvPr id="4" name="Rectangle 5">
+            <a:extLst>
+              <a:ext uri="{FF2B5EF4-FFF2-40B4-BE49-F238E27FC236}">
+                <a16:creationId xmlns:a16="http://schemas.microsoft.com/office/drawing/2014/main" id="{F9B1BA2A-A593-4A6F-856A-6A4DF805BC18}"/>
+              </a:ext>
+            </a:extLst>
+          </p:cNvPr>
+          <p:cNvSpPr>
+            <a:spLocks noGrp="1" noChangeArrowheads="1"/>
+          </p:cNvSpPr>
+          <p:nvPr>
+            <p:ph type="dt" sz="half" idx="10"/>
+          </p:nvPr>
+        </p:nvSpPr>
+        <p:spPr>
+          <a:ln/>
+        </p:spPr>
+        <p:txBody>
+          <a:bodyPr/>
+          <a:lstStyle>
+            <a:lvl1pPr>
+              <a:defRPr/>
+            </a:lvl1pPr>
+          </a:lstStyle>
+          <a:p>
+            <a:pPr>
+              <a:defRPr/>
+            </a:pPr>
+            <a:endParaRPr lang="en-US" altLang="en-US"/>
+          </a:p>
+        </p:txBody>
+      </p:sp>
+      <p:sp>
+        <p:nvSpPr>
+          <p:cNvPr id="5" name="Rectangle 7">
+            <a:extLst>
+              <a:ext uri="{FF2B5EF4-FFF2-40B4-BE49-F238E27FC236}">
+                <a16:creationId xmlns:a16="http://schemas.microsoft.com/office/drawing/2014/main" id="{530A78FB-FB8F-46F8-9E33-20185F737707}"/>
+              </a:ext>
+            </a:extLst>
+          </p:cNvPr>
+          <p:cNvSpPr>
+            <a:spLocks noGrp="1" noChangeArrowheads="1"/>
+          </p:cNvSpPr>
+          <p:nvPr>
+            <p:ph type="sldNum" sz="quarter" idx="11"/>
+          </p:nvPr>
+        </p:nvSpPr>
+        <p:spPr>
+          <a:ln/>
+        </p:spPr>
+        <p:txBody>
+          <a:bodyPr/>
+          <a:lstStyle>
+            <a:lvl1pPr>
+              <a:defRPr/>
+            </a:lvl1pPr>
+          </a:lstStyle>
+          <a:p>
+            <a:pPr>
+              <a:defRPr/>
+            </a:pPr>
+            <a:fld id="{C8E5750F-FCEB-4C05-818D-099E50DA6AF2}" type="slidenum">
+              <a:rPr lang="en-US" altLang="en-US"/>
+              <a:pPr>
+                <a:defRPr/>
+              </a:pPr>
+              <a:t>‹#›</a:t>
+            </a:fld>
+            <a:endParaRPr lang="en-US" altLang="en-US"/>
+          </a:p>
+        </p:txBody>
+      </p:sp>
+    </p:spTree>
+    <p:extLst>
+      <p:ext uri="{BB962C8B-B14F-4D97-AF65-F5344CB8AC3E}">
+        <p14:creationId xmlns:p14="http://schemas.microsoft.com/office/powerpoint/2010/main" val="193926866"/>
+      </p:ext>
+    </p:extLst>
+  </p:cSld>
+  <p:clrMapOvr>
+    <a:masterClrMapping/>
+  </p:clrMapOvr>
+</p:sldLayout>
+</file>
+
+<file path=ppt/slideLayouts/slideLayout2.xml><?xml version="1.0" encoding="utf-8"?>
 <p:sldLayout xmlns:a="http://schemas.openxmlformats.org/drawingml/2006/main" xmlns:r="http://schemas.openxmlformats.org/officeDocument/2006/relationships" xmlns:p="http://schemas.openxmlformats.org/presentationml/2006/main" type="title" preserve="1">
   <p:cSld name="Title Slide">
     <p:spTree>
@@ -1057,7 +1064,7 @@
 </p:sldLayout>
 </file>
 
-<file path=ppt/slideLayouts/slideLayout14.xml><?xml version="1.0" encoding="utf-8"?>
+<file path=ppt/slideLayouts/slideLayout3.xml><?xml version="1.0" encoding="utf-8"?>
 <p:sldLayout xmlns:a="http://schemas.openxmlformats.org/drawingml/2006/main" xmlns:r="http://schemas.openxmlformats.org/officeDocument/2006/relationships" xmlns:p="http://schemas.openxmlformats.org/presentationml/2006/main" type="obj" preserve="1">
   <p:cSld name="Title and Content">
     <p:spTree>
@@ -1235,7 +1242,7 @@
 </p:sldLayout>
 </file>
 
-<file path=ppt/slideLayouts/slideLayout15.xml><?xml version="1.0" encoding="utf-8"?>
+<file path=ppt/slideLayouts/slideLayout4.xml><?xml version="1.0" encoding="utf-8"?>
 <p:sldLayout xmlns:a="http://schemas.openxmlformats.org/drawingml/2006/main" xmlns:r="http://schemas.openxmlformats.org/officeDocument/2006/relationships" xmlns:p="http://schemas.openxmlformats.org/presentationml/2006/main" type="secHead" preserve="1">
   <p:cSld name="Section Header">
     <p:spTree>
@@ -1436,7 +1443,7 @@
 </p:sldLayout>
 </file>
 
-<file path=ppt/slideLayouts/slideLayout16.xml><?xml version="1.0" encoding="utf-8"?>
+<file path=ppt/slideLayouts/slideLayout5.xml><?xml version="1.0" encoding="utf-8"?>
 <p:sldLayout xmlns:a="http://schemas.openxmlformats.org/drawingml/2006/main" xmlns:r="http://schemas.openxmlformats.org/officeDocument/2006/relationships" xmlns:p="http://schemas.openxmlformats.org/presentationml/2006/main" type="twoObj" preserve="1">
   <p:cSld name="Two Content">
     <p:spTree>
@@ -1731,7 +1738,7 @@
 </p:sldLayout>
 </file>
 
-<file path=ppt/slideLayouts/slideLayout17.xml><?xml version="1.0" encoding="utf-8"?>
+<file path=ppt/slideLayouts/slideLayout6.xml><?xml version="1.0" encoding="utf-8"?>
 <p:sldLayout xmlns:a="http://schemas.openxmlformats.org/drawingml/2006/main" xmlns:r="http://schemas.openxmlformats.org/officeDocument/2006/relationships" xmlns:p="http://schemas.openxmlformats.org/presentationml/2006/main" type="twoTxTwoObj" preserve="1">
   <p:cSld name="Comparison">
     <p:spTree>
@@ -2165,7 +2172,7 @@
 </p:sldLayout>
 </file>
 
-<file path=ppt/slideLayouts/slideLayout18.xml><?xml version="1.0" encoding="utf-8"?>
+<file path=ppt/slideLayouts/slideLayout7.xml><?xml version="1.0" encoding="utf-8"?>
 <p:sldLayout xmlns:a="http://schemas.openxmlformats.org/drawingml/2006/main" xmlns:r="http://schemas.openxmlformats.org/officeDocument/2006/relationships" xmlns:p="http://schemas.openxmlformats.org/presentationml/2006/main" type="titleOnly" preserve="1">
   <p:cSld name="Title Only">
     <p:spTree>
@@ -2292,7 +2299,7 @@
 </p:sldLayout>
 </file>
 
-<file path=ppt/slideLayouts/slideLayout19.xml><?xml version="1.0" encoding="utf-8"?>
+<file path=ppt/slideLayouts/slideLayout8.xml><?xml version="1.0" encoding="utf-8"?>
 <p:sldLayout xmlns:a="http://schemas.openxmlformats.org/drawingml/2006/main" xmlns:r="http://schemas.openxmlformats.org/officeDocument/2006/relationships" xmlns:p="http://schemas.openxmlformats.org/presentationml/2006/main" type="blank" preserve="1">
   <p:cSld name="Blank">
     <p:spTree>
@@ -2397,205 +2404,7 @@
 </p:sldLayout>
 </file>
 
-<file path=ppt/slideLayouts/slideLayout2.xml><?xml version="1.0" encoding="utf-8"?>
-<p:sldLayout xmlns:a="http://schemas.openxmlformats.org/drawingml/2006/main" xmlns:r="http://schemas.openxmlformats.org/officeDocument/2006/relationships" xmlns:p="http://schemas.openxmlformats.org/presentationml/2006/main" type="obj" preserve="1">
-  <p:cSld name="Title and Content">
-    <p:spTree>
-      <p:nvGrpSpPr>
-        <p:cNvPr id="1" name=""/>
-        <p:cNvGrpSpPr/>
-        <p:nvPr/>
-      </p:nvGrpSpPr>
-      <p:grpSpPr>
-        <a:xfrm>
-          <a:off x="0" y="0"/>
-          <a:ext cx="0" cy="0"/>
-          <a:chOff x="0" y="0"/>
-          <a:chExt cx="0" cy="0"/>
-        </a:xfrm>
-      </p:grpSpPr>
-      <p:sp>
-        <p:nvSpPr>
-          <p:cNvPr id="2" name="Title 1">
-            <a:extLst>
-              <a:ext uri="{FF2B5EF4-FFF2-40B4-BE49-F238E27FC236}">
-                <a16:creationId xmlns:a16="http://schemas.microsoft.com/office/drawing/2014/main" id="{22437F49-61C3-44C8-BE6F-A693DE1141FF}"/>
-              </a:ext>
-            </a:extLst>
-          </p:cNvPr>
-          <p:cNvSpPr>
-            <a:spLocks noGrp="1"/>
-          </p:cNvSpPr>
-          <p:nvPr>
-            <p:ph type="title"/>
-          </p:nvPr>
-        </p:nvSpPr>
-        <p:spPr/>
-        <p:txBody>
-          <a:bodyPr/>
-          <a:lstStyle/>
-          <a:p>
-            <a:r>
-              <a:rPr lang="en-US"/>
-              <a:t>Click to edit Master title style</a:t>
-            </a:r>
-          </a:p>
-        </p:txBody>
-      </p:sp>
-      <p:sp>
-        <p:nvSpPr>
-          <p:cNvPr id="3" name="Content Placeholder 2">
-            <a:extLst>
-              <a:ext uri="{FF2B5EF4-FFF2-40B4-BE49-F238E27FC236}">
-                <a16:creationId xmlns:a16="http://schemas.microsoft.com/office/drawing/2014/main" id="{34973565-39B9-4294-90D2-C6D1B14C6909}"/>
-              </a:ext>
-            </a:extLst>
-          </p:cNvPr>
-          <p:cNvSpPr>
-            <a:spLocks noGrp="1"/>
-          </p:cNvSpPr>
-          <p:nvPr>
-            <p:ph idx="1"/>
-          </p:nvPr>
-        </p:nvSpPr>
-        <p:spPr/>
-        <p:txBody>
-          <a:bodyPr/>
-          <a:lstStyle/>
-          <a:p>
-            <a:pPr lvl="0"/>
-            <a:r>
-              <a:rPr lang="en-US"/>
-              <a:t>Click to edit Master text styles</a:t>
-            </a:r>
-          </a:p>
-          <a:p>
-            <a:pPr lvl="1"/>
-            <a:r>
-              <a:rPr lang="en-US"/>
-              <a:t>Second level</a:t>
-            </a:r>
-          </a:p>
-          <a:p>
-            <a:pPr lvl="2"/>
-            <a:r>
-              <a:rPr lang="en-US"/>
-              <a:t>Third level</a:t>
-            </a:r>
-          </a:p>
-          <a:p>
-            <a:pPr lvl="3"/>
-            <a:r>
-              <a:rPr lang="en-US"/>
-              <a:t>Fourth level</a:t>
-            </a:r>
-          </a:p>
-          <a:p>
-            <a:pPr lvl="4"/>
-            <a:r>
-              <a:rPr lang="en-US"/>
-              <a:t>Fifth level</a:t>
-            </a:r>
-          </a:p>
-        </p:txBody>
-      </p:sp>
-      <p:sp>
-        <p:nvSpPr>
-          <p:cNvPr id="4" name="Date Placeholder 3">
-            <a:extLst>
-              <a:ext uri="{FF2B5EF4-FFF2-40B4-BE49-F238E27FC236}">
-                <a16:creationId xmlns:a16="http://schemas.microsoft.com/office/drawing/2014/main" id="{D674AFF7-D5E9-44D6-B87E-345618BD11E2}"/>
-              </a:ext>
-            </a:extLst>
-          </p:cNvPr>
-          <p:cNvSpPr>
-            <a:spLocks noGrp="1"/>
-          </p:cNvSpPr>
-          <p:nvPr>
-            <p:ph type="dt" sz="half" idx="10"/>
-          </p:nvPr>
-        </p:nvSpPr>
-        <p:spPr/>
-        <p:txBody>
-          <a:bodyPr/>
-          <a:lstStyle/>
-          <a:p>
-            <a:fld id="{56B36DF7-D075-4B16-B767-125076EC0A7B}" type="datetimeFigureOut">
-              <a:rPr lang="en-US" smtClean="0"/>
-              <a:t>8/31/2021</a:t>
-            </a:fld>
-            <a:endParaRPr lang="en-US"/>
-          </a:p>
-        </p:txBody>
-      </p:sp>
-      <p:sp>
-        <p:nvSpPr>
-          <p:cNvPr id="5" name="Footer Placeholder 4">
-            <a:extLst>
-              <a:ext uri="{FF2B5EF4-FFF2-40B4-BE49-F238E27FC236}">
-                <a16:creationId xmlns:a16="http://schemas.microsoft.com/office/drawing/2014/main" id="{AF4496D3-7979-4D4A-A0D4-EE91A0CEE2A5}"/>
-              </a:ext>
-            </a:extLst>
-          </p:cNvPr>
-          <p:cNvSpPr>
-            <a:spLocks noGrp="1"/>
-          </p:cNvSpPr>
-          <p:nvPr>
-            <p:ph type="ftr" sz="quarter" idx="11"/>
-          </p:nvPr>
-        </p:nvSpPr>
-        <p:spPr/>
-        <p:txBody>
-          <a:bodyPr/>
-          <a:lstStyle/>
-          <a:p>
-            <a:endParaRPr lang="en-US"/>
-          </a:p>
-        </p:txBody>
-      </p:sp>
-      <p:sp>
-        <p:nvSpPr>
-          <p:cNvPr id="6" name="Slide Number Placeholder 5">
-            <a:extLst>
-              <a:ext uri="{FF2B5EF4-FFF2-40B4-BE49-F238E27FC236}">
-                <a16:creationId xmlns:a16="http://schemas.microsoft.com/office/drawing/2014/main" id="{6DE52099-C523-4F38-9992-F9AA68996DE2}"/>
-              </a:ext>
-            </a:extLst>
-          </p:cNvPr>
-          <p:cNvSpPr>
-            <a:spLocks noGrp="1"/>
-          </p:cNvSpPr>
-          <p:nvPr>
-            <p:ph type="sldNum" sz="quarter" idx="12"/>
-          </p:nvPr>
-        </p:nvSpPr>
-        <p:spPr/>
-        <p:txBody>
-          <a:bodyPr/>
-          <a:lstStyle/>
-          <a:p>
-            <a:fld id="{F7D79181-B4B9-4625-8114-A44AF754A8B7}" type="slidenum">
-              <a:rPr lang="en-US" smtClean="0"/>
-              <a:t>‹#›</a:t>
-            </a:fld>
-            <a:endParaRPr lang="en-US"/>
-          </a:p>
-        </p:txBody>
-      </p:sp>
-    </p:spTree>
-    <p:extLst>
-      <p:ext uri="{BB962C8B-B14F-4D97-AF65-F5344CB8AC3E}">
-        <p14:creationId xmlns:p14="http://schemas.microsoft.com/office/powerpoint/2010/main" val="3480017532"/>
-      </p:ext>
-    </p:extLst>
-  </p:cSld>
-  <p:clrMapOvr>
-    <a:masterClrMapping/>
-  </p:clrMapOvr>
-</p:sldLayout>
-</file>
-
-<file path=ppt/slideLayouts/slideLayout20.xml><?xml version="1.0" encoding="utf-8"?>
+<file path=ppt/slideLayouts/slideLayout9.xml><?xml version="1.0" encoding="utf-8"?>
 <p:sldLayout xmlns:a="http://schemas.openxmlformats.org/drawingml/2006/main" xmlns:r="http://schemas.openxmlformats.org/officeDocument/2006/relationships" xmlns:p="http://schemas.openxmlformats.org/presentationml/2006/main" type="objTx" preserve="1">
   <p:cSld name="Content with Caption">
     <p:spTree>
@@ -2880,3009 +2689,7 @@
 </p:sldLayout>
 </file>
 
-<file path=ppt/slideLayouts/slideLayout21.xml><?xml version="1.0" encoding="utf-8"?>
-<p:sldLayout xmlns:a="http://schemas.openxmlformats.org/drawingml/2006/main" xmlns:r="http://schemas.openxmlformats.org/officeDocument/2006/relationships" xmlns:p="http://schemas.openxmlformats.org/presentationml/2006/main" type="picTx" preserve="1">
-  <p:cSld name="Picture with Caption">
-    <p:spTree>
-      <p:nvGrpSpPr>
-        <p:cNvPr id="1" name=""/>
-        <p:cNvGrpSpPr/>
-        <p:nvPr/>
-      </p:nvGrpSpPr>
-      <p:grpSpPr>
-        <a:xfrm>
-          <a:off x="0" y="0"/>
-          <a:ext cx="0" cy="0"/>
-          <a:chOff x="0" y="0"/>
-          <a:chExt cx="0" cy="0"/>
-        </a:xfrm>
-      </p:grpSpPr>
-      <p:sp>
-        <p:nvSpPr>
-          <p:cNvPr id="2" name="Title 1"/>
-          <p:cNvSpPr>
-            <a:spLocks noGrp="1"/>
-          </p:cNvSpPr>
-          <p:nvPr>
-            <p:ph type="title"/>
-          </p:nvPr>
-        </p:nvSpPr>
-        <p:spPr>
-          <a:xfrm>
-            <a:off x="2389717" y="4800600"/>
-            <a:ext cx="7315200" cy="566738"/>
-          </a:xfrm>
-        </p:spPr>
-        <p:txBody>
-          <a:bodyPr/>
-          <a:lstStyle>
-            <a:lvl1pPr algn="l">
-              <a:defRPr sz="2000" b="1"/>
-            </a:lvl1pPr>
-          </a:lstStyle>
-          <a:p>
-            <a:r>
-              <a:rPr lang="en-US"/>
-              <a:t>Click to edit Master title style</a:t>
-            </a:r>
-          </a:p>
-        </p:txBody>
-      </p:sp>
-      <p:sp>
-        <p:nvSpPr>
-          <p:cNvPr id="3" name="Picture Placeholder 2"/>
-          <p:cNvSpPr>
-            <a:spLocks noGrp="1"/>
-          </p:cNvSpPr>
-          <p:nvPr>
-            <p:ph type="pic" idx="1"/>
-          </p:nvPr>
-        </p:nvSpPr>
-        <p:spPr>
-          <a:xfrm>
-            <a:off x="2389717" y="612775"/>
-            <a:ext cx="7315200" cy="4114800"/>
-          </a:xfrm>
-        </p:spPr>
-        <p:txBody>
-          <a:bodyPr/>
-          <a:lstStyle>
-            <a:lvl1pPr marL="0" indent="0">
-              <a:buNone/>
-              <a:defRPr sz="3200"/>
-            </a:lvl1pPr>
-            <a:lvl2pPr marL="457200" indent="0">
-              <a:buNone/>
-              <a:defRPr sz="2800"/>
-            </a:lvl2pPr>
-            <a:lvl3pPr marL="914400" indent="0">
-              <a:buNone/>
-              <a:defRPr sz="2400"/>
-            </a:lvl3pPr>
-            <a:lvl4pPr marL="1371600" indent="0">
-              <a:buNone/>
-              <a:defRPr sz="2000"/>
-            </a:lvl4pPr>
-            <a:lvl5pPr marL="1828800" indent="0">
-              <a:buNone/>
-              <a:defRPr sz="2000"/>
-            </a:lvl5pPr>
-            <a:lvl6pPr marL="2286000" indent="0">
-              <a:buNone/>
-              <a:defRPr sz="2000"/>
-            </a:lvl6pPr>
-            <a:lvl7pPr marL="2743200" indent="0">
-              <a:buNone/>
-              <a:defRPr sz="2000"/>
-            </a:lvl7pPr>
-            <a:lvl8pPr marL="3200400" indent="0">
-              <a:buNone/>
-              <a:defRPr sz="2000"/>
-            </a:lvl8pPr>
-            <a:lvl9pPr marL="3657600" indent="0">
-              <a:buNone/>
-              <a:defRPr sz="2000"/>
-            </a:lvl9pPr>
-          </a:lstStyle>
-          <a:p>
-            <a:pPr lvl="0"/>
-            <a:endParaRPr lang="en-US" noProof="0"/>
-          </a:p>
-        </p:txBody>
-      </p:sp>
-      <p:sp>
-        <p:nvSpPr>
-          <p:cNvPr id="4" name="Text Placeholder 3"/>
-          <p:cNvSpPr>
-            <a:spLocks noGrp="1"/>
-          </p:cNvSpPr>
-          <p:nvPr>
-            <p:ph type="body" sz="half" idx="2"/>
-          </p:nvPr>
-        </p:nvSpPr>
-        <p:spPr>
-          <a:xfrm>
-            <a:off x="2389717" y="5367338"/>
-            <a:ext cx="7315200" cy="804862"/>
-          </a:xfrm>
-        </p:spPr>
-        <p:txBody>
-          <a:bodyPr/>
-          <a:lstStyle>
-            <a:lvl1pPr marL="0" indent="0">
-              <a:buNone/>
-              <a:defRPr sz="1400"/>
-            </a:lvl1pPr>
-            <a:lvl2pPr marL="457200" indent="0">
-              <a:buNone/>
-              <a:defRPr sz="1200"/>
-            </a:lvl2pPr>
-            <a:lvl3pPr marL="914400" indent="0">
-              <a:buNone/>
-              <a:defRPr sz="1000"/>
-            </a:lvl3pPr>
-            <a:lvl4pPr marL="1371600" indent="0">
-              <a:buNone/>
-              <a:defRPr sz="900"/>
-            </a:lvl4pPr>
-            <a:lvl5pPr marL="1828800" indent="0">
-              <a:buNone/>
-              <a:defRPr sz="900"/>
-            </a:lvl5pPr>
-            <a:lvl6pPr marL="2286000" indent="0">
-              <a:buNone/>
-              <a:defRPr sz="900"/>
-            </a:lvl6pPr>
-            <a:lvl7pPr marL="2743200" indent="0">
-              <a:buNone/>
-              <a:defRPr sz="900"/>
-            </a:lvl7pPr>
-            <a:lvl8pPr marL="3200400" indent="0">
-              <a:buNone/>
-              <a:defRPr sz="900"/>
-            </a:lvl8pPr>
-            <a:lvl9pPr marL="3657600" indent="0">
-              <a:buNone/>
-              <a:defRPr sz="900"/>
-            </a:lvl9pPr>
-          </a:lstStyle>
-          <a:p>
-            <a:pPr lvl="0"/>
-            <a:r>
-              <a:rPr lang="en-US"/>
-              <a:t>Click to edit Master text styles</a:t>
-            </a:r>
-          </a:p>
-        </p:txBody>
-      </p:sp>
-      <p:sp>
-        <p:nvSpPr>
-          <p:cNvPr id="5" name="Rectangle 5">
-            <a:extLst>
-              <a:ext uri="{FF2B5EF4-FFF2-40B4-BE49-F238E27FC236}">
-                <a16:creationId xmlns:a16="http://schemas.microsoft.com/office/drawing/2014/main" id="{9FF29DF2-272C-4DF5-B221-881A5195A6D4}"/>
-              </a:ext>
-            </a:extLst>
-          </p:cNvPr>
-          <p:cNvSpPr>
-            <a:spLocks noGrp="1" noChangeArrowheads="1"/>
-          </p:cNvSpPr>
-          <p:nvPr>
-            <p:ph type="dt" sz="half" idx="10"/>
-          </p:nvPr>
-        </p:nvSpPr>
-        <p:spPr>
-          <a:ln/>
-        </p:spPr>
-        <p:txBody>
-          <a:bodyPr/>
-          <a:lstStyle>
-            <a:lvl1pPr>
-              <a:defRPr/>
-            </a:lvl1pPr>
-          </a:lstStyle>
-          <a:p>
-            <a:pPr>
-              <a:defRPr/>
-            </a:pPr>
-            <a:endParaRPr lang="en-US" altLang="en-US"/>
-          </a:p>
-        </p:txBody>
-      </p:sp>
-      <p:sp>
-        <p:nvSpPr>
-          <p:cNvPr id="6" name="Rectangle 7">
-            <a:extLst>
-              <a:ext uri="{FF2B5EF4-FFF2-40B4-BE49-F238E27FC236}">
-                <a16:creationId xmlns:a16="http://schemas.microsoft.com/office/drawing/2014/main" id="{D09118A7-F379-40D4-9D97-8583589080EA}"/>
-              </a:ext>
-            </a:extLst>
-          </p:cNvPr>
-          <p:cNvSpPr>
-            <a:spLocks noGrp="1" noChangeArrowheads="1"/>
-          </p:cNvSpPr>
-          <p:nvPr>
-            <p:ph type="sldNum" sz="quarter" idx="11"/>
-          </p:nvPr>
-        </p:nvSpPr>
-        <p:spPr>
-          <a:ln/>
-        </p:spPr>
-        <p:txBody>
-          <a:bodyPr/>
-          <a:lstStyle>
-            <a:lvl1pPr>
-              <a:defRPr/>
-            </a:lvl1pPr>
-          </a:lstStyle>
-          <a:p>
-            <a:pPr>
-              <a:defRPr/>
-            </a:pPr>
-            <a:fld id="{CAF9C78E-A5C9-4AFB-8616-E10027409AA0}" type="slidenum">
-              <a:rPr lang="en-US" altLang="en-US"/>
-              <a:pPr>
-                <a:defRPr/>
-              </a:pPr>
-              <a:t>‹#›</a:t>
-            </a:fld>
-            <a:endParaRPr lang="en-US" altLang="en-US"/>
-          </a:p>
-        </p:txBody>
-      </p:sp>
-    </p:spTree>
-    <p:extLst>
-      <p:ext uri="{BB962C8B-B14F-4D97-AF65-F5344CB8AC3E}">
-        <p14:creationId xmlns:p14="http://schemas.microsoft.com/office/powerpoint/2010/main" val="458229216"/>
-      </p:ext>
-    </p:extLst>
-  </p:cSld>
-  <p:clrMapOvr>
-    <a:masterClrMapping/>
-  </p:clrMapOvr>
-</p:sldLayout>
-</file>
-
-<file path=ppt/slideLayouts/slideLayout22.xml><?xml version="1.0" encoding="utf-8"?>
-<p:sldLayout xmlns:a="http://schemas.openxmlformats.org/drawingml/2006/main" xmlns:r="http://schemas.openxmlformats.org/officeDocument/2006/relationships" xmlns:p="http://schemas.openxmlformats.org/presentationml/2006/main" type="vertTx" preserve="1">
-  <p:cSld name="Title and Vertical Text">
-    <p:spTree>
-      <p:nvGrpSpPr>
-        <p:cNvPr id="1" name=""/>
-        <p:cNvGrpSpPr/>
-        <p:nvPr/>
-      </p:nvGrpSpPr>
-      <p:grpSpPr>
-        <a:xfrm>
-          <a:off x="0" y="0"/>
-          <a:ext cx="0" cy="0"/>
-          <a:chOff x="0" y="0"/>
-          <a:chExt cx="0" cy="0"/>
-        </a:xfrm>
-      </p:grpSpPr>
-      <p:sp>
-        <p:nvSpPr>
-          <p:cNvPr id="2" name="Title 1"/>
-          <p:cNvSpPr>
-            <a:spLocks noGrp="1"/>
-          </p:cNvSpPr>
-          <p:nvPr>
-            <p:ph type="title"/>
-          </p:nvPr>
-        </p:nvSpPr>
-        <p:spPr/>
-        <p:txBody>
-          <a:bodyPr/>
-          <a:lstStyle/>
-          <a:p>
-            <a:r>
-              <a:rPr lang="en-US"/>
-              <a:t>Click to edit Master title style</a:t>
-            </a:r>
-          </a:p>
-        </p:txBody>
-      </p:sp>
-      <p:sp>
-        <p:nvSpPr>
-          <p:cNvPr id="3" name="Vertical Text Placeholder 2"/>
-          <p:cNvSpPr>
-            <a:spLocks noGrp="1"/>
-          </p:cNvSpPr>
-          <p:nvPr>
-            <p:ph type="body" orient="vert" idx="1"/>
-          </p:nvPr>
-        </p:nvSpPr>
-        <p:spPr/>
-        <p:txBody>
-          <a:bodyPr vert="eaVert"/>
-          <a:lstStyle/>
-          <a:p>
-            <a:pPr lvl="0"/>
-            <a:r>
-              <a:rPr lang="en-US"/>
-              <a:t>Click to edit Master text styles</a:t>
-            </a:r>
-          </a:p>
-          <a:p>
-            <a:pPr lvl="1"/>
-            <a:r>
-              <a:rPr lang="en-US"/>
-              <a:t>Second level</a:t>
-            </a:r>
-          </a:p>
-          <a:p>
-            <a:pPr lvl="2"/>
-            <a:r>
-              <a:rPr lang="en-US"/>
-              <a:t>Third level</a:t>
-            </a:r>
-          </a:p>
-          <a:p>
-            <a:pPr lvl="3"/>
-            <a:r>
-              <a:rPr lang="en-US"/>
-              <a:t>Fourth level</a:t>
-            </a:r>
-          </a:p>
-          <a:p>
-            <a:pPr lvl="4"/>
-            <a:r>
-              <a:rPr lang="en-US"/>
-              <a:t>Fifth level</a:t>
-            </a:r>
-          </a:p>
-        </p:txBody>
-      </p:sp>
-      <p:sp>
-        <p:nvSpPr>
-          <p:cNvPr id="4" name="Rectangle 5">
-            <a:extLst>
-              <a:ext uri="{FF2B5EF4-FFF2-40B4-BE49-F238E27FC236}">
-                <a16:creationId xmlns:a16="http://schemas.microsoft.com/office/drawing/2014/main" id="{03CE7503-63EE-4C4E-8094-F36FF8B4A27F}"/>
-              </a:ext>
-            </a:extLst>
-          </p:cNvPr>
-          <p:cNvSpPr>
-            <a:spLocks noGrp="1" noChangeArrowheads="1"/>
-          </p:cNvSpPr>
-          <p:nvPr>
-            <p:ph type="dt" sz="half" idx="10"/>
-          </p:nvPr>
-        </p:nvSpPr>
-        <p:spPr>
-          <a:ln/>
-        </p:spPr>
-        <p:txBody>
-          <a:bodyPr/>
-          <a:lstStyle>
-            <a:lvl1pPr>
-              <a:defRPr/>
-            </a:lvl1pPr>
-          </a:lstStyle>
-          <a:p>
-            <a:pPr>
-              <a:defRPr/>
-            </a:pPr>
-            <a:endParaRPr lang="en-US" altLang="en-US"/>
-          </a:p>
-        </p:txBody>
-      </p:sp>
-      <p:sp>
-        <p:nvSpPr>
-          <p:cNvPr id="5" name="Rectangle 7">
-            <a:extLst>
-              <a:ext uri="{FF2B5EF4-FFF2-40B4-BE49-F238E27FC236}">
-                <a16:creationId xmlns:a16="http://schemas.microsoft.com/office/drawing/2014/main" id="{1F6A88E6-22F7-4324-B512-7A0D4CC98240}"/>
-              </a:ext>
-            </a:extLst>
-          </p:cNvPr>
-          <p:cNvSpPr>
-            <a:spLocks noGrp="1" noChangeArrowheads="1"/>
-          </p:cNvSpPr>
-          <p:nvPr>
-            <p:ph type="sldNum" sz="quarter" idx="11"/>
-          </p:nvPr>
-        </p:nvSpPr>
-        <p:spPr>
-          <a:ln/>
-        </p:spPr>
-        <p:txBody>
-          <a:bodyPr/>
-          <a:lstStyle>
-            <a:lvl1pPr>
-              <a:defRPr/>
-            </a:lvl1pPr>
-          </a:lstStyle>
-          <a:p>
-            <a:pPr>
-              <a:defRPr/>
-            </a:pPr>
-            <a:fld id="{54886259-D9D7-4C1C-8916-165CECB78B7F}" type="slidenum">
-              <a:rPr lang="en-US" altLang="en-US"/>
-              <a:pPr>
-                <a:defRPr/>
-              </a:pPr>
-              <a:t>‹#›</a:t>
-            </a:fld>
-            <a:endParaRPr lang="en-US" altLang="en-US"/>
-          </a:p>
-        </p:txBody>
-      </p:sp>
-    </p:spTree>
-    <p:extLst>
-      <p:ext uri="{BB962C8B-B14F-4D97-AF65-F5344CB8AC3E}">
-        <p14:creationId xmlns:p14="http://schemas.microsoft.com/office/powerpoint/2010/main" val="3201393865"/>
-      </p:ext>
-    </p:extLst>
-  </p:cSld>
-  <p:clrMapOvr>
-    <a:masterClrMapping/>
-  </p:clrMapOvr>
-</p:sldLayout>
-</file>
-
-<file path=ppt/slideLayouts/slideLayout23.xml><?xml version="1.0" encoding="utf-8"?>
-<p:sldLayout xmlns:a="http://schemas.openxmlformats.org/drawingml/2006/main" xmlns:r="http://schemas.openxmlformats.org/officeDocument/2006/relationships" xmlns:p="http://schemas.openxmlformats.org/presentationml/2006/main" type="vertTitleAndTx" preserve="1">
-  <p:cSld name="Vertical Title and Text">
-    <p:spTree>
-      <p:nvGrpSpPr>
-        <p:cNvPr id="1" name=""/>
-        <p:cNvGrpSpPr/>
-        <p:nvPr/>
-      </p:nvGrpSpPr>
-      <p:grpSpPr>
-        <a:xfrm>
-          <a:off x="0" y="0"/>
-          <a:ext cx="0" cy="0"/>
-          <a:chOff x="0" y="0"/>
-          <a:chExt cx="0" cy="0"/>
-        </a:xfrm>
-      </p:grpSpPr>
-      <p:sp>
-        <p:nvSpPr>
-          <p:cNvPr id="2" name="Vertical Title 1"/>
-          <p:cNvSpPr>
-            <a:spLocks noGrp="1"/>
-          </p:cNvSpPr>
-          <p:nvPr>
-            <p:ph type="title" orient="vert"/>
-          </p:nvPr>
-        </p:nvSpPr>
-        <p:spPr>
-          <a:xfrm>
-            <a:off x="8839200" y="258763"/>
-            <a:ext cx="2743200" cy="5872162"/>
-          </a:xfrm>
-        </p:spPr>
-        <p:txBody>
-          <a:bodyPr vert="eaVert"/>
-          <a:lstStyle/>
-          <a:p>
-            <a:r>
-              <a:rPr lang="en-US"/>
-              <a:t>Click to edit Master title style</a:t>
-            </a:r>
-          </a:p>
-        </p:txBody>
-      </p:sp>
-      <p:sp>
-        <p:nvSpPr>
-          <p:cNvPr id="3" name="Vertical Text Placeholder 2"/>
-          <p:cNvSpPr>
-            <a:spLocks noGrp="1"/>
-          </p:cNvSpPr>
-          <p:nvPr>
-            <p:ph type="body" orient="vert" idx="1"/>
-          </p:nvPr>
-        </p:nvSpPr>
-        <p:spPr>
-          <a:xfrm>
-            <a:off x="609600" y="258763"/>
-            <a:ext cx="8026400" cy="5872162"/>
-          </a:xfrm>
-        </p:spPr>
-        <p:txBody>
-          <a:bodyPr vert="eaVert"/>
-          <a:lstStyle/>
-          <a:p>
-            <a:pPr lvl="0"/>
-            <a:r>
-              <a:rPr lang="en-US"/>
-              <a:t>Click to edit Master text styles</a:t>
-            </a:r>
-          </a:p>
-          <a:p>
-            <a:pPr lvl="1"/>
-            <a:r>
-              <a:rPr lang="en-US"/>
-              <a:t>Second level</a:t>
-            </a:r>
-          </a:p>
-          <a:p>
-            <a:pPr lvl="2"/>
-            <a:r>
-              <a:rPr lang="en-US"/>
-              <a:t>Third level</a:t>
-            </a:r>
-          </a:p>
-          <a:p>
-            <a:pPr lvl="3"/>
-            <a:r>
-              <a:rPr lang="en-US"/>
-              <a:t>Fourth level</a:t>
-            </a:r>
-          </a:p>
-          <a:p>
-            <a:pPr lvl="4"/>
-            <a:r>
-              <a:rPr lang="en-US"/>
-              <a:t>Fifth level</a:t>
-            </a:r>
-          </a:p>
-        </p:txBody>
-      </p:sp>
-      <p:sp>
-        <p:nvSpPr>
-          <p:cNvPr id="4" name="Rectangle 5">
-            <a:extLst>
-              <a:ext uri="{FF2B5EF4-FFF2-40B4-BE49-F238E27FC236}">
-                <a16:creationId xmlns:a16="http://schemas.microsoft.com/office/drawing/2014/main" id="{F9B1BA2A-A593-4A6F-856A-6A4DF805BC18}"/>
-              </a:ext>
-            </a:extLst>
-          </p:cNvPr>
-          <p:cNvSpPr>
-            <a:spLocks noGrp="1" noChangeArrowheads="1"/>
-          </p:cNvSpPr>
-          <p:nvPr>
-            <p:ph type="dt" sz="half" idx="10"/>
-          </p:nvPr>
-        </p:nvSpPr>
-        <p:spPr>
-          <a:ln/>
-        </p:spPr>
-        <p:txBody>
-          <a:bodyPr/>
-          <a:lstStyle>
-            <a:lvl1pPr>
-              <a:defRPr/>
-            </a:lvl1pPr>
-          </a:lstStyle>
-          <a:p>
-            <a:pPr>
-              <a:defRPr/>
-            </a:pPr>
-            <a:endParaRPr lang="en-US" altLang="en-US"/>
-          </a:p>
-        </p:txBody>
-      </p:sp>
-      <p:sp>
-        <p:nvSpPr>
-          <p:cNvPr id="5" name="Rectangle 7">
-            <a:extLst>
-              <a:ext uri="{FF2B5EF4-FFF2-40B4-BE49-F238E27FC236}">
-                <a16:creationId xmlns:a16="http://schemas.microsoft.com/office/drawing/2014/main" id="{530A78FB-FB8F-46F8-9E33-20185F737707}"/>
-              </a:ext>
-            </a:extLst>
-          </p:cNvPr>
-          <p:cNvSpPr>
-            <a:spLocks noGrp="1" noChangeArrowheads="1"/>
-          </p:cNvSpPr>
-          <p:nvPr>
-            <p:ph type="sldNum" sz="quarter" idx="11"/>
-          </p:nvPr>
-        </p:nvSpPr>
-        <p:spPr>
-          <a:ln/>
-        </p:spPr>
-        <p:txBody>
-          <a:bodyPr/>
-          <a:lstStyle>
-            <a:lvl1pPr>
-              <a:defRPr/>
-            </a:lvl1pPr>
-          </a:lstStyle>
-          <a:p>
-            <a:pPr>
-              <a:defRPr/>
-            </a:pPr>
-            <a:fld id="{C8E5750F-FCEB-4C05-818D-099E50DA6AF2}" type="slidenum">
-              <a:rPr lang="en-US" altLang="en-US"/>
-              <a:pPr>
-                <a:defRPr/>
-              </a:pPr>
-              <a:t>‹#›</a:t>
-            </a:fld>
-            <a:endParaRPr lang="en-US" altLang="en-US"/>
-          </a:p>
-        </p:txBody>
-      </p:sp>
-    </p:spTree>
-    <p:extLst>
-      <p:ext uri="{BB962C8B-B14F-4D97-AF65-F5344CB8AC3E}">
-        <p14:creationId xmlns:p14="http://schemas.microsoft.com/office/powerpoint/2010/main" val="193926866"/>
-      </p:ext>
-    </p:extLst>
-  </p:cSld>
-  <p:clrMapOvr>
-    <a:masterClrMapping/>
-  </p:clrMapOvr>
-</p:sldLayout>
-</file>
-
-<file path=ppt/slideLayouts/slideLayout3.xml><?xml version="1.0" encoding="utf-8"?>
-<p:sldLayout xmlns:a="http://schemas.openxmlformats.org/drawingml/2006/main" xmlns:r="http://schemas.openxmlformats.org/officeDocument/2006/relationships" xmlns:p="http://schemas.openxmlformats.org/presentationml/2006/main" type="secHead" preserve="1">
-  <p:cSld name="Section Header">
-    <p:spTree>
-      <p:nvGrpSpPr>
-        <p:cNvPr id="1" name=""/>
-        <p:cNvGrpSpPr/>
-        <p:nvPr/>
-      </p:nvGrpSpPr>
-      <p:grpSpPr>
-        <a:xfrm>
-          <a:off x="0" y="0"/>
-          <a:ext cx="0" cy="0"/>
-          <a:chOff x="0" y="0"/>
-          <a:chExt cx="0" cy="0"/>
-        </a:xfrm>
-      </p:grpSpPr>
-      <p:sp>
-        <p:nvSpPr>
-          <p:cNvPr id="2" name="Title 1">
-            <a:extLst>
-              <a:ext uri="{FF2B5EF4-FFF2-40B4-BE49-F238E27FC236}">
-                <a16:creationId xmlns:a16="http://schemas.microsoft.com/office/drawing/2014/main" id="{06D634FA-6D73-4796-AAE0-90B458111C80}"/>
-              </a:ext>
-            </a:extLst>
-          </p:cNvPr>
-          <p:cNvSpPr>
-            <a:spLocks noGrp="1"/>
-          </p:cNvSpPr>
-          <p:nvPr>
-            <p:ph type="title"/>
-          </p:nvPr>
-        </p:nvSpPr>
-        <p:spPr>
-          <a:xfrm>
-            <a:off x="831850" y="1709738"/>
-            <a:ext cx="10515600" cy="2852737"/>
-          </a:xfrm>
-        </p:spPr>
-        <p:txBody>
-          <a:bodyPr anchor="b"/>
-          <a:lstStyle>
-            <a:lvl1pPr>
-              <a:defRPr sz="6000"/>
-            </a:lvl1pPr>
-          </a:lstStyle>
-          <a:p>
-            <a:r>
-              <a:rPr lang="en-US"/>
-              <a:t>Click to edit Master title style</a:t>
-            </a:r>
-          </a:p>
-        </p:txBody>
-      </p:sp>
-      <p:sp>
-        <p:nvSpPr>
-          <p:cNvPr id="3" name="Text Placeholder 2">
-            <a:extLst>
-              <a:ext uri="{FF2B5EF4-FFF2-40B4-BE49-F238E27FC236}">
-                <a16:creationId xmlns:a16="http://schemas.microsoft.com/office/drawing/2014/main" id="{0DFB1815-C2AD-43A4-A520-6286BE97A93F}"/>
-              </a:ext>
-            </a:extLst>
-          </p:cNvPr>
-          <p:cNvSpPr>
-            <a:spLocks noGrp="1"/>
-          </p:cNvSpPr>
-          <p:nvPr>
-            <p:ph type="body" idx="1"/>
-          </p:nvPr>
-        </p:nvSpPr>
-        <p:spPr>
-          <a:xfrm>
-            <a:off x="831850" y="4589463"/>
-            <a:ext cx="10515600" cy="1500187"/>
-          </a:xfrm>
-        </p:spPr>
-        <p:txBody>
-          <a:bodyPr/>
-          <a:lstStyle>
-            <a:lvl1pPr marL="0" indent="0">
-              <a:buNone/>
-              <a:defRPr sz="2400">
-                <a:solidFill>
-                  <a:schemeClr val="tx1">
-                    <a:tint val="75000"/>
-                  </a:schemeClr>
-                </a:solidFill>
-              </a:defRPr>
-            </a:lvl1pPr>
-            <a:lvl2pPr marL="457200" indent="0">
-              <a:buNone/>
-              <a:defRPr sz="2000">
-                <a:solidFill>
-                  <a:schemeClr val="tx1">
-                    <a:tint val="75000"/>
-                  </a:schemeClr>
-                </a:solidFill>
-              </a:defRPr>
-            </a:lvl2pPr>
-            <a:lvl3pPr marL="914400" indent="0">
-              <a:buNone/>
-              <a:defRPr sz="1800">
-                <a:solidFill>
-                  <a:schemeClr val="tx1">
-                    <a:tint val="75000"/>
-                  </a:schemeClr>
-                </a:solidFill>
-              </a:defRPr>
-            </a:lvl3pPr>
-            <a:lvl4pPr marL="1371600" indent="0">
-              <a:buNone/>
-              <a:defRPr sz="1600">
-                <a:solidFill>
-                  <a:schemeClr val="tx1">
-                    <a:tint val="75000"/>
-                  </a:schemeClr>
-                </a:solidFill>
-              </a:defRPr>
-            </a:lvl4pPr>
-            <a:lvl5pPr marL="1828800" indent="0">
-              <a:buNone/>
-              <a:defRPr sz="1600">
-                <a:solidFill>
-                  <a:schemeClr val="tx1">
-                    <a:tint val="75000"/>
-                  </a:schemeClr>
-                </a:solidFill>
-              </a:defRPr>
-            </a:lvl5pPr>
-            <a:lvl6pPr marL="2286000" indent="0">
-              <a:buNone/>
-              <a:defRPr sz="1600">
-                <a:solidFill>
-                  <a:schemeClr val="tx1">
-                    <a:tint val="75000"/>
-                  </a:schemeClr>
-                </a:solidFill>
-              </a:defRPr>
-            </a:lvl6pPr>
-            <a:lvl7pPr marL="2743200" indent="0">
-              <a:buNone/>
-              <a:defRPr sz="1600">
-                <a:solidFill>
-                  <a:schemeClr val="tx1">
-                    <a:tint val="75000"/>
-                  </a:schemeClr>
-                </a:solidFill>
-              </a:defRPr>
-            </a:lvl7pPr>
-            <a:lvl8pPr marL="3200400" indent="0">
-              <a:buNone/>
-              <a:defRPr sz="1600">
-                <a:solidFill>
-                  <a:schemeClr val="tx1">
-                    <a:tint val="75000"/>
-                  </a:schemeClr>
-                </a:solidFill>
-              </a:defRPr>
-            </a:lvl8pPr>
-            <a:lvl9pPr marL="3657600" indent="0">
-              <a:buNone/>
-              <a:defRPr sz="1600">
-                <a:solidFill>
-                  <a:schemeClr val="tx1">
-                    <a:tint val="75000"/>
-                  </a:schemeClr>
-                </a:solidFill>
-              </a:defRPr>
-            </a:lvl9pPr>
-          </a:lstStyle>
-          <a:p>
-            <a:pPr lvl="0"/>
-            <a:r>
-              <a:rPr lang="en-US"/>
-              <a:t>Click to edit Master text styles</a:t>
-            </a:r>
-          </a:p>
-        </p:txBody>
-      </p:sp>
-      <p:sp>
-        <p:nvSpPr>
-          <p:cNvPr id="4" name="Date Placeholder 3">
-            <a:extLst>
-              <a:ext uri="{FF2B5EF4-FFF2-40B4-BE49-F238E27FC236}">
-                <a16:creationId xmlns:a16="http://schemas.microsoft.com/office/drawing/2014/main" id="{79B51B57-3F88-43BF-8229-7F191F32C81B}"/>
-              </a:ext>
-            </a:extLst>
-          </p:cNvPr>
-          <p:cNvSpPr>
-            <a:spLocks noGrp="1"/>
-          </p:cNvSpPr>
-          <p:nvPr>
-            <p:ph type="dt" sz="half" idx="10"/>
-          </p:nvPr>
-        </p:nvSpPr>
-        <p:spPr/>
-        <p:txBody>
-          <a:bodyPr/>
-          <a:lstStyle/>
-          <a:p>
-            <a:fld id="{56B36DF7-D075-4B16-B767-125076EC0A7B}" type="datetimeFigureOut">
-              <a:rPr lang="en-US" smtClean="0"/>
-              <a:t>8/31/2021</a:t>
-            </a:fld>
-            <a:endParaRPr lang="en-US"/>
-          </a:p>
-        </p:txBody>
-      </p:sp>
-      <p:sp>
-        <p:nvSpPr>
-          <p:cNvPr id="5" name="Footer Placeholder 4">
-            <a:extLst>
-              <a:ext uri="{FF2B5EF4-FFF2-40B4-BE49-F238E27FC236}">
-                <a16:creationId xmlns:a16="http://schemas.microsoft.com/office/drawing/2014/main" id="{3AC9B4C0-444E-45D3-ADDC-2EE7319CAD91}"/>
-              </a:ext>
-            </a:extLst>
-          </p:cNvPr>
-          <p:cNvSpPr>
-            <a:spLocks noGrp="1"/>
-          </p:cNvSpPr>
-          <p:nvPr>
-            <p:ph type="ftr" sz="quarter" idx="11"/>
-          </p:nvPr>
-        </p:nvSpPr>
-        <p:spPr/>
-        <p:txBody>
-          <a:bodyPr/>
-          <a:lstStyle/>
-          <a:p>
-            <a:endParaRPr lang="en-US"/>
-          </a:p>
-        </p:txBody>
-      </p:sp>
-      <p:sp>
-        <p:nvSpPr>
-          <p:cNvPr id="6" name="Slide Number Placeholder 5">
-            <a:extLst>
-              <a:ext uri="{FF2B5EF4-FFF2-40B4-BE49-F238E27FC236}">
-                <a16:creationId xmlns:a16="http://schemas.microsoft.com/office/drawing/2014/main" id="{AA04575B-6DE2-4F68-B96F-5C87D07FCB69}"/>
-              </a:ext>
-            </a:extLst>
-          </p:cNvPr>
-          <p:cNvSpPr>
-            <a:spLocks noGrp="1"/>
-          </p:cNvSpPr>
-          <p:nvPr>
-            <p:ph type="sldNum" sz="quarter" idx="12"/>
-          </p:nvPr>
-        </p:nvSpPr>
-        <p:spPr/>
-        <p:txBody>
-          <a:bodyPr/>
-          <a:lstStyle/>
-          <a:p>
-            <a:fld id="{F7D79181-B4B9-4625-8114-A44AF754A8B7}" type="slidenum">
-              <a:rPr lang="en-US" smtClean="0"/>
-              <a:t>‹#›</a:t>
-            </a:fld>
-            <a:endParaRPr lang="en-US"/>
-          </a:p>
-        </p:txBody>
-      </p:sp>
-    </p:spTree>
-    <p:extLst>
-      <p:ext uri="{BB962C8B-B14F-4D97-AF65-F5344CB8AC3E}">
-        <p14:creationId xmlns:p14="http://schemas.microsoft.com/office/powerpoint/2010/main" val="3039882059"/>
-      </p:ext>
-    </p:extLst>
-  </p:cSld>
-  <p:clrMapOvr>
-    <a:masterClrMapping/>
-  </p:clrMapOvr>
-</p:sldLayout>
-</file>
-
-<file path=ppt/slideLayouts/slideLayout4.xml><?xml version="1.0" encoding="utf-8"?>
-<p:sldLayout xmlns:a="http://schemas.openxmlformats.org/drawingml/2006/main" xmlns:r="http://schemas.openxmlformats.org/officeDocument/2006/relationships" xmlns:p="http://schemas.openxmlformats.org/presentationml/2006/main" type="twoObj" preserve="1">
-  <p:cSld name="Two Content">
-    <p:spTree>
-      <p:nvGrpSpPr>
-        <p:cNvPr id="1" name=""/>
-        <p:cNvGrpSpPr/>
-        <p:nvPr/>
-      </p:nvGrpSpPr>
-      <p:grpSpPr>
-        <a:xfrm>
-          <a:off x="0" y="0"/>
-          <a:ext cx="0" cy="0"/>
-          <a:chOff x="0" y="0"/>
-          <a:chExt cx="0" cy="0"/>
-        </a:xfrm>
-      </p:grpSpPr>
-      <p:sp>
-        <p:nvSpPr>
-          <p:cNvPr id="2" name="Title 1">
-            <a:extLst>
-              <a:ext uri="{FF2B5EF4-FFF2-40B4-BE49-F238E27FC236}">
-                <a16:creationId xmlns:a16="http://schemas.microsoft.com/office/drawing/2014/main" id="{C270D435-B600-4BAF-8151-C6AC92A9691C}"/>
-              </a:ext>
-            </a:extLst>
-          </p:cNvPr>
-          <p:cNvSpPr>
-            <a:spLocks noGrp="1"/>
-          </p:cNvSpPr>
-          <p:nvPr>
-            <p:ph type="title"/>
-          </p:nvPr>
-        </p:nvSpPr>
-        <p:spPr/>
-        <p:txBody>
-          <a:bodyPr/>
-          <a:lstStyle/>
-          <a:p>
-            <a:r>
-              <a:rPr lang="en-US"/>
-              <a:t>Click to edit Master title style</a:t>
-            </a:r>
-          </a:p>
-        </p:txBody>
-      </p:sp>
-      <p:sp>
-        <p:nvSpPr>
-          <p:cNvPr id="3" name="Content Placeholder 2">
-            <a:extLst>
-              <a:ext uri="{FF2B5EF4-FFF2-40B4-BE49-F238E27FC236}">
-                <a16:creationId xmlns:a16="http://schemas.microsoft.com/office/drawing/2014/main" id="{2855856B-F913-4F22-A60A-D263AA8D1959}"/>
-              </a:ext>
-            </a:extLst>
-          </p:cNvPr>
-          <p:cNvSpPr>
-            <a:spLocks noGrp="1"/>
-          </p:cNvSpPr>
-          <p:nvPr>
-            <p:ph sz="half" idx="1"/>
-          </p:nvPr>
-        </p:nvSpPr>
-        <p:spPr>
-          <a:xfrm>
-            <a:off x="838200" y="1825625"/>
-            <a:ext cx="5181600" cy="4351338"/>
-          </a:xfrm>
-        </p:spPr>
-        <p:txBody>
-          <a:bodyPr/>
-          <a:lstStyle/>
-          <a:p>
-            <a:pPr lvl="0"/>
-            <a:r>
-              <a:rPr lang="en-US"/>
-              <a:t>Click to edit Master text styles</a:t>
-            </a:r>
-          </a:p>
-          <a:p>
-            <a:pPr lvl="1"/>
-            <a:r>
-              <a:rPr lang="en-US"/>
-              <a:t>Second level</a:t>
-            </a:r>
-          </a:p>
-          <a:p>
-            <a:pPr lvl="2"/>
-            <a:r>
-              <a:rPr lang="en-US"/>
-              <a:t>Third level</a:t>
-            </a:r>
-          </a:p>
-          <a:p>
-            <a:pPr lvl="3"/>
-            <a:r>
-              <a:rPr lang="en-US"/>
-              <a:t>Fourth level</a:t>
-            </a:r>
-          </a:p>
-          <a:p>
-            <a:pPr lvl="4"/>
-            <a:r>
-              <a:rPr lang="en-US"/>
-              <a:t>Fifth level</a:t>
-            </a:r>
-          </a:p>
-        </p:txBody>
-      </p:sp>
-      <p:sp>
-        <p:nvSpPr>
-          <p:cNvPr id="4" name="Content Placeholder 3">
-            <a:extLst>
-              <a:ext uri="{FF2B5EF4-FFF2-40B4-BE49-F238E27FC236}">
-                <a16:creationId xmlns:a16="http://schemas.microsoft.com/office/drawing/2014/main" id="{287CEC02-CAE6-4859-9431-B752EA8332AA}"/>
-              </a:ext>
-            </a:extLst>
-          </p:cNvPr>
-          <p:cNvSpPr>
-            <a:spLocks noGrp="1"/>
-          </p:cNvSpPr>
-          <p:nvPr>
-            <p:ph sz="half" idx="2"/>
-          </p:nvPr>
-        </p:nvSpPr>
-        <p:spPr>
-          <a:xfrm>
-            <a:off x="6172200" y="1825625"/>
-            <a:ext cx="5181600" cy="4351338"/>
-          </a:xfrm>
-        </p:spPr>
-        <p:txBody>
-          <a:bodyPr/>
-          <a:lstStyle/>
-          <a:p>
-            <a:pPr lvl="0"/>
-            <a:r>
-              <a:rPr lang="en-US"/>
-              <a:t>Click to edit Master text styles</a:t>
-            </a:r>
-          </a:p>
-          <a:p>
-            <a:pPr lvl="1"/>
-            <a:r>
-              <a:rPr lang="en-US"/>
-              <a:t>Second level</a:t>
-            </a:r>
-          </a:p>
-          <a:p>
-            <a:pPr lvl="2"/>
-            <a:r>
-              <a:rPr lang="en-US"/>
-              <a:t>Third level</a:t>
-            </a:r>
-          </a:p>
-          <a:p>
-            <a:pPr lvl="3"/>
-            <a:r>
-              <a:rPr lang="en-US"/>
-              <a:t>Fourth level</a:t>
-            </a:r>
-          </a:p>
-          <a:p>
-            <a:pPr lvl="4"/>
-            <a:r>
-              <a:rPr lang="en-US"/>
-              <a:t>Fifth level</a:t>
-            </a:r>
-          </a:p>
-        </p:txBody>
-      </p:sp>
-      <p:sp>
-        <p:nvSpPr>
-          <p:cNvPr id="5" name="Date Placeholder 4">
-            <a:extLst>
-              <a:ext uri="{FF2B5EF4-FFF2-40B4-BE49-F238E27FC236}">
-                <a16:creationId xmlns:a16="http://schemas.microsoft.com/office/drawing/2014/main" id="{5A40499E-B9C2-4521-A735-61A69B9DD08E}"/>
-              </a:ext>
-            </a:extLst>
-          </p:cNvPr>
-          <p:cNvSpPr>
-            <a:spLocks noGrp="1"/>
-          </p:cNvSpPr>
-          <p:nvPr>
-            <p:ph type="dt" sz="half" idx="10"/>
-          </p:nvPr>
-        </p:nvSpPr>
-        <p:spPr/>
-        <p:txBody>
-          <a:bodyPr/>
-          <a:lstStyle/>
-          <a:p>
-            <a:fld id="{56B36DF7-D075-4B16-B767-125076EC0A7B}" type="datetimeFigureOut">
-              <a:rPr lang="en-US" smtClean="0"/>
-              <a:t>8/31/2021</a:t>
-            </a:fld>
-            <a:endParaRPr lang="en-US"/>
-          </a:p>
-        </p:txBody>
-      </p:sp>
-      <p:sp>
-        <p:nvSpPr>
-          <p:cNvPr id="6" name="Footer Placeholder 5">
-            <a:extLst>
-              <a:ext uri="{FF2B5EF4-FFF2-40B4-BE49-F238E27FC236}">
-                <a16:creationId xmlns:a16="http://schemas.microsoft.com/office/drawing/2014/main" id="{E662E82B-5B14-49F8-8754-7BD8D7A84C75}"/>
-              </a:ext>
-            </a:extLst>
-          </p:cNvPr>
-          <p:cNvSpPr>
-            <a:spLocks noGrp="1"/>
-          </p:cNvSpPr>
-          <p:nvPr>
-            <p:ph type="ftr" sz="quarter" idx="11"/>
-          </p:nvPr>
-        </p:nvSpPr>
-        <p:spPr/>
-        <p:txBody>
-          <a:bodyPr/>
-          <a:lstStyle/>
-          <a:p>
-            <a:endParaRPr lang="en-US"/>
-          </a:p>
-        </p:txBody>
-      </p:sp>
-      <p:sp>
-        <p:nvSpPr>
-          <p:cNvPr id="7" name="Slide Number Placeholder 6">
-            <a:extLst>
-              <a:ext uri="{FF2B5EF4-FFF2-40B4-BE49-F238E27FC236}">
-                <a16:creationId xmlns:a16="http://schemas.microsoft.com/office/drawing/2014/main" id="{C17A3577-0DEE-43BE-9AA0-20123D09753C}"/>
-              </a:ext>
-            </a:extLst>
-          </p:cNvPr>
-          <p:cNvSpPr>
-            <a:spLocks noGrp="1"/>
-          </p:cNvSpPr>
-          <p:nvPr>
-            <p:ph type="sldNum" sz="quarter" idx="12"/>
-          </p:nvPr>
-        </p:nvSpPr>
-        <p:spPr/>
-        <p:txBody>
-          <a:bodyPr/>
-          <a:lstStyle/>
-          <a:p>
-            <a:fld id="{F7D79181-B4B9-4625-8114-A44AF754A8B7}" type="slidenum">
-              <a:rPr lang="en-US" smtClean="0"/>
-              <a:t>‹#›</a:t>
-            </a:fld>
-            <a:endParaRPr lang="en-US"/>
-          </a:p>
-        </p:txBody>
-      </p:sp>
-    </p:spTree>
-    <p:extLst>
-      <p:ext uri="{BB962C8B-B14F-4D97-AF65-F5344CB8AC3E}">
-        <p14:creationId xmlns:p14="http://schemas.microsoft.com/office/powerpoint/2010/main" val="2414423544"/>
-      </p:ext>
-    </p:extLst>
-  </p:cSld>
-  <p:clrMapOvr>
-    <a:masterClrMapping/>
-  </p:clrMapOvr>
-</p:sldLayout>
-</file>
-
-<file path=ppt/slideLayouts/slideLayout5.xml><?xml version="1.0" encoding="utf-8"?>
-<p:sldLayout xmlns:a="http://schemas.openxmlformats.org/drawingml/2006/main" xmlns:r="http://schemas.openxmlformats.org/officeDocument/2006/relationships" xmlns:p="http://schemas.openxmlformats.org/presentationml/2006/main" type="twoTxTwoObj" preserve="1">
-  <p:cSld name="Comparison">
-    <p:spTree>
-      <p:nvGrpSpPr>
-        <p:cNvPr id="1" name=""/>
-        <p:cNvGrpSpPr/>
-        <p:nvPr/>
-      </p:nvGrpSpPr>
-      <p:grpSpPr>
-        <a:xfrm>
-          <a:off x="0" y="0"/>
-          <a:ext cx="0" cy="0"/>
-          <a:chOff x="0" y="0"/>
-          <a:chExt cx="0" cy="0"/>
-        </a:xfrm>
-      </p:grpSpPr>
-      <p:sp>
-        <p:nvSpPr>
-          <p:cNvPr id="2" name="Title 1">
-            <a:extLst>
-              <a:ext uri="{FF2B5EF4-FFF2-40B4-BE49-F238E27FC236}">
-                <a16:creationId xmlns:a16="http://schemas.microsoft.com/office/drawing/2014/main" id="{74740CC0-C527-4264-BF1B-05993144E7BE}"/>
-              </a:ext>
-            </a:extLst>
-          </p:cNvPr>
-          <p:cNvSpPr>
-            <a:spLocks noGrp="1"/>
-          </p:cNvSpPr>
-          <p:nvPr>
-            <p:ph type="title"/>
-          </p:nvPr>
-        </p:nvSpPr>
-        <p:spPr>
-          <a:xfrm>
-            <a:off x="839788" y="365125"/>
-            <a:ext cx="10515600" cy="1325563"/>
-          </a:xfrm>
-        </p:spPr>
-        <p:txBody>
-          <a:bodyPr/>
-          <a:lstStyle/>
-          <a:p>
-            <a:r>
-              <a:rPr lang="en-US"/>
-              <a:t>Click to edit Master title style</a:t>
-            </a:r>
-          </a:p>
-        </p:txBody>
-      </p:sp>
-      <p:sp>
-        <p:nvSpPr>
-          <p:cNvPr id="3" name="Text Placeholder 2">
-            <a:extLst>
-              <a:ext uri="{FF2B5EF4-FFF2-40B4-BE49-F238E27FC236}">
-                <a16:creationId xmlns:a16="http://schemas.microsoft.com/office/drawing/2014/main" id="{C9E73C12-E226-4310-9B20-B225C9384F10}"/>
-              </a:ext>
-            </a:extLst>
-          </p:cNvPr>
-          <p:cNvSpPr>
-            <a:spLocks noGrp="1"/>
-          </p:cNvSpPr>
-          <p:nvPr>
-            <p:ph type="body" idx="1"/>
-          </p:nvPr>
-        </p:nvSpPr>
-        <p:spPr>
-          <a:xfrm>
-            <a:off x="839788" y="1681163"/>
-            <a:ext cx="5157787" cy="823912"/>
-          </a:xfrm>
-        </p:spPr>
-        <p:txBody>
-          <a:bodyPr anchor="b"/>
-          <a:lstStyle>
-            <a:lvl1pPr marL="0" indent="0">
-              <a:buNone/>
-              <a:defRPr sz="2400" b="1"/>
-            </a:lvl1pPr>
-            <a:lvl2pPr marL="457200" indent="0">
-              <a:buNone/>
-              <a:defRPr sz="2000" b="1"/>
-            </a:lvl2pPr>
-            <a:lvl3pPr marL="914400" indent="0">
-              <a:buNone/>
-              <a:defRPr sz="1800" b="1"/>
-            </a:lvl3pPr>
-            <a:lvl4pPr marL="1371600" indent="0">
-              <a:buNone/>
-              <a:defRPr sz="1600" b="1"/>
-            </a:lvl4pPr>
-            <a:lvl5pPr marL="1828800" indent="0">
-              <a:buNone/>
-              <a:defRPr sz="1600" b="1"/>
-            </a:lvl5pPr>
-            <a:lvl6pPr marL="2286000" indent="0">
-              <a:buNone/>
-              <a:defRPr sz="1600" b="1"/>
-            </a:lvl6pPr>
-            <a:lvl7pPr marL="2743200" indent="0">
-              <a:buNone/>
-              <a:defRPr sz="1600" b="1"/>
-            </a:lvl7pPr>
-            <a:lvl8pPr marL="3200400" indent="0">
-              <a:buNone/>
-              <a:defRPr sz="1600" b="1"/>
-            </a:lvl8pPr>
-            <a:lvl9pPr marL="3657600" indent="0">
-              <a:buNone/>
-              <a:defRPr sz="1600" b="1"/>
-            </a:lvl9pPr>
-          </a:lstStyle>
-          <a:p>
-            <a:pPr lvl="0"/>
-            <a:r>
-              <a:rPr lang="en-US"/>
-              <a:t>Click to edit Master text styles</a:t>
-            </a:r>
-          </a:p>
-        </p:txBody>
-      </p:sp>
-      <p:sp>
-        <p:nvSpPr>
-          <p:cNvPr id="4" name="Content Placeholder 3">
-            <a:extLst>
-              <a:ext uri="{FF2B5EF4-FFF2-40B4-BE49-F238E27FC236}">
-                <a16:creationId xmlns:a16="http://schemas.microsoft.com/office/drawing/2014/main" id="{79855262-303A-42DB-BDD5-2AD7B75A0FB8}"/>
-              </a:ext>
-            </a:extLst>
-          </p:cNvPr>
-          <p:cNvSpPr>
-            <a:spLocks noGrp="1"/>
-          </p:cNvSpPr>
-          <p:nvPr>
-            <p:ph sz="half" idx="2"/>
-          </p:nvPr>
-        </p:nvSpPr>
-        <p:spPr>
-          <a:xfrm>
-            <a:off x="839788" y="2505075"/>
-            <a:ext cx="5157787" cy="3684588"/>
-          </a:xfrm>
-        </p:spPr>
-        <p:txBody>
-          <a:bodyPr/>
-          <a:lstStyle/>
-          <a:p>
-            <a:pPr lvl="0"/>
-            <a:r>
-              <a:rPr lang="en-US"/>
-              <a:t>Click to edit Master text styles</a:t>
-            </a:r>
-          </a:p>
-          <a:p>
-            <a:pPr lvl="1"/>
-            <a:r>
-              <a:rPr lang="en-US"/>
-              <a:t>Second level</a:t>
-            </a:r>
-          </a:p>
-          <a:p>
-            <a:pPr lvl="2"/>
-            <a:r>
-              <a:rPr lang="en-US"/>
-              <a:t>Third level</a:t>
-            </a:r>
-          </a:p>
-          <a:p>
-            <a:pPr lvl="3"/>
-            <a:r>
-              <a:rPr lang="en-US"/>
-              <a:t>Fourth level</a:t>
-            </a:r>
-          </a:p>
-          <a:p>
-            <a:pPr lvl="4"/>
-            <a:r>
-              <a:rPr lang="en-US"/>
-              <a:t>Fifth level</a:t>
-            </a:r>
-          </a:p>
-        </p:txBody>
-      </p:sp>
-      <p:sp>
-        <p:nvSpPr>
-          <p:cNvPr id="5" name="Text Placeholder 4">
-            <a:extLst>
-              <a:ext uri="{FF2B5EF4-FFF2-40B4-BE49-F238E27FC236}">
-                <a16:creationId xmlns:a16="http://schemas.microsoft.com/office/drawing/2014/main" id="{66683182-6240-4889-9D7A-BF682F18ED9A}"/>
-              </a:ext>
-            </a:extLst>
-          </p:cNvPr>
-          <p:cNvSpPr>
-            <a:spLocks noGrp="1"/>
-          </p:cNvSpPr>
-          <p:nvPr>
-            <p:ph type="body" sz="quarter" idx="3"/>
-          </p:nvPr>
-        </p:nvSpPr>
-        <p:spPr>
-          <a:xfrm>
-            <a:off x="6172200" y="1681163"/>
-            <a:ext cx="5183188" cy="823912"/>
-          </a:xfrm>
-        </p:spPr>
-        <p:txBody>
-          <a:bodyPr anchor="b"/>
-          <a:lstStyle>
-            <a:lvl1pPr marL="0" indent="0">
-              <a:buNone/>
-              <a:defRPr sz="2400" b="1"/>
-            </a:lvl1pPr>
-            <a:lvl2pPr marL="457200" indent="0">
-              <a:buNone/>
-              <a:defRPr sz="2000" b="1"/>
-            </a:lvl2pPr>
-            <a:lvl3pPr marL="914400" indent="0">
-              <a:buNone/>
-              <a:defRPr sz="1800" b="1"/>
-            </a:lvl3pPr>
-            <a:lvl4pPr marL="1371600" indent="0">
-              <a:buNone/>
-              <a:defRPr sz="1600" b="1"/>
-            </a:lvl4pPr>
-            <a:lvl5pPr marL="1828800" indent="0">
-              <a:buNone/>
-              <a:defRPr sz="1600" b="1"/>
-            </a:lvl5pPr>
-            <a:lvl6pPr marL="2286000" indent="0">
-              <a:buNone/>
-              <a:defRPr sz="1600" b="1"/>
-            </a:lvl6pPr>
-            <a:lvl7pPr marL="2743200" indent="0">
-              <a:buNone/>
-              <a:defRPr sz="1600" b="1"/>
-            </a:lvl7pPr>
-            <a:lvl8pPr marL="3200400" indent="0">
-              <a:buNone/>
-              <a:defRPr sz="1600" b="1"/>
-            </a:lvl8pPr>
-            <a:lvl9pPr marL="3657600" indent="0">
-              <a:buNone/>
-              <a:defRPr sz="1600" b="1"/>
-            </a:lvl9pPr>
-          </a:lstStyle>
-          <a:p>
-            <a:pPr lvl="0"/>
-            <a:r>
-              <a:rPr lang="en-US"/>
-              <a:t>Click to edit Master text styles</a:t>
-            </a:r>
-          </a:p>
-        </p:txBody>
-      </p:sp>
-      <p:sp>
-        <p:nvSpPr>
-          <p:cNvPr id="6" name="Content Placeholder 5">
-            <a:extLst>
-              <a:ext uri="{FF2B5EF4-FFF2-40B4-BE49-F238E27FC236}">
-                <a16:creationId xmlns:a16="http://schemas.microsoft.com/office/drawing/2014/main" id="{EC930640-266F-4DC1-BFDB-4D17A62E96F6}"/>
-              </a:ext>
-            </a:extLst>
-          </p:cNvPr>
-          <p:cNvSpPr>
-            <a:spLocks noGrp="1"/>
-          </p:cNvSpPr>
-          <p:nvPr>
-            <p:ph sz="quarter" idx="4"/>
-          </p:nvPr>
-        </p:nvSpPr>
-        <p:spPr>
-          <a:xfrm>
-            <a:off x="6172200" y="2505075"/>
-            <a:ext cx="5183188" cy="3684588"/>
-          </a:xfrm>
-        </p:spPr>
-        <p:txBody>
-          <a:bodyPr/>
-          <a:lstStyle/>
-          <a:p>
-            <a:pPr lvl="0"/>
-            <a:r>
-              <a:rPr lang="en-US"/>
-              <a:t>Click to edit Master text styles</a:t>
-            </a:r>
-          </a:p>
-          <a:p>
-            <a:pPr lvl="1"/>
-            <a:r>
-              <a:rPr lang="en-US"/>
-              <a:t>Second level</a:t>
-            </a:r>
-          </a:p>
-          <a:p>
-            <a:pPr lvl="2"/>
-            <a:r>
-              <a:rPr lang="en-US"/>
-              <a:t>Third level</a:t>
-            </a:r>
-          </a:p>
-          <a:p>
-            <a:pPr lvl="3"/>
-            <a:r>
-              <a:rPr lang="en-US"/>
-              <a:t>Fourth level</a:t>
-            </a:r>
-          </a:p>
-          <a:p>
-            <a:pPr lvl="4"/>
-            <a:r>
-              <a:rPr lang="en-US"/>
-              <a:t>Fifth level</a:t>
-            </a:r>
-          </a:p>
-        </p:txBody>
-      </p:sp>
-      <p:sp>
-        <p:nvSpPr>
-          <p:cNvPr id="7" name="Date Placeholder 6">
-            <a:extLst>
-              <a:ext uri="{FF2B5EF4-FFF2-40B4-BE49-F238E27FC236}">
-                <a16:creationId xmlns:a16="http://schemas.microsoft.com/office/drawing/2014/main" id="{F2BCEAB4-54BF-430D-A6C0-02863545D811}"/>
-              </a:ext>
-            </a:extLst>
-          </p:cNvPr>
-          <p:cNvSpPr>
-            <a:spLocks noGrp="1"/>
-          </p:cNvSpPr>
-          <p:nvPr>
-            <p:ph type="dt" sz="half" idx="10"/>
-          </p:nvPr>
-        </p:nvSpPr>
-        <p:spPr/>
-        <p:txBody>
-          <a:bodyPr/>
-          <a:lstStyle/>
-          <a:p>
-            <a:fld id="{56B36DF7-D075-4B16-B767-125076EC0A7B}" type="datetimeFigureOut">
-              <a:rPr lang="en-US" smtClean="0"/>
-              <a:t>8/31/2021</a:t>
-            </a:fld>
-            <a:endParaRPr lang="en-US"/>
-          </a:p>
-        </p:txBody>
-      </p:sp>
-      <p:sp>
-        <p:nvSpPr>
-          <p:cNvPr id="8" name="Footer Placeholder 7">
-            <a:extLst>
-              <a:ext uri="{FF2B5EF4-FFF2-40B4-BE49-F238E27FC236}">
-                <a16:creationId xmlns:a16="http://schemas.microsoft.com/office/drawing/2014/main" id="{DFE5B030-8492-49A8-8DC4-FEF61C9644E9}"/>
-              </a:ext>
-            </a:extLst>
-          </p:cNvPr>
-          <p:cNvSpPr>
-            <a:spLocks noGrp="1"/>
-          </p:cNvSpPr>
-          <p:nvPr>
-            <p:ph type="ftr" sz="quarter" idx="11"/>
-          </p:nvPr>
-        </p:nvSpPr>
-        <p:spPr/>
-        <p:txBody>
-          <a:bodyPr/>
-          <a:lstStyle/>
-          <a:p>
-            <a:endParaRPr lang="en-US"/>
-          </a:p>
-        </p:txBody>
-      </p:sp>
-      <p:sp>
-        <p:nvSpPr>
-          <p:cNvPr id="9" name="Slide Number Placeholder 8">
-            <a:extLst>
-              <a:ext uri="{FF2B5EF4-FFF2-40B4-BE49-F238E27FC236}">
-                <a16:creationId xmlns:a16="http://schemas.microsoft.com/office/drawing/2014/main" id="{0E695B2C-1F5C-4D42-B86F-E648906FD937}"/>
-              </a:ext>
-            </a:extLst>
-          </p:cNvPr>
-          <p:cNvSpPr>
-            <a:spLocks noGrp="1"/>
-          </p:cNvSpPr>
-          <p:nvPr>
-            <p:ph type="sldNum" sz="quarter" idx="12"/>
-          </p:nvPr>
-        </p:nvSpPr>
-        <p:spPr/>
-        <p:txBody>
-          <a:bodyPr/>
-          <a:lstStyle/>
-          <a:p>
-            <a:fld id="{F7D79181-B4B9-4625-8114-A44AF754A8B7}" type="slidenum">
-              <a:rPr lang="en-US" smtClean="0"/>
-              <a:t>‹#›</a:t>
-            </a:fld>
-            <a:endParaRPr lang="en-US"/>
-          </a:p>
-        </p:txBody>
-      </p:sp>
-    </p:spTree>
-    <p:extLst>
-      <p:ext uri="{BB962C8B-B14F-4D97-AF65-F5344CB8AC3E}">
-        <p14:creationId xmlns:p14="http://schemas.microsoft.com/office/powerpoint/2010/main" val="172508676"/>
-      </p:ext>
-    </p:extLst>
-  </p:cSld>
-  <p:clrMapOvr>
-    <a:masterClrMapping/>
-  </p:clrMapOvr>
-</p:sldLayout>
-</file>
-
-<file path=ppt/slideLayouts/slideLayout6.xml><?xml version="1.0" encoding="utf-8"?>
-<p:sldLayout xmlns:a="http://schemas.openxmlformats.org/drawingml/2006/main" xmlns:r="http://schemas.openxmlformats.org/officeDocument/2006/relationships" xmlns:p="http://schemas.openxmlformats.org/presentationml/2006/main" type="titleOnly" preserve="1">
-  <p:cSld name="Title Only">
-    <p:spTree>
-      <p:nvGrpSpPr>
-        <p:cNvPr id="1" name=""/>
-        <p:cNvGrpSpPr/>
-        <p:nvPr/>
-      </p:nvGrpSpPr>
-      <p:grpSpPr>
-        <a:xfrm>
-          <a:off x="0" y="0"/>
-          <a:ext cx="0" cy="0"/>
-          <a:chOff x="0" y="0"/>
-          <a:chExt cx="0" cy="0"/>
-        </a:xfrm>
-      </p:grpSpPr>
-      <p:sp>
-        <p:nvSpPr>
-          <p:cNvPr id="2" name="Title 1">
-            <a:extLst>
-              <a:ext uri="{FF2B5EF4-FFF2-40B4-BE49-F238E27FC236}">
-                <a16:creationId xmlns:a16="http://schemas.microsoft.com/office/drawing/2014/main" id="{A4A09D57-A453-4835-BB8B-F54523CB84DC}"/>
-              </a:ext>
-            </a:extLst>
-          </p:cNvPr>
-          <p:cNvSpPr>
-            <a:spLocks noGrp="1"/>
-          </p:cNvSpPr>
-          <p:nvPr>
-            <p:ph type="title"/>
-          </p:nvPr>
-        </p:nvSpPr>
-        <p:spPr/>
-        <p:txBody>
-          <a:bodyPr/>
-          <a:lstStyle/>
-          <a:p>
-            <a:r>
-              <a:rPr lang="en-US"/>
-              <a:t>Click to edit Master title style</a:t>
-            </a:r>
-          </a:p>
-        </p:txBody>
-      </p:sp>
-      <p:sp>
-        <p:nvSpPr>
-          <p:cNvPr id="3" name="Date Placeholder 2">
-            <a:extLst>
-              <a:ext uri="{FF2B5EF4-FFF2-40B4-BE49-F238E27FC236}">
-                <a16:creationId xmlns:a16="http://schemas.microsoft.com/office/drawing/2014/main" id="{44E756A9-01DD-4D6B-8296-D6DBC6A6E82A}"/>
-              </a:ext>
-            </a:extLst>
-          </p:cNvPr>
-          <p:cNvSpPr>
-            <a:spLocks noGrp="1"/>
-          </p:cNvSpPr>
-          <p:nvPr>
-            <p:ph type="dt" sz="half" idx="10"/>
-          </p:nvPr>
-        </p:nvSpPr>
-        <p:spPr/>
-        <p:txBody>
-          <a:bodyPr/>
-          <a:lstStyle/>
-          <a:p>
-            <a:fld id="{56B36DF7-D075-4B16-B767-125076EC0A7B}" type="datetimeFigureOut">
-              <a:rPr lang="en-US" smtClean="0"/>
-              <a:t>8/31/2021</a:t>
-            </a:fld>
-            <a:endParaRPr lang="en-US"/>
-          </a:p>
-        </p:txBody>
-      </p:sp>
-      <p:sp>
-        <p:nvSpPr>
-          <p:cNvPr id="4" name="Footer Placeholder 3">
-            <a:extLst>
-              <a:ext uri="{FF2B5EF4-FFF2-40B4-BE49-F238E27FC236}">
-                <a16:creationId xmlns:a16="http://schemas.microsoft.com/office/drawing/2014/main" id="{BD79F2BB-88FE-4F8A-81F3-06A2B9CC573F}"/>
-              </a:ext>
-            </a:extLst>
-          </p:cNvPr>
-          <p:cNvSpPr>
-            <a:spLocks noGrp="1"/>
-          </p:cNvSpPr>
-          <p:nvPr>
-            <p:ph type="ftr" sz="quarter" idx="11"/>
-          </p:nvPr>
-        </p:nvSpPr>
-        <p:spPr/>
-        <p:txBody>
-          <a:bodyPr/>
-          <a:lstStyle/>
-          <a:p>
-            <a:endParaRPr lang="en-US"/>
-          </a:p>
-        </p:txBody>
-      </p:sp>
-      <p:sp>
-        <p:nvSpPr>
-          <p:cNvPr id="5" name="Slide Number Placeholder 4">
-            <a:extLst>
-              <a:ext uri="{FF2B5EF4-FFF2-40B4-BE49-F238E27FC236}">
-                <a16:creationId xmlns:a16="http://schemas.microsoft.com/office/drawing/2014/main" id="{15EF480B-7336-402F-A283-BC765B572773}"/>
-              </a:ext>
-            </a:extLst>
-          </p:cNvPr>
-          <p:cNvSpPr>
-            <a:spLocks noGrp="1"/>
-          </p:cNvSpPr>
-          <p:nvPr>
-            <p:ph type="sldNum" sz="quarter" idx="12"/>
-          </p:nvPr>
-        </p:nvSpPr>
-        <p:spPr/>
-        <p:txBody>
-          <a:bodyPr/>
-          <a:lstStyle/>
-          <a:p>
-            <a:fld id="{F7D79181-B4B9-4625-8114-A44AF754A8B7}" type="slidenum">
-              <a:rPr lang="en-US" smtClean="0"/>
-              <a:t>‹#›</a:t>
-            </a:fld>
-            <a:endParaRPr lang="en-US"/>
-          </a:p>
-        </p:txBody>
-      </p:sp>
-    </p:spTree>
-    <p:extLst>
-      <p:ext uri="{BB962C8B-B14F-4D97-AF65-F5344CB8AC3E}">
-        <p14:creationId xmlns:p14="http://schemas.microsoft.com/office/powerpoint/2010/main" val="529431711"/>
-      </p:ext>
-    </p:extLst>
-  </p:cSld>
-  <p:clrMapOvr>
-    <a:masterClrMapping/>
-  </p:clrMapOvr>
-</p:sldLayout>
-</file>
-
-<file path=ppt/slideLayouts/slideLayout7.xml><?xml version="1.0" encoding="utf-8"?>
-<p:sldLayout xmlns:a="http://schemas.openxmlformats.org/drawingml/2006/main" xmlns:r="http://schemas.openxmlformats.org/officeDocument/2006/relationships" xmlns:p="http://schemas.openxmlformats.org/presentationml/2006/main" type="blank" preserve="1">
-  <p:cSld name="Blank">
-    <p:spTree>
-      <p:nvGrpSpPr>
-        <p:cNvPr id="1" name=""/>
-        <p:cNvGrpSpPr/>
-        <p:nvPr/>
-      </p:nvGrpSpPr>
-      <p:grpSpPr>
-        <a:xfrm>
-          <a:off x="0" y="0"/>
-          <a:ext cx="0" cy="0"/>
-          <a:chOff x="0" y="0"/>
-          <a:chExt cx="0" cy="0"/>
-        </a:xfrm>
-      </p:grpSpPr>
-      <p:sp>
-        <p:nvSpPr>
-          <p:cNvPr id="2" name="Date Placeholder 1">
-            <a:extLst>
-              <a:ext uri="{FF2B5EF4-FFF2-40B4-BE49-F238E27FC236}">
-                <a16:creationId xmlns:a16="http://schemas.microsoft.com/office/drawing/2014/main" id="{2BC37E4F-8C3F-4676-8B85-F0A1A11A3D9F}"/>
-              </a:ext>
-            </a:extLst>
-          </p:cNvPr>
-          <p:cNvSpPr>
-            <a:spLocks noGrp="1"/>
-          </p:cNvSpPr>
-          <p:nvPr>
-            <p:ph type="dt" sz="half" idx="10"/>
-          </p:nvPr>
-        </p:nvSpPr>
-        <p:spPr/>
-        <p:txBody>
-          <a:bodyPr/>
-          <a:lstStyle/>
-          <a:p>
-            <a:fld id="{56B36DF7-D075-4B16-B767-125076EC0A7B}" type="datetimeFigureOut">
-              <a:rPr lang="en-US" smtClean="0"/>
-              <a:t>8/31/2021</a:t>
-            </a:fld>
-            <a:endParaRPr lang="en-US"/>
-          </a:p>
-        </p:txBody>
-      </p:sp>
-      <p:sp>
-        <p:nvSpPr>
-          <p:cNvPr id="3" name="Footer Placeholder 2">
-            <a:extLst>
-              <a:ext uri="{FF2B5EF4-FFF2-40B4-BE49-F238E27FC236}">
-                <a16:creationId xmlns:a16="http://schemas.microsoft.com/office/drawing/2014/main" id="{E4E20A22-07BC-4F40-982D-175D5BEAB8C2}"/>
-              </a:ext>
-            </a:extLst>
-          </p:cNvPr>
-          <p:cNvSpPr>
-            <a:spLocks noGrp="1"/>
-          </p:cNvSpPr>
-          <p:nvPr>
-            <p:ph type="ftr" sz="quarter" idx="11"/>
-          </p:nvPr>
-        </p:nvSpPr>
-        <p:spPr/>
-        <p:txBody>
-          <a:bodyPr/>
-          <a:lstStyle/>
-          <a:p>
-            <a:endParaRPr lang="en-US"/>
-          </a:p>
-        </p:txBody>
-      </p:sp>
-      <p:sp>
-        <p:nvSpPr>
-          <p:cNvPr id="4" name="Slide Number Placeholder 3">
-            <a:extLst>
-              <a:ext uri="{FF2B5EF4-FFF2-40B4-BE49-F238E27FC236}">
-                <a16:creationId xmlns:a16="http://schemas.microsoft.com/office/drawing/2014/main" id="{8F31C3D9-0813-40B8-AE3F-1B3C374E9112}"/>
-              </a:ext>
-            </a:extLst>
-          </p:cNvPr>
-          <p:cNvSpPr>
-            <a:spLocks noGrp="1"/>
-          </p:cNvSpPr>
-          <p:nvPr>
-            <p:ph type="sldNum" sz="quarter" idx="12"/>
-          </p:nvPr>
-        </p:nvSpPr>
-        <p:spPr/>
-        <p:txBody>
-          <a:bodyPr/>
-          <a:lstStyle/>
-          <a:p>
-            <a:fld id="{F7D79181-B4B9-4625-8114-A44AF754A8B7}" type="slidenum">
-              <a:rPr lang="en-US" smtClean="0"/>
-              <a:t>‹#›</a:t>
-            </a:fld>
-            <a:endParaRPr lang="en-US"/>
-          </a:p>
-        </p:txBody>
-      </p:sp>
-    </p:spTree>
-    <p:extLst>
-      <p:ext uri="{BB962C8B-B14F-4D97-AF65-F5344CB8AC3E}">
-        <p14:creationId xmlns:p14="http://schemas.microsoft.com/office/powerpoint/2010/main" val="2130595744"/>
-      </p:ext>
-    </p:extLst>
-  </p:cSld>
-  <p:clrMapOvr>
-    <a:masterClrMapping/>
-  </p:clrMapOvr>
-</p:sldLayout>
-</file>
-
-<file path=ppt/slideLayouts/slideLayout8.xml><?xml version="1.0" encoding="utf-8"?>
-<p:sldLayout xmlns:a="http://schemas.openxmlformats.org/drawingml/2006/main" xmlns:r="http://schemas.openxmlformats.org/officeDocument/2006/relationships" xmlns:p="http://schemas.openxmlformats.org/presentationml/2006/main" type="objTx" preserve="1">
-  <p:cSld name="Content with Caption">
-    <p:spTree>
-      <p:nvGrpSpPr>
-        <p:cNvPr id="1" name=""/>
-        <p:cNvGrpSpPr/>
-        <p:nvPr/>
-      </p:nvGrpSpPr>
-      <p:grpSpPr>
-        <a:xfrm>
-          <a:off x="0" y="0"/>
-          <a:ext cx="0" cy="0"/>
-          <a:chOff x="0" y="0"/>
-          <a:chExt cx="0" cy="0"/>
-        </a:xfrm>
-      </p:grpSpPr>
-      <p:sp>
-        <p:nvSpPr>
-          <p:cNvPr id="2" name="Title 1">
-            <a:extLst>
-              <a:ext uri="{FF2B5EF4-FFF2-40B4-BE49-F238E27FC236}">
-                <a16:creationId xmlns:a16="http://schemas.microsoft.com/office/drawing/2014/main" id="{DE304E6C-517F-4848-A259-08089364FB7E}"/>
-              </a:ext>
-            </a:extLst>
-          </p:cNvPr>
-          <p:cNvSpPr>
-            <a:spLocks noGrp="1"/>
-          </p:cNvSpPr>
-          <p:nvPr>
-            <p:ph type="title"/>
-          </p:nvPr>
-        </p:nvSpPr>
-        <p:spPr>
-          <a:xfrm>
-            <a:off x="839788" y="457200"/>
-            <a:ext cx="3932237" cy="1600200"/>
-          </a:xfrm>
-        </p:spPr>
-        <p:txBody>
-          <a:bodyPr anchor="b"/>
-          <a:lstStyle>
-            <a:lvl1pPr>
-              <a:defRPr sz="3200"/>
-            </a:lvl1pPr>
-          </a:lstStyle>
-          <a:p>
-            <a:r>
-              <a:rPr lang="en-US"/>
-              <a:t>Click to edit Master title style</a:t>
-            </a:r>
-          </a:p>
-        </p:txBody>
-      </p:sp>
-      <p:sp>
-        <p:nvSpPr>
-          <p:cNvPr id="3" name="Content Placeholder 2">
-            <a:extLst>
-              <a:ext uri="{FF2B5EF4-FFF2-40B4-BE49-F238E27FC236}">
-                <a16:creationId xmlns:a16="http://schemas.microsoft.com/office/drawing/2014/main" id="{19583365-0C2E-4B01-8AB1-04CB2FB940D8}"/>
-              </a:ext>
-            </a:extLst>
-          </p:cNvPr>
-          <p:cNvSpPr>
-            <a:spLocks noGrp="1"/>
-          </p:cNvSpPr>
-          <p:nvPr>
-            <p:ph idx="1"/>
-          </p:nvPr>
-        </p:nvSpPr>
-        <p:spPr>
-          <a:xfrm>
-            <a:off x="5183188" y="987425"/>
-            <a:ext cx="6172200" cy="4873625"/>
-          </a:xfrm>
-        </p:spPr>
-        <p:txBody>
-          <a:bodyPr/>
-          <a:lstStyle>
-            <a:lvl1pPr>
-              <a:defRPr sz="3200"/>
-            </a:lvl1pPr>
-            <a:lvl2pPr>
-              <a:defRPr sz="2800"/>
-            </a:lvl2pPr>
-            <a:lvl3pPr>
-              <a:defRPr sz="2400"/>
-            </a:lvl3pPr>
-            <a:lvl4pPr>
-              <a:defRPr sz="2000"/>
-            </a:lvl4pPr>
-            <a:lvl5pPr>
-              <a:defRPr sz="2000"/>
-            </a:lvl5pPr>
-            <a:lvl6pPr>
-              <a:defRPr sz="2000"/>
-            </a:lvl6pPr>
-            <a:lvl7pPr>
-              <a:defRPr sz="2000"/>
-            </a:lvl7pPr>
-            <a:lvl8pPr>
-              <a:defRPr sz="2000"/>
-            </a:lvl8pPr>
-            <a:lvl9pPr>
-              <a:defRPr sz="2000"/>
-            </a:lvl9pPr>
-          </a:lstStyle>
-          <a:p>
-            <a:pPr lvl="0"/>
-            <a:r>
-              <a:rPr lang="en-US"/>
-              <a:t>Click to edit Master text styles</a:t>
-            </a:r>
-          </a:p>
-          <a:p>
-            <a:pPr lvl="1"/>
-            <a:r>
-              <a:rPr lang="en-US"/>
-              <a:t>Second level</a:t>
-            </a:r>
-          </a:p>
-          <a:p>
-            <a:pPr lvl="2"/>
-            <a:r>
-              <a:rPr lang="en-US"/>
-              <a:t>Third level</a:t>
-            </a:r>
-          </a:p>
-          <a:p>
-            <a:pPr lvl="3"/>
-            <a:r>
-              <a:rPr lang="en-US"/>
-              <a:t>Fourth level</a:t>
-            </a:r>
-          </a:p>
-          <a:p>
-            <a:pPr lvl="4"/>
-            <a:r>
-              <a:rPr lang="en-US"/>
-              <a:t>Fifth level</a:t>
-            </a:r>
-          </a:p>
-        </p:txBody>
-      </p:sp>
-      <p:sp>
-        <p:nvSpPr>
-          <p:cNvPr id="4" name="Text Placeholder 3">
-            <a:extLst>
-              <a:ext uri="{FF2B5EF4-FFF2-40B4-BE49-F238E27FC236}">
-                <a16:creationId xmlns:a16="http://schemas.microsoft.com/office/drawing/2014/main" id="{FB32CB73-FC3E-4098-8C9F-639DA7B935B6}"/>
-              </a:ext>
-            </a:extLst>
-          </p:cNvPr>
-          <p:cNvSpPr>
-            <a:spLocks noGrp="1"/>
-          </p:cNvSpPr>
-          <p:nvPr>
-            <p:ph type="body" sz="half" idx="2"/>
-          </p:nvPr>
-        </p:nvSpPr>
-        <p:spPr>
-          <a:xfrm>
-            <a:off x="839788" y="2057400"/>
-            <a:ext cx="3932237" cy="3811588"/>
-          </a:xfrm>
-        </p:spPr>
-        <p:txBody>
-          <a:bodyPr/>
-          <a:lstStyle>
-            <a:lvl1pPr marL="0" indent="0">
-              <a:buNone/>
-              <a:defRPr sz="1600"/>
-            </a:lvl1pPr>
-            <a:lvl2pPr marL="457200" indent="0">
-              <a:buNone/>
-              <a:defRPr sz="1400"/>
-            </a:lvl2pPr>
-            <a:lvl3pPr marL="914400" indent="0">
-              <a:buNone/>
-              <a:defRPr sz="1200"/>
-            </a:lvl3pPr>
-            <a:lvl4pPr marL="1371600" indent="0">
-              <a:buNone/>
-              <a:defRPr sz="1000"/>
-            </a:lvl4pPr>
-            <a:lvl5pPr marL="1828800" indent="0">
-              <a:buNone/>
-              <a:defRPr sz="1000"/>
-            </a:lvl5pPr>
-            <a:lvl6pPr marL="2286000" indent="0">
-              <a:buNone/>
-              <a:defRPr sz="1000"/>
-            </a:lvl6pPr>
-            <a:lvl7pPr marL="2743200" indent="0">
-              <a:buNone/>
-              <a:defRPr sz="1000"/>
-            </a:lvl7pPr>
-            <a:lvl8pPr marL="3200400" indent="0">
-              <a:buNone/>
-              <a:defRPr sz="1000"/>
-            </a:lvl8pPr>
-            <a:lvl9pPr marL="3657600" indent="0">
-              <a:buNone/>
-              <a:defRPr sz="1000"/>
-            </a:lvl9pPr>
-          </a:lstStyle>
-          <a:p>
-            <a:pPr lvl="0"/>
-            <a:r>
-              <a:rPr lang="en-US"/>
-              <a:t>Click to edit Master text styles</a:t>
-            </a:r>
-          </a:p>
-        </p:txBody>
-      </p:sp>
-      <p:sp>
-        <p:nvSpPr>
-          <p:cNvPr id="5" name="Date Placeholder 4">
-            <a:extLst>
-              <a:ext uri="{FF2B5EF4-FFF2-40B4-BE49-F238E27FC236}">
-                <a16:creationId xmlns:a16="http://schemas.microsoft.com/office/drawing/2014/main" id="{6A556618-2555-48B4-9DDB-B2B058D9DF76}"/>
-              </a:ext>
-            </a:extLst>
-          </p:cNvPr>
-          <p:cNvSpPr>
-            <a:spLocks noGrp="1"/>
-          </p:cNvSpPr>
-          <p:nvPr>
-            <p:ph type="dt" sz="half" idx="10"/>
-          </p:nvPr>
-        </p:nvSpPr>
-        <p:spPr/>
-        <p:txBody>
-          <a:bodyPr/>
-          <a:lstStyle/>
-          <a:p>
-            <a:fld id="{56B36DF7-D075-4B16-B767-125076EC0A7B}" type="datetimeFigureOut">
-              <a:rPr lang="en-US" smtClean="0"/>
-              <a:t>8/31/2021</a:t>
-            </a:fld>
-            <a:endParaRPr lang="en-US"/>
-          </a:p>
-        </p:txBody>
-      </p:sp>
-      <p:sp>
-        <p:nvSpPr>
-          <p:cNvPr id="6" name="Footer Placeholder 5">
-            <a:extLst>
-              <a:ext uri="{FF2B5EF4-FFF2-40B4-BE49-F238E27FC236}">
-                <a16:creationId xmlns:a16="http://schemas.microsoft.com/office/drawing/2014/main" id="{EC29DB7C-C44B-45C8-8B2A-E6A9051846FB}"/>
-              </a:ext>
-            </a:extLst>
-          </p:cNvPr>
-          <p:cNvSpPr>
-            <a:spLocks noGrp="1"/>
-          </p:cNvSpPr>
-          <p:nvPr>
-            <p:ph type="ftr" sz="quarter" idx="11"/>
-          </p:nvPr>
-        </p:nvSpPr>
-        <p:spPr/>
-        <p:txBody>
-          <a:bodyPr/>
-          <a:lstStyle/>
-          <a:p>
-            <a:endParaRPr lang="en-US"/>
-          </a:p>
-        </p:txBody>
-      </p:sp>
-      <p:sp>
-        <p:nvSpPr>
-          <p:cNvPr id="7" name="Slide Number Placeholder 6">
-            <a:extLst>
-              <a:ext uri="{FF2B5EF4-FFF2-40B4-BE49-F238E27FC236}">
-                <a16:creationId xmlns:a16="http://schemas.microsoft.com/office/drawing/2014/main" id="{49C6A65E-EF56-4CCF-940A-05D150CEDDBE}"/>
-              </a:ext>
-            </a:extLst>
-          </p:cNvPr>
-          <p:cNvSpPr>
-            <a:spLocks noGrp="1"/>
-          </p:cNvSpPr>
-          <p:nvPr>
-            <p:ph type="sldNum" sz="quarter" idx="12"/>
-          </p:nvPr>
-        </p:nvSpPr>
-        <p:spPr/>
-        <p:txBody>
-          <a:bodyPr/>
-          <a:lstStyle/>
-          <a:p>
-            <a:fld id="{F7D79181-B4B9-4625-8114-A44AF754A8B7}" type="slidenum">
-              <a:rPr lang="en-US" smtClean="0"/>
-              <a:t>‹#›</a:t>
-            </a:fld>
-            <a:endParaRPr lang="en-US"/>
-          </a:p>
-        </p:txBody>
-      </p:sp>
-    </p:spTree>
-    <p:extLst>
-      <p:ext uri="{BB962C8B-B14F-4D97-AF65-F5344CB8AC3E}">
-        <p14:creationId xmlns:p14="http://schemas.microsoft.com/office/powerpoint/2010/main" val="1239714076"/>
-      </p:ext>
-    </p:extLst>
-  </p:cSld>
-  <p:clrMapOvr>
-    <a:masterClrMapping/>
-  </p:clrMapOvr>
-</p:sldLayout>
-</file>
-
-<file path=ppt/slideLayouts/slideLayout9.xml><?xml version="1.0" encoding="utf-8"?>
-<p:sldLayout xmlns:a="http://schemas.openxmlformats.org/drawingml/2006/main" xmlns:r="http://schemas.openxmlformats.org/officeDocument/2006/relationships" xmlns:p="http://schemas.openxmlformats.org/presentationml/2006/main" type="picTx" preserve="1">
-  <p:cSld name="Picture with Caption">
-    <p:spTree>
-      <p:nvGrpSpPr>
-        <p:cNvPr id="1" name=""/>
-        <p:cNvGrpSpPr/>
-        <p:nvPr/>
-      </p:nvGrpSpPr>
-      <p:grpSpPr>
-        <a:xfrm>
-          <a:off x="0" y="0"/>
-          <a:ext cx="0" cy="0"/>
-          <a:chOff x="0" y="0"/>
-          <a:chExt cx="0" cy="0"/>
-        </a:xfrm>
-      </p:grpSpPr>
-      <p:sp>
-        <p:nvSpPr>
-          <p:cNvPr id="2" name="Title 1">
-            <a:extLst>
-              <a:ext uri="{FF2B5EF4-FFF2-40B4-BE49-F238E27FC236}">
-                <a16:creationId xmlns:a16="http://schemas.microsoft.com/office/drawing/2014/main" id="{5141E7D1-0213-4B41-B93E-B18CF98BEE6D}"/>
-              </a:ext>
-            </a:extLst>
-          </p:cNvPr>
-          <p:cNvSpPr>
-            <a:spLocks noGrp="1"/>
-          </p:cNvSpPr>
-          <p:nvPr>
-            <p:ph type="title"/>
-          </p:nvPr>
-        </p:nvSpPr>
-        <p:spPr>
-          <a:xfrm>
-            <a:off x="839788" y="457200"/>
-            <a:ext cx="3932237" cy="1600200"/>
-          </a:xfrm>
-        </p:spPr>
-        <p:txBody>
-          <a:bodyPr anchor="b"/>
-          <a:lstStyle>
-            <a:lvl1pPr>
-              <a:defRPr sz="3200"/>
-            </a:lvl1pPr>
-          </a:lstStyle>
-          <a:p>
-            <a:r>
-              <a:rPr lang="en-US"/>
-              <a:t>Click to edit Master title style</a:t>
-            </a:r>
-          </a:p>
-        </p:txBody>
-      </p:sp>
-      <p:sp>
-        <p:nvSpPr>
-          <p:cNvPr id="3" name="Picture Placeholder 2">
-            <a:extLst>
-              <a:ext uri="{FF2B5EF4-FFF2-40B4-BE49-F238E27FC236}">
-                <a16:creationId xmlns:a16="http://schemas.microsoft.com/office/drawing/2014/main" id="{B9A24089-8C63-4A75-AD21-24C2696B381F}"/>
-              </a:ext>
-            </a:extLst>
-          </p:cNvPr>
-          <p:cNvSpPr>
-            <a:spLocks noGrp="1"/>
-          </p:cNvSpPr>
-          <p:nvPr>
-            <p:ph type="pic" idx="1"/>
-          </p:nvPr>
-        </p:nvSpPr>
-        <p:spPr>
-          <a:xfrm>
-            <a:off x="5183188" y="987425"/>
-            <a:ext cx="6172200" cy="4873625"/>
-          </a:xfrm>
-        </p:spPr>
-        <p:txBody>
-          <a:bodyPr/>
-          <a:lstStyle>
-            <a:lvl1pPr marL="0" indent="0">
-              <a:buNone/>
-              <a:defRPr sz="3200"/>
-            </a:lvl1pPr>
-            <a:lvl2pPr marL="457200" indent="0">
-              <a:buNone/>
-              <a:defRPr sz="2800"/>
-            </a:lvl2pPr>
-            <a:lvl3pPr marL="914400" indent="0">
-              <a:buNone/>
-              <a:defRPr sz="2400"/>
-            </a:lvl3pPr>
-            <a:lvl4pPr marL="1371600" indent="0">
-              <a:buNone/>
-              <a:defRPr sz="2000"/>
-            </a:lvl4pPr>
-            <a:lvl5pPr marL="1828800" indent="0">
-              <a:buNone/>
-              <a:defRPr sz="2000"/>
-            </a:lvl5pPr>
-            <a:lvl6pPr marL="2286000" indent="0">
-              <a:buNone/>
-              <a:defRPr sz="2000"/>
-            </a:lvl6pPr>
-            <a:lvl7pPr marL="2743200" indent="0">
-              <a:buNone/>
-              <a:defRPr sz="2000"/>
-            </a:lvl7pPr>
-            <a:lvl8pPr marL="3200400" indent="0">
-              <a:buNone/>
-              <a:defRPr sz="2000"/>
-            </a:lvl8pPr>
-            <a:lvl9pPr marL="3657600" indent="0">
-              <a:buNone/>
-              <a:defRPr sz="2000"/>
-            </a:lvl9pPr>
-          </a:lstStyle>
-          <a:p>
-            <a:endParaRPr lang="en-US"/>
-          </a:p>
-        </p:txBody>
-      </p:sp>
-      <p:sp>
-        <p:nvSpPr>
-          <p:cNvPr id="4" name="Text Placeholder 3">
-            <a:extLst>
-              <a:ext uri="{FF2B5EF4-FFF2-40B4-BE49-F238E27FC236}">
-                <a16:creationId xmlns:a16="http://schemas.microsoft.com/office/drawing/2014/main" id="{AF028022-FBC0-42DA-A996-F558732C640B}"/>
-              </a:ext>
-            </a:extLst>
-          </p:cNvPr>
-          <p:cNvSpPr>
-            <a:spLocks noGrp="1"/>
-          </p:cNvSpPr>
-          <p:nvPr>
-            <p:ph type="body" sz="half" idx="2"/>
-          </p:nvPr>
-        </p:nvSpPr>
-        <p:spPr>
-          <a:xfrm>
-            <a:off x="839788" y="2057400"/>
-            <a:ext cx="3932237" cy="3811588"/>
-          </a:xfrm>
-        </p:spPr>
-        <p:txBody>
-          <a:bodyPr/>
-          <a:lstStyle>
-            <a:lvl1pPr marL="0" indent="0">
-              <a:buNone/>
-              <a:defRPr sz="1600"/>
-            </a:lvl1pPr>
-            <a:lvl2pPr marL="457200" indent="0">
-              <a:buNone/>
-              <a:defRPr sz="1400"/>
-            </a:lvl2pPr>
-            <a:lvl3pPr marL="914400" indent="0">
-              <a:buNone/>
-              <a:defRPr sz="1200"/>
-            </a:lvl3pPr>
-            <a:lvl4pPr marL="1371600" indent="0">
-              <a:buNone/>
-              <a:defRPr sz="1000"/>
-            </a:lvl4pPr>
-            <a:lvl5pPr marL="1828800" indent="0">
-              <a:buNone/>
-              <a:defRPr sz="1000"/>
-            </a:lvl5pPr>
-            <a:lvl6pPr marL="2286000" indent="0">
-              <a:buNone/>
-              <a:defRPr sz="1000"/>
-            </a:lvl6pPr>
-            <a:lvl7pPr marL="2743200" indent="0">
-              <a:buNone/>
-              <a:defRPr sz="1000"/>
-            </a:lvl7pPr>
-            <a:lvl8pPr marL="3200400" indent="0">
-              <a:buNone/>
-              <a:defRPr sz="1000"/>
-            </a:lvl8pPr>
-            <a:lvl9pPr marL="3657600" indent="0">
-              <a:buNone/>
-              <a:defRPr sz="1000"/>
-            </a:lvl9pPr>
-          </a:lstStyle>
-          <a:p>
-            <a:pPr lvl="0"/>
-            <a:r>
-              <a:rPr lang="en-US"/>
-              <a:t>Click to edit Master text styles</a:t>
-            </a:r>
-          </a:p>
-        </p:txBody>
-      </p:sp>
-      <p:sp>
-        <p:nvSpPr>
-          <p:cNvPr id="5" name="Date Placeholder 4">
-            <a:extLst>
-              <a:ext uri="{FF2B5EF4-FFF2-40B4-BE49-F238E27FC236}">
-                <a16:creationId xmlns:a16="http://schemas.microsoft.com/office/drawing/2014/main" id="{67DAC401-7574-447D-9CD6-60744511FCE3}"/>
-              </a:ext>
-            </a:extLst>
-          </p:cNvPr>
-          <p:cNvSpPr>
-            <a:spLocks noGrp="1"/>
-          </p:cNvSpPr>
-          <p:nvPr>
-            <p:ph type="dt" sz="half" idx="10"/>
-          </p:nvPr>
-        </p:nvSpPr>
-        <p:spPr/>
-        <p:txBody>
-          <a:bodyPr/>
-          <a:lstStyle/>
-          <a:p>
-            <a:fld id="{56B36DF7-D075-4B16-B767-125076EC0A7B}" type="datetimeFigureOut">
-              <a:rPr lang="en-US" smtClean="0"/>
-              <a:t>8/31/2021</a:t>
-            </a:fld>
-            <a:endParaRPr lang="en-US"/>
-          </a:p>
-        </p:txBody>
-      </p:sp>
-      <p:sp>
-        <p:nvSpPr>
-          <p:cNvPr id="6" name="Footer Placeholder 5">
-            <a:extLst>
-              <a:ext uri="{FF2B5EF4-FFF2-40B4-BE49-F238E27FC236}">
-                <a16:creationId xmlns:a16="http://schemas.microsoft.com/office/drawing/2014/main" id="{9E35145D-18E8-4F04-A2E7-C8D0B6E17A75}"/>
-              </a:ext>
-            </a:extLst>
-          </p:cNvPr>
-          <p:cNvSpPr>
-            <a:spLocks noGrp="1"/>
-          </p:cNvSpPr>
-          <p:nvPr>
-            <p:ph type="ftr" sz="quarter" idx="11"/>
-          </p:nvPr>
-        </p:nvSpPr>
-        <p:spPr/>
-        <p:txBody>
-          <a:bodyPr/>
-          <a:lstStyle/>
-          <a:p>
-            <a:endParaRPr lang="en-US"/>
-          </a:p>
-        </p:txBody>
-      </p:sp>
-      <p:sp>
-        <p:nvSpPr>
-          <p:cNvPr id="7" name="Slide Number Placeholder 6">
-            <a:extLst>
-              <a:ext uri="{FF2B5EF4-FFF2-40B4-BE49-F238E27FC236}">
-                <a16:creationId xmlns:a16="http://schemas.microsoft.com/office/drawing/2014/main" id="{0D880A29-FC4A-49BA-A258-6795E6E82D89}"/>
-              </a:ext>
-            </a:extLst>
-          </p:cNvPr>
-          <p:cNvSpPr>
-            <a:spLocks noGrp="1"/>
-          </p:cNvSpPr>
-          <p:nvPr>
-            <p:ph type="sldNum" sz="quarter" idx="12"/>
-          </p:nvPr>
-        </p:nvSpPr>
-        <p:spPr/>
-        <p:txBody>
-          <a:bodyPr/>
-          <a:lstStyle/>
-          <a:p>
-            <a:fld id="{F7D79181-B4B9-4625-8114-A44AF754A8B7}" type="slidenum">
-              <a:rPr lang="en-US" smtClean="0"/>
-              <a:t>‹#›</a:t>
-            </a:fld>
-            <a:endParaRPr lang="en-US"/>
-          </a:p>
-        </p:txBody>
-      </p:sp>
-    </p:spTree>
-    <p:extLst>
-      <p:ext uri="{BB962C8B-B14F-4D97-AF65-F5344CB8AC3E}">
-        <p14:creationId xmlns:p14="http://schemas.microsoft.com/office/powerpoint/2010/main" val="2551810234"/>
-      </p:ext>
-    </p:extLst>
-  </p:cSld>
-  <p:clrMapOvr>
-    <a:masterClrMapping/>
-  </p:clrMapOvr>
-</p:sldLayout>
-</file>
-
 <file path=ppt/slideMasters/slideMaster1.xml><?xml version="1.0" encoding="utf-8"?>
-<p:sldMaster xmlns:a="http://schemas.openxmlformats.org/drawingml/2006/main" xmlns:r="http://schemas.openxmlformats.org/officeDocument/2006/relationships" xmlns:p="http://schemas.openxmlformats.org/presentationml/2006/main">
-  <p:cSld>
-    <p:bg>
-      <p:bgRef idx="1001">
-        <a:schemeClr val="bg1"/>
-      </p:bgRef>
-    </p:bg>
-    <p:spTree>
-      <p:nvGrpSpPr>
-        <p:cNvPr id="1" name=""/>
-        <p:cNvGrpSpPr/>
-        <p:nvPr/>
-      </p:nvGrpSpPr>
-      <p:grpSpPr>
-        <a:xfrm>
-          <a:off x="0" y="0"/>
-          <a:ext cx="0" cy="0"/>
-          <a:chOff x="0" y="0"/>
-          <a:chExt cx="0" cy="0"/>
-        </a:xfrm>
-      </p:grpSpPr>
-      <p:sp>
-        <p:nvSpPr>
-          <p:cNvPr id="2" name="Title Placeholder 1">
-            <a:extLst>
-              <a:ext uri="{FF2B5EF4-FFF2-40B4-BE49-F238E27FC236}">
-                <a16:creationId xmlns:a16="http://schemas.microsoft.com/office/drawing/2014/main" id="{8D147AD7-E53F-4B52-9AA4-C7BD41EF224F}"/>
-              </a:ext>
-            </a:extLst>
-          </p:cNvPr>
-          <p:cNvSpPr>
-            <a:spLocks noGrp="1"/>
-          </p:cNvSpPr>
-          <p:nvPr>
-            <p:ph type="title"/>
-          </p:nvPr>
-        </p:nvSpPr>
-        <p:spPr>
-          <a:xfrm>
-            <a:off x="838200" y="365125"/>
-            <a:ext cx="10515600" cy="1325563"/>
-          </a:xfrm>
-          <a:prstGeom prst="rect">
-            <a:avLst/>
-          </a:prstGeom>
-        </p:spPr>
-        <p:txBody>
-          <a:bodyPr vert="horz" lIns="91440" tIns="45720" rIns="91440" bIns="45720" rtlCol="0" anchor="ctr">
-            <a:normAutofit/>
-          </a:bodyPr>
-          <a:lstStyle/>
-          <a:p>
-            <a:r>
-              <a:rPr lang="en-US"/>
-              <a:t>Click to edit Master title style</a:t>
-            </a:r>
-          </a:p>
-        </p:txBody>
-      </p:sp>
-      <p:sp>
-        <p:nvSpPr>
-          <p:cNvPr id="3" name="Text Placeholder 2">
-            <a:extLst>
-              <a:ext uri="{FF2B5EF4-FFF2-40B4-BE49-F238E27FC236}">
-                <a16:creationId xmlns:a16="http://schemas.microsoft.com/office/drawing/2014/main" id="{85AA047A-FF71-4202-8E12-EA1DE430715B}"/>
-              </a:ext>
-            </a:extLst>
-          </p:cNvPr>
-          <p:cNvSpPr>
-            <a:spLocks noGrp="1"/>
-          </p:cNvSpPr>
-          <p:nvPr>
-            <p:ph type="body" idx="1"/>
-          </p:nvPr>
-        </p:nvSpPr>
-        <p:spPr>
-          <a:xfrm>
-            <a:off x="838200" y="1825625"/>
-            <a:ext cx="10515600" cy="4351338"/>
-          </a:xfrm>
-          <a:prstGeom prst="rect">
-            <a:avLst/>
-          </a:prstGeom>
-        </p:spPr>
-        <p:txBody>
-          <a:bodyPr vert="horz" lIns="91440" tIns="45720" rIns="91440" bIns="45720" rtlCol="0">
-            <a:normAutofit/>
-          </a:bodyPr>
-          <a:lstStyle/>
-          <a:p>
-            <a:pPr lvl="0"/>
-            <a:r>
-              <a:rPr lang="en-US"/>
-              <a:t>Click to edit Master text styles</a:t>
-            </a:r>
-          </a:p>
-          <a:p>
-            <a:pPr lvl="1"/>
-            <a:r>
-              <a:rPr lang="en-US"/>
-              <a:t>Second level</a:t>
-            </a:r>
-          </a:p>
-          <a:p>
-            <a:pPr lvl="2"/>
-            <a:r>
-              <a:rPr lang="en-US"/>
-              <a:t>Third level</a:t>
-            </a:r>
-          </a:p>
-          <a:p>
-            <a:pPr lvl="3"/>
-            <a:r>
-              <a:rPr lang="en-US"/>
-              <a:t>Fourth level</a:t>
-            </a:r>
-          </a:p>
-          <a:p>
-            <a:pPr lvl="4"/>
-            <a:r>
-              <a:rPr lang="en-US"/>
-              <a:t>Fifth level</a:t>
-            </a:r>
-          </a:p>
-        </p:txBody>
-      </p:sp>
-      <p:sp>
-        <p:nvSpPr>
-          <p:cNvPr id="4" name="Date Placeholder 3">
-            <a:extLst>
-              <a:ext uri="{FF2B5EF4-FFF2-40B4-BE49-F238E27FC236}">
-                <a16:creationId xmlns:a16="http://schemas.microsoft.com/office/drawing/2014/main" id="{902C75B9-8B85-42FB-84C4-E71E3D09BFA3}"/>
-              </a:ext>
-            </a:extLst>
-          </p:cNvPr>
-          <p:cNvSpPr>
-            <a:spLocks noGrp="1"/>
-          </p:cNvSpPr>
-          <p:nvPr>
-            <p:ph type="dt" sz="half" idx="2"/>
-          </p:nvPr>
-        </p:nvSpPr>
-        <p:spPr>
-          <a:xfrm>
-            <a:off x="838200" y="6356350"/>
-            <a:ext cx="2743200" cy="365125"/>
-          </a:xfrm>
-          <a:prstGeom prst="rect">
-            <a:avLst/>
-          </a:prstGeom>
-        </p:spPr>
-        <p:txBody>
-          <a:bodyPr vert="horz" lIns="91440" tIns="45720" rIns="91440" bIns="45720" rtlCol="0" anchor="ctr"/>
-          <a:lstStyle>
-            <a:lvl1pPr algn="l">
-              <a:defRPr sz="1200">
-                <a:solidFill>
-                  <a:schemeClr val="tx1">
-                    <a:tint val="75000"/>
-                  </a:schemeClr>
-                </a:solidFill>
-              </a:defRPr>
-            </a:lvl1pPr>
-          </a:lstStyle>
-          <a:p>
-            <a:fld id="{56B36DF7-D075-4B16-B767-125076EC0A7B}" type="datetimeFigureOut">
-              <a:rPr lang="en-US" smtClean="0"/>
-              <a:t>8/31/2021</a:t>
-            </a:fld>
-            <a:endParaRPr lang="en-US"/>
-          </a:p>
-        </p:txBody>
-      </p:sp>
-      <p:sp>
-        <p:nvSpPr>
-          <p:cNvPr id="5" name="Footer Placeholder 4">
-            <a:extLst>
-              <a:ext uri="{FF2B5EF4-FFF2-40B4-BE49-F238E27FC236}">
-                <a16:creationId xmlns:a16="http://schemas.microsoft.com/office/drawing/2014/main" id="{74E89881-770D-4141-A554-E3EF4C0A3E42}"/>
-              </a:ext>
-            </a:extLst>
-          </p:cNvPr>
-          <p:cNvSpPr>
-            <a:spLocks noGrp="1"/>
-          </p:cNvSpPr>
-          <p:nvPr>
-            <p:ph type="ftr" sz="quarter" idx="3"/>
-          </p:nvPr>
-        </p:nvSpPr>
-        <p:spPr>
-          <a:xfrm>
-            <a:off x="4038600" y="6356350"/>
-            <a:ext cx="4114800" cy="365125"/>
-          </a:xfrm>
-          <a:prstGeom prst="rect">
-            <a:avLst/>
-          </a:prstGeom>
-        </p:spPr>
-        <p:txBody>
-          <a:bodyPr vert="horz" lIns="91440" tIns="45720" rIns="91440" bIns="45720" rtlCol="0" anchor="ctr"/>
-          <a:lstStyle>
-            <a:lvl1pPr algn="ctr">
-              <a:defRPr sz="1200">
-                <a:solidFill>
-                  <a:schemeClr val="tx1">
-                    <a:tint val="75000"/>
-                  </a:schemeClr>
-                </a:solidFill>
-              </a:defRPr>
-            </a:lvl1pPr>
-          </a:lstStyle>
-          <a:p>
-            <a:endParaRPr lang="en-US"/>
-          </a:p>
-        </p:txBody>
-      </p:sp>
-      <p:sp>
-        <p:nvSpPr>
-          <p:cNvPr id="6" name="Slide Number Placeholder 5">
-            <a:extLst>
-              <a:ext uri="{FF2B5EF4-FFF2-40B4-BE49-F238E27FC236}">
-                <a16:creationId xmlns:a16="http://schemas.microsoft.com/office/drawing/2014/main" id="{B1D4517A-E490-4CD4-BD38-FB4C0E8C6CFC}"/>
-              </a:ext>
-            </a:extLst>
-          </p:cNvPr>
-          <p:cNvSpPr>
-            <a:spLocks noGrp="1"/>
-          </p:cNvSpPr>
-          <p:nvPr>
-            <p:ph type="sldNum" sz="quarter" idx="4"/>
-          </p:nvPr>
-        </p:nvSpPr>
-        <p:spPr>
-          <a:xfrm>
-            <a:off x="8610600" y="6356350"/>
-            <a:ext cx="2743200" cy="365125"/>
-          </a:xfrm>
-          <a:prstGeom prst="rect">
-            <a:avLst/>
-          </a:prstGeom>
-        </p:spPr>
-        <p:txBody>
-          <a:bodyPr vert="horz" lIns="91440" tIns="45720" rIns="91440" bIns="45720" rtlCol="0" anchor="ctr"/>
-          <a:lstStyle>
-            <a:lvl1pPr algn="r">
-              <a:defRPr sz="1200">
-                <a:solidFill>
-                  <a:schemeClr val="tx1">
-                    <a:tint val="75000"/>
-                  </a:schemeClr>
-                </a:solidFill>
-              </a:defRPr>
-            </a:lvl1pPr>
-          </a:lstStyle>
-          <a:p>
-            <a:fld id="{F7D79181-B4B9-4625-8114-A44AF754A8B7}" type="slidenum">
-              <a:rPr lang="en-US" smtClean="0"/>
-              <a:t>‹#›</a:t>
-            </a:fld>
-            <a:endParaRPr lang="en-US"/>
-          </a:p>
-        </p:txBody>
-      </p:sp>
-    </p:spTree>
-    <p:extLst>
-      <p:ext uri="{BB962C8B-B14F-4D97-AF65-F5344CB8AC3E}">
-        <p14:creationId xmlns:p14="http://schemas.microsoft.com/office/powerpoint/2010/main" val="1691108643"/>
-      </p:ext>
-    </p:extLst>
-  </p:cSld>
-  <p:clrMap bg1="lt1" tx1="dk1" bg2="lt2" tx2="dk2" accent1="accent1" accent2="accent2" accent3="accent3" accent4="accent4" accent5="accent5" accent6="accent6" hlink="hlink" folHlink="folHlink"/>
-  <p:sldLayoutIdLst>
-    <p:sldLayoutId id="2147483649" r:id="rId1"/>
-    <p:sldLayoutId id="2147483650" r:id="rId2"/>
-    <p:sldLayoutId id="2147483651" r:id="rId3"/>
-    <p:sldLayoutId id="2147483652" r:id="rId4"/>
-    <p:sldLayoutId id="2147483653" r:id="rId5"/>
-    <p:sldLayoutId id="2147483654" r:id="rId6"/>
-    <p:sldLayoutId id="2147483655" r:id="rId7"/>
-    <p:sldLayoutId id="2147483656" r:id="rId8"/>
-    <p:sldLayoutId id="2147483657" r:id="rId9"/>
-    <p:sldLayoutId id="2147483658" r:id="rId10"/>
-    <p:sldLayoutId id="2147483659" r:id="rId11"/>
-  </p:sldLayoutIdLst>
-  <p:txStyles>
-    <p:titleStyle>
-      <a:lvl1pPr algn="l" defTabSz="914400" rtl="0" eaLnBrk="1" latinLnBrk="0" hangingPunct="1">
-        <a:lnSpc>
-          <a:spcPct val="90000"/>
-        </a:lnSpc>
-        <a:spcBef>
-          <a:spcPct val="0"/>
-        </a:spcBef>
-        <a:buNone/>
-        <a:defRPr sz="4400" kern="1200">
-          <a:solidFill>
-            <a:schemeClr val="tx1"/>
-          </a:solidFill>
-          <a:latin typeface="+mj-lt"/>
-          <a:ea typeface="+mj-ea"/>
-          <a:cs typeface="+mj-cs"/>
-        </a:defRPr>
-      </a:lvl1pPr>
-    </p:titleStyle>
-    <p:bodyStyle>
-      <a:lvl1pPr marL="228600" indent="-228600" algn="l" defTabSz="914400" rtl="0" eaLnBrk="1" latinLnBrk="0" hangingPunct="1">
-        <a:lnSpc>
-          <a:spcPct val="90000"/>
-        </a:lnSpc>
-        <a:spcBef>
-          <a:spcPts val="1000"/>
-        </a:spcBef>
-        <a:buFont typeface="Arial" panose="020B0604020202020204" pitchFamily="34" charset="0"/>
-        <a:buChar char="•"/>
-        <a:defRPr sz="2800" kern="1200">
-          <a:solidFill>
-            <a:schemeClr val="tx1"/>
-          </a:solidFill>
-          <a:latin typeface="+mn-lt"/>
-          <a:ea typeface="+mn-ea"/>
-          <a:cs typeface="+mn-cs"/>
-        </a:defRPr>
-      </a:lvl1pPr>
-      <a:lvl2pPr marL="685800" indent="-228600" algn="l" defTabSz="914400" rtl="0" eaLnBrk="1" latinLnBrk="0" hangingPunct="1">
-        <a:lnSpc>
-          <a:spcPct val="90000"/>
-        </a:lnSpc>
-        <a:spcBef>
-          <a:spcPts val="500"/>
-        </a:spcBef>
-        <a:buFont typeface="Arial" panose="020B0604020202020204" pitchFamily="34" charset="0"/>
-        <a:buChar char="•"/>
-        <a:defRPr sz="2400" kern="1200">
-          <a:solidFill>
-            <a:schemeClr val="tx1"/>
-          </a:solidFill>
-          <a:latin typeface="+mn-lt"/>
-          <a:ea typeface="+mn-ea"/>
-          <a:cs typeface="+mn-cs"/>
-        </a:defRPr>
-      </a:lvl2pPr>
-      <a:lvl3pPr marL="1143000" indent="-228600" algn="l" defTabSz="914400" rtl="0" eaLnBrk="1" latinLnBrk="0" hangingPunct="1">
-        <a:lnSpc>
-          <a:spcPct val="90000"/>
-        </a:lnSpc>
-        <a:spcBef>
-          <a:spcPts val="500"/>
-        </a:spcBef>
-        <a:buFont typeface="Arial" panose="020B0604020202020204" pitchFamily="34" charset="0"/>
-        <a:buChar char="•"/>
-        <a:defRPr sz="2000" kern="1200">
-          <a:solidFill>
-            <a:schemeClr val="tx1"/>
-          </a:solidFill>
-          <a:latin typeface="+mn-lt"/>
-          <a:ea typeface="+mn-ea"/>
-          <a:cs typeface="+mn-cs"/>
-        </a:defRPr>
-      </a:lvl3pPr>
-      <a:lvl4pPr marL="1600200" indent="-228600" algn="l" defTabSz="914400" rtl="0" eaLnBrk="1" latinLnBrk="0" hangingPunct="1">
-        <a:lnSpc>
-          <a:spcPct val="90000"/>
-        </a:lnSpc>
-        <a:spcBef>
-          <a:spcPts val="500"/>
-        </a:spcBef>
-        <a:buFont typeface="Arial" panose="020B0604020202020204" pitchFamily="34" charset="0"/>
-        <a:buChar char="•"/>
-        <a:defRPr sz="1800" kern="1200">
-          <a:solidFill>
-            <a:schemeClr val="tx1"/>
-          </a:solidFill>
-          <a:latin typeface="+mn-lt"/>
-          <a:ea typeface="+mn-ea"/>
-          <a:cs typeface="+mn-cs"/>
-        </a:defRPr>
-      </a:lvl4pPr>
-      <a:lvl5pPr marL="2057400" indent="-228600" algn="l" defTabSz="914400" rtl="0" eaLnBrk="1" latinLnBrk="0" hangingPunct="1">
-        <a:lnSpc>
-          <a:spcPct val="90000"/>
-        </a:lnSpc>
-        <a:spcBef>
-          <a:spcPts val="500"/>
-        </a:spcBef>
-        <a:buFont typeface="Arial" panose="020B0604020202020204" pitchFamily="34" charset="0"/>
-        <a:buChar char="•"/>
-        <a:defRPr sz="1800" kern="1200">
-          <a:solidFill>
-            <a:schemeClr val="tx1"/>
-          </a:solidFill>
-          <a:latin typeface="+mn-lt"/>
-          <a:ea typeface="+mn-ea"/>
-          <a:cs typeface="+mn-cs"/>
-        </a:defRPr>
-      </a:lvl5pPr>
-      <a:lvl6pPr marL="2514600" indent="-228600" algn="l" defTabSz="914400" rtl="0" eaLnBrk="1" latinLnBrk="0" hangingPunct="1">
-        <a:lnSpc>
-          <a:spcPct val="90000"/>
-        </a:lnSpc>
-        <a:spcBef>
-          <a:spcPts val="500"/>
-        </a:spcBef>
-        <a:buFont typeface="Arial" panose="020B0604020202020204" pitchFamily="34" charset="0"/>
-        <a:buChar char="•"/>
-        <a:defRPr sz="1800" kern="1200">
-          <a:solidFill>
-            <a:schemeClr val="tx1"/>
-          </a:solidFill>
-          <a:latin typeface="+mn-lt"/>
-          <a:ea typeface="+mn-ea"/>
-          <a:cs typeface="+mn-cs"/>
-        </a:defRPr>
-      </a:lvl6pPr>
-      <a:lvl7pPr marL="2971800" indent="-228600" algn="l" defTabSz="914400" rtl="0" eaLnBrk="1" latinLnBrk="0" hangingPunct="1">
-        <a:lnSpc>
-          <a:spcPct val="90000"/>
-        </a:lnSpc>
-        <a:spcBef>
-          <a:spcPts val="500"/>
-        </a:spcBef>
-        <a:buFont typeface="Arial" panose="020B0604020202020204" pitchFamily="34" charset="0"/>
-        <a:buChar char="•"/>
-        <a:defRPr sz="1800" kern="1200">
-          <a:solidFill>
-            <a:schemeClr val="tx1"/>
-          </a:solidFill>
-          <a:latin typeface="+mn-lt"/>
-          <a:ea typeface="+mn-ea"/>
-          <a:cs typeface="+mn-cs"/>
-        </a:defRPr>
-      </a:lvl7pPr>
-      <a:lvl8pPr marL="3429000" indent="-228600" algn="l" defTabSz="914400" rtl="0" eaLnBrk="1" latinLnBrk="0" hangingPunct="1">
-        <a:lnSpc>
-          <a:spcPct val="90000"/>
-        </a:lnSpc>
-        <a:spcBef>
-          <a:spcPts val="500"/>
-        </a:spcBef>
-        <a:buFont typeface="Arial" panose="020B0604020202020204" pitchFamily="34" charset="0"/>
-        <a:buChar char="•"/>
-        <a:defRPr sz="1800" kern="1200">
-          <a:solidFill>
-            <a:schemeClr val="tx1"/>
-          </a:solidFill>
-          <a:latin typeface="+mn-lt"/>
-          <a:ea typeface="+mn-ea"/>
-          <a:cs typeface="+mn-cs"/>
-        </a:defRPr>
-      </a:lvl8pPr>
-      <a:lvl9pPr marL="3886200" indent="-228600" algn="l" defTabSz="914400" rtl="0" eaLnBrk="1" latinLnBrk="0" hangingPunct="1">
-        <a:lnSpc>
-          <a:spcPct val="90000"/>
-        </a:lnSpc>
-        <a:spcBef>
-          <a:spcPts val="500"/>
-        </a:spcBef>
-        <a:buFont typeface="Arial" panose="020B0604020202020204" pitchFamily="34" charset="0"/>
-        <a:buChar char="•"/>
-        <a:defRPr sz="1800" kern="1200">
-          <a:solidFill>
-            <a:schemeClr val="tx1"/>
-          </a:solidFill>
-          <a:latin typeface="+mn-lt"/>
-          <a:ea typeface="+mn-ea"/>
-          <a:cs typeface="+mn-cs"/>
-        </a:defRPr>
-      </a:lvl9pPr>
-    </p:bodyStyle>
-    <p:otherStyle>
-      <a:defPPr>
-        <a:defRPr lang="en-US"/>
-      </a:defPPr>
-      <a:lvl1pPr marL="0" algn="l" defTabSz="914400" rtl="0" eaLnBrk="1" latinLnBrk="0" hangingPunct="1">
-        <a:defRPr sz="1800" kern="1200">
-          <a:solidFill>
-            <a:schemeClr val="tx1"/>
-          </a:solidFill>
-          <a:latin typeface="+mn-lt"/>
-          <a:ea typeface="+mn-ea"/>
-          <a:cs typeface="+mn-cs"/>
-        </a:defRPr>
-      </a:lvl1pPr>
-      <a:lvl2pPr marL="457200" algn="l" defTabSz="914400" rtl="0" eaLnBrk="1" latinLnBrk="0" hangingPunct="1">
-        <a:defRPr sz="1800" kern="1200">
-          <a:solidFill>
-            <a:schemeClr val="tx1"/>
-          </a:solidFill>
-          <a:latin typeface="+mn-lt"/>
-          <a:ea typeface="+mn-ea"/>
-          <a:cs typeface="+mn-cs"/>
-        </a:defRPr>
-      </a:lvl2pPr>
-      <a:lvl3pPr marL="914400" algn="l" defTabSz="914400" rtl="0" eaLnBrk="1" latinLnBrk="0" hangingPunct="1">
-        <a:defRPr sz="1800" kern="1200">
-          <a:solidFill>
-            <a:schemeClr val="tx1"/>
-          </a:solidFill>
-          <a:latin typeface="+mn-lt"/>
-          <a:ea typeface="+mn-ea"/>
-          <a:cs typeface="+mn-cs"/>
-        </a:defRPr>
-      </a:lvl3pPr>
-      <a:lvl4pPr marL="1371600" algn="l" defTabSz="914400" rtl="0" eaLnBrk="1" latinLnBrk="0" hangingPunct="1">
-        <a:defRPr sz="1800" kern="1200">
-          <a:solidFill>
-            <a:schemeClr val="tx1"/>
-          </a:solidFill>
-          <a:latin typeface="+mn-lt"/>
-          <a:ea typeface="+mn-ea"/>
-          <a:cs typeface="+mn-cs"/>
-        </a:defRPr>
-      </a:lvl4pPr>
-      <a:lvl5pPr marL="1828800" algn="l" defTabSz="914400" rtl="0" eaLnBrk="1" latinLnBrk="0" hangingPunct="1">
-        <a:defRPr sz="1800" kern="1200">
-          <a:solidFill>
-            <a:schemeClr val="tx1"/>
-          </a:solidFill>
-          <a:latin typeface="+mn-lt"/>
-          <a:ea typeface="+mn-ea"/>
-          <a:cs typeface="+mn-cs"/>
-        </a:defRPr>
-      </a:lvl5pPr>
-      <a:lvl6pPr marL="2286000" algn="l" defTabSz="914400" rtl="0" eaLnBrk="1" latinLnBrk="0" hangingPunct="1">
-        <a:defRPr sz="1800" kern="1200">
-          <a:solidFill>
-            <a:schemeClr val="tx1"/>
-          </a:solidFill>
-          <a:latin typeface="+mn-lt"/>
-          <a:ea typeface="+mn-ea"/>
-          <a:cs typeface="+mn-cs"/>
-        </a:defRPr>
-      </a:lvl6pPr>
-      <a:lvl7pPr marL="2743200" algn="l" defTabSz="914400" rtl="0" eaLnBrk="1" latinLnBrk="0" hangingPunct="1">
-        <a:defRPr sz="1800" kern="1200">
-          <a:solidFill>
-            <a:schemeClr val="tx1"/>
-          </a:solidFill>
-          <a:latin typeface="+mn-lt"/>
-          <a:ea typeface="+mn-ea"/>
-          <a:cs typeface="+mn-cs"/>
-        </a:defRPr>
-      </a:lvl7pPr>
-      <a:lvl8pPr marL="3200400" algn="l" defTabSz="914400" rtl="0" eaLnBrk="1" latinLnBrk="0" hangingPunct="1">
-        <a:defRPr sz="1800" kern="1200">
-          <a:solidFill>
-            <a:schemeClr val="tx1"/>
-          </a:solidFill>
-          <a:latin typeface="+mn-lt"/>
-          <a:ea typeface="+mn-ea"/>
-          <a:cs typeface="+mn-cs"/>
-        </a:defRPr>
-      </a:lvl8pPr>
-      <a:lvl9pPr marL="3657600" algn="l" defTabSz="914400" rtl="0" eaLnBrk="1" latinLnBrk="0" hangingPunct="1">
-        <a:defRPr sz="1800" kern="1200">
-          <a:solidFill>
-            <a:schemeClr val="tx1"/>
-          </a:solidFill>
-          <a:latin typeface="+mn-lt"/>
-          <a:ea typeface="+mn-ea"/>
-          <a:cs typeface="+mn-cs"/>
-        </a:defRPr>
-      </a:lvl9pPr>
-    </p:otherStyle>
-  </p:txStyles>
-</p:sldMaster>
-</file>
-
-<file path=ppt/slideMasters/slideMaster2.xml><?xml version="1.0" encoding="utf-8"?>
 <p:sldMaster xmlns:a="http://schemas.openxmlformats.org/drawingml/2006/main" xmlns:r="http://schemas.openxmlformats.org/officeDocument/2006/relationships" xmlns:p="http://schemas.openxmlformats.org/presentationml/2006/main" preserve="1">
   <p:cSld>
     <p:bg>
@@ -11234,7 +8041,7 @@
 </p:sldMaster>
 </file>
 
-<file path=ppt/slideMasters/slideMaster3.xml><?xml version="1.0" encoding="utf-8"?>
+<file path=ppt/slideMasters/slideMaster2.xml><?xml version="1.0" encoding="utf-8"?>
 <p:sldMaster xmlns:a="http://schemas.openxmlformats.org/drawingml/2006/main" xmlns:r="http://schemas.openxmlformats.org/officeDocument/2006/relationships" xmlns:p="http://schemas.openxmlformats.org/presentationml/2006/main" preserve="1">
   <p:cSld>
     <p:bg>
@@ -16579,1336 +13386,6 @@
       </p:grpSpPr>
       <p:sp>
         <p:nvSpPr>
-          <p:cNvPr id="2" name="Title 1">
-            <a:extLst>
-              <a:ext uri="{FF2B5EF4-FFF2-40B4-BE49-F238E27FC236}">
-                <a16:creationId xmlns:a16="http://schemas.microsoft.com/office/drawing/2014/main" id="{D2623243-686C-4FC7-A407-8EAA5A9E76F9}"/>
-              </a:ext>
-            </a:extLst>
-          </p:cNvPr>
-          <p:cNvSpPr>
-            <a:spLocks noGrp="1"/>
-          </p:cNvSpPr>
-          <p:nvPr>
-            <p:ph type="ctrTitle"/>
-          </p:nvPr>
-        </p:nvSpPr>
-        <p:spPr/>
-        <p:txBody>
-          <a:bodyPr/>
-          <a:lstStyle/>
-          <a:p>
-            <a:endParaRPr lang="en-US"/>
-          </a:p>
-        </p:txBody>
-      </p:sp>
-      <p:sp>
-        <p:nvSpPr>
-          <p:cNvPr id="3" name="Subtitle 2">
-            <a:extLst>
-              <a:ext uri="{FF2B5EF4-FFF2-40B4-BE49-F238E27FC236}">
-                <a16:creationId xmlns:a16="http://schemas.microsoft.com/office/drawing/2014/main" id="{CC05094D-2797-410B-B76A-4B4AAC5C68AE}"/>
-              </a:ext>
-            </a:extLst>
-          </p:cNvPr>
-          <p:cNvSpPr>
-            <a:spLocks noGrp="1"/>
-          </p:cNvSpPr>
-          <p:nvPr>
-            <p:ph type="subTitle" idx="1"/>
-          </p:nvPr>
-        </p:nvSpPr>
-        <p:spPr/>
-        <p:txBody>
-          <a:bodyPr/>
-          <a:lstStyle/>
-          <a:p>
-            <a:endParaRPr lang="en-US"/>
-          </a:p>
-        </p:txBody>
-      </p:sp>
-    </p:spTree>
-    <p:extLst>
-      <p:ext uri="{BB962C8B-B14F-4D97-AF65-F5344CB8AC3E}">
-        <p14:creationId xmlns:p14="http://schemas.microsoft.com/office/powerpoint/2010/main" val="76473569"/>
-      </p:ext>
-    </p:extLst>
-  </p:cSld>
-  <p:clrMapOvr>
-    <a:masterClrMapping/>
-  </p:clrMapOvr>
-</p:sld>
-</file>
-
-<file path=ppt/slides/slide10.xml><?xml version="1.0" encoding="utf-8"?>
-<p:sld xmlns:a="http://schemas.openxmlformats.org/drawingml/2006/main" xmlns:r="http://schemas.openxmlformats.org/officeDocument/2006/relationships" xmlns:p="http://schemas.openxmlformats.org/presentationml/2006/main">
-  <p:cSld>
-    <p:spTree>
-      <p:nvGrpSpPr>
-        <p:cNvPr id="1" name=""/>
-        <p:cNvGrpSpPr/>
-        <p:nvPr/>
-      </p:nvGrpSpPr>
-      <p:grpSpPr>
-        <a:xfrm>
-          <a:off x="0" y="0"/>
-          <a:ext cx="0" cy="0"/>
-          <a:chOff x="0" y="0"/>
-          <a:chExt cx="0" cy="0"/>
-        </a:xfrm>
-      </p:grpSpPr>
-      <p:sp>
-        <p:nvSpPr>
-          <p:cNvPr id="2" name="Title 1">
-            <a:extLst>
-              <a:ext uri="{FF2B5EF4-FFF2-40B4-BE49-F238E27FC236}">
-                <a16:creationId xmlns:a16="http://schemas.microsoft.com/office/drawing/2014/main" id="{9AF603CA-311B-4011-8B9F-D654517C9416}"/>
-              </a:ext>
-            </a:extLst>
-          </p:cNvPr>
-          <p:cNvSpPr>
-            <a:spLocks noGrp="1"/>
-          </p:cNvSpPr>
-          <p:nvPr>
-            <p:ph type="title"/>
-          </p:nvPr>
-        </p:nvSpPr>
-        <p:spPr/>
-        <p:txBody>
-          <a:bodyPr/>
-          <a:lstStyle/>
-          <a:p>
-            <a:r>
-              <a:rPr lang="en-US" dirty="0"/>
-              <a:t>Flash ADC</a:t>
-            </a:r>
-          </a:p>
-        </p:txBody>
-      </p:sp>
-      <p:sp>
-        <p:nvSpPr>
-          <p:cNvPr id="3" name="Content Placeholder 2">
-            <a:extLst>
-              <a:ext uri="{FF2B5EF4-FFF2-40B4-BE49-F238E27FC236}">
-                <a16:creationId xmlns:a16="http://schemas.microsoft.com/office/drawing/2014/main" id="{C35D44CE-0C31-4A7A-BDC6-E53EDC16F0C3}"/>
-              </a:ext>
-            </a:extLst>
-          </p:cNvPr>
-          <p:cNvSpPr>
-            <a:spLocks noGrp="1"/>
-          </p:cNvSpPr>
-          <p:nvPr>
-            <p:ph idx="1"/>
-          </p:nvPr>
-        </p:nvSpPr>
-        <p:spPr>
-          <a:xfrm>
-            <a:off x="609600" y="1719263"/>
-            <a:ext cx="4490906" cy="4345977"/>
-          </a:xfrm>
-        </p:spPr>
-        <p:txBody>
-          <a:bodyPr/>
-          <a:lstStyle/>
-          <a:p>
-            <a:r>
-              <a:rPr lang="en-US" dirty="0"/>
-              <a:t>Fastest ADC</a:t>
-            </a:r>
-          </a:p>
-          <a:p>
-            <a:r>
-              <a:rPr lang="en-US" dirty="0"/>
-              <a:t>Requires a large number of comparators and resistor (2</a:t>
-            </a:r>
-            <a:r>
-              <a:rPr lang="en-US" baseline="30000" dirty="0"/>
-              <a:t>n</a:t>
-            </a:r>
-            <a:r>
-              <a:rPr lang="en-US" dirty="0"/>
-              <a:t>)</a:t>
-            </a:r>
-          </a:p>
-        </p:txBody>
-      </p:sp>
-      <p:pic>
-        <p:nvPicPr>
-          <p:cNvPr id="5" name="Picture 4">
-            <a:extLst>
-              <a:ext uri="{FF2B5EF4-FFF2-40B4-BE49-F238E27FC236}">
-                <a16:creationId xmlns:a16="http://schemas.microsoft.com/office/drawing/2014/main" id="{E0122C87-9FA2-4558-8B3F-635B69F7FCFD}"/>
-              </a:ext>
-            </a:extLst>
-          </p:cNvPr>
-          <p:cNvPicPr>
-            <a:picLocks noChangeAspect="1"/>
-          </p:cNvPicPr>
-          <p:nvPr/>
-        </p:nvPicPr>
-        <p:blipFill>
-          <a:blip r:embed="rId2"/>
-          <a:stretch>
-            <a:fillRect/>
-          </a:stretch>
-        </p:blipFill>
-        <p:spPr>
-          <a:xfrm>
-            <a:off x="7260036" y="1996511"/>
-            <a:ext cx="3477110" cy="3791479"/>
-          </a:xfrm>
-          <a:prstGeom prst="rect">
-            <a:avLst/>
-          </a:prstGeom>
-        </p:spPr>
-      </p:pic>
-    </p:spTree>
-    <p:extLst>
-      <p:ext uri="{BB962C8B-B14F-4D97-AF65-F5344CB8AC3E}">
-        <p14:creationId xmlns:p14="http://schemas.microsoft.com/office/powerpoint/2010/main" val="1344770138"/>
-      </p:ext>
-    </p:extLst>
-  </p:cSld>
-  <p:clrMapOvr>
-    <a:masterClrMapping/>
-  </p:clrMapOvr>
-</p:sld>
-</file>
-
-<file path=ppt/slides/slide11.xml><?xml version="1.0" encoding="utf-8"?>
-<p:sld xmlns:a="http://schemas.openxmlformats.org/drawingml/2006/main" xmlns:r="http://schemas.openxmlformats.org/officeDocument/2006/relationships" xmlns:p="http://schemas.openxmlformats.org/presentationml/2006/main">
-  <p:cSld>
-    <p:spTree>
-      <p:nvGrpSpPr>
-        <p:cNvPr id="1" name=""/>
-        <p:cNvGrpSpPr/>
-        <p:nvPr/>
-      </p:nvGrpSpPr>
-      <p:grpSpPr>
-        <a:xfrm>
-          <a:off x="0" y="0"/>
-          <a:ext cx="0" cy="0"/>
-          <a:chOff x="0" y="0"/>
-          <a:chExt cx="0" cy="0"/>
-        </a:xfrm>
-      </p:grpSpPr>
-      <p:sp>
-        <p:nvSpPr>
-          <p:cNvPr id="2" name="Title 1">
-            <a:extLst>
-              <a:ext uri="{FF2B5EF4-FFF2-40B4-BE49-F238E27FC236}">
-                <a16:creationId xmlns:a16="http://schemas.microsoft.com/office/drawing/2014/main" id="{CB9F8EF8-95A2-4264-AEE8-CBBDE3C87844}"/>
-              </a:ext>
-            </a:extLst>
-          </p:cNvPr>
-          <p:cNvSpPr>
-            <a:spLocks noGrp="1"/>
-          </p:cNvSpPr>
-          <p:nvPr>
-            <p:ph type="title"/>
-          </p:nvPr>
-        </p:nvSpPr>
-        <p:spPr/>
-        <p:txBody>
-          <a:bodyPr/>
-          <a:lstStyle/>
-          <a:p>
-            <a:r>
-              <a:rPr lang="en-US" dirty="0"/>
-              <a:t>Successive Approximation ADC</a:t>
-            </a:r>
-          </a:p>
-        </p:txBody>
-      </p:sp>
-      <p:sp>
-        <p:nvSpPr>
-          <p:cNvPr id="3" name="Content Placeholder 2">
-            <a:extLst>
-              <a:ext uri="{FF2B5EF4-FFF2-40B4-BE49-F238E27FC236}">
-                <a16:creationId xmlns:a16="http://schemas.microsoft.com/office/drawing/2014/main" id="{EA29732C-69E1-4F78-B492-3ADC492A04B2}"/>
-              </a:ext>
-            </a:extLst>
-          </p:cNvPr>
-          <p:cNvSpPr>
-            <a:spLocks noGrp="1"/>
-          </p:cNvSpPr>
-          <p:nvPr>
-            <p:ph idx="1"/>
-          </p:nvPr>
-        </p:nvSpPr>
-        <p:spPr/>
-        <p:txBody>
-          <a:bodyPr/>
-          <a:lstStyle/>
-          <a:p>
-            <a:r>
-              <a:rPr lang="en-US" dirty="0"/>
-              <a:t>Or Successive Approximation Register (SAR)</a:t>
-            </a:r>
-          </a:p>
-          <a:p>
-            <a:r>
-              <a:rPr lang="en-US" dirty="0"/>
-              <a:t>Binary search - relatively fast and simple to implement</a:t>
-            </a:r>
-          </a:p>
-          <a:p>
-            <a:pPr marL="0" indent="0">
-              <a:buNone/>
-            </a:pPr>
-            <a:endParaRPr lang="en-US" dirty="0"/>
-          </a:p>
-        </p:txBody>
-      </p:sp>
-      <p:pic>
-        <p:nvPicPr>
-          <p:cNvPr id="5" name="Picture 4">
-            <a:extLst>
-              <a:ext uri="{FF2B5EF4-FFF2-40B4-BE49-F238E27FC236}">
-                <a16:creationId xmlns:a16="http://schemas.microsoft.com/office/drawing/2014/main" id="{03D5F9B7-B93A-4C84-994D-D627624A7B46}"/>
-              </a:ext>
-            </a:extLst>
-          </p:cNvPr>
-          <p:cNvPicPr>
-            <a:picLocks noChangeAspect="1"/>
-          </p:cNvPicPr>
-          <p:nvPr/>
-        </p:nvPicPr>
-        <p:blipFill>
-          <a:blip r:embed="rId2"/>
-          <a:stretch>
-            <a:fillRect/>
-          </a:stretch>
-        </p:blipFill>
-        <p:spPr>
-          <a:xfrm>
-            <a:off x="1851088" y="3429000"/>
-            <a:ext cx="7449590" cy="2981741"/>
-          </a:xfrm>
-          <a:prstGeom prst="rect">
-            <a:avLst/>
-          </a:prstGeom>
-        </p:spPr>
-      </p:pic>
-    </p:spTree>
-    <p:extLst>
-      <p:ext uri="{BB962C8B-B14F-4D97-AF65-F5344CB8AC3E}">
-        <p14:creationId xmlns:p14="http://schemas.microsoft.com/office/powerpoint/2010/main" val="1302440596"/>
-      </p:ext>
-    </p:extLst>
-  </p:cSld>
-  <p:clrMapOvr>
-    <a:masterClrMapping/>
-  </p:clrMapOvr>
-</p:sld>
-</file>
-
-<file path=ppt/slides/slide12.xml><?xml version="1.0" encoding="utf-8"?>
-<p:sld xmlns:a="http://schemas.openxmlformats.org/drawingml/2006/main" xmlns:r="http://schemas.openxmlformats.org/officeDocument/2006/relationships" xmlns:p="http://schemas.openxmlformats.org/presentationml/2006/main">
-  <p:cSld>
-    <p:spTree>
-      <p:nvGrpSpPr>
-        <p:cNvPr id="1" name=""/>
-        <p:cNvGrpSpPr/>
-        <p:nvPr/>
-      </p:nvGrpSpPr>
-      <p:grpSpPr>
-        <a:xfrm>
-          <a:off x="0" y="0"/>
-          <a:ext cx="0" cy="0"/>
-          <a:chOff x="0" y="0"/>
-          <a:chExt cx="0" cy="0"/>
-        </a:xfrm>
-      </p:grpSpPr>
-      <p:sp>
-        <p:nvSpPr>
-          <p:cNvPr id="2" name="Title 1">
-            <a:extLst>
-              <a:ext uri="{FF2B5EF4-FFF2-40B4-BE49-F238E27FC236}">
-                <a16:creationId xmlns:a16="http://schemas.microsoft.com/office/drawing/2014/main" id="{12FB0B33-F955-4DDA-8083-74601EB9A10B}"/>
-              </a:ext>
-            </a:extLst>
-          </p:cNvPr>
-          <p:cNvSpPr>
-            <a:spLocks noGrp="1"/>
-          </p:cNvSpPr>
-          <p:nvPr>
-            <p:ph type="title"/>
-          </p:nvPr>
-        </p:nvSpPr>
-        <p:spPr/>
-        <p:txBody>
-          <a:bodyPr/>
-          <a:lstStyle/>
-          <a:p>
-            <a:r>
-              <a:rPr lang="en-US" dirty="0"/>
-              <a:t>SAR Operation</a:t>
-            </a:r>
-          </a:p>
-        </p:txBody>
-      </p:sp>
-      <p:pic>
-        <p:nvPicPr>
-          <p:cNvPr id="5" name="Picture 4">
-            <a:extLst>
-              <a:ext uri="{FF2B5EF4-FFF2-40B4-BE49-F238E27FC236}">
-                <a16:creationId xmlns:a16="http://schemas.microsoft.com/office/drawing/2014/main" id="{921291DA-41B8-47B1-8AB2-587A625EC90C}"/>
-              </a:ext>
-            </a:extLst>
-          </p:cNvPr>
-          <p:cNvPicPr>
-            <a:picLocks noChangeAspect="1"/>
-          </p:cNvPicPr>
-          <p:nvPr/>
-        </p:nvPicPr>
-        <p:blipFill>
-          <a:blip r:embed="rId2"/>
-          <a:stretch>
-            <a:fillRect/>
-          </a:stretch>
-        </p:blipFill>
-        <p:spPr>
-          <a:xfrm>
-            <a:off x="2294994" y="1915460"/>
-            <a:ext cx="7602011" cy="4134427"/>
-          </a:xfrm>
-          <a:prstGeom prst="rect">
-            <a:avLst/>
-          </a:prstGeom>
-        </p:spPr>
-      </p:pic>
-    </p:spTree>
-    <p:extLst>
-      <p:ext uri="{BB962C8B-B14F-4D97-AF65-F5344CB8AC3E}">
-        <p14:creationId xmlns:p14="http://schemas.microsoft.com/office/powerpoint/2010/main" val="1013639777"/>
-      </p:ext>
-    </p:extLst>
-  </p:cSld>
-  <p:clrMapOvr>
-    <a:masterClrMapping/>
-  </p:clrMapOvr>
-</p:sld>
-</file>
-
-<file path=ppt/slides/slide13.xml><?xml version="1.0" encoding="utf-8"?>
-<p:sld xmlns:a="http://schemas.openxmlformats.org/drawingml/2006/main" xmlns:r="http://schemas.openxmlformats.org/officeDocument/2006/relationships" xmlns:p="http://schemas.openxmlformats.org/presentationml/2006/main">
-  <p:cSld>
-    <p:spTree>
-      <p:nvGrpSpPr>
-        <p:cNvPr id="1" name=""/>
-        <p:cNvGrpSpPr/>
-        <p:nvPr/>
-      </p:nvGrpSpPr>
-      <p:grpSpPr>
-        <a:xfrm>
-          <a:off x="0" y="0"/>
-          <a:ext cx="0" cy="0"/>
-          <a:chOff x="0" y="0"/>
-          <a:chExt cx="0" cy="0"/>
-        </a:xfrm>
-      </p:grpSpPr>
-      <p:sp>
-        <p:nvSpPr>
-          <p:cNvPr id="2" name="Title 1">
-            <a:extLst>
-              <a:ext uri="{FF2B5EF4-FFF2-40B4-BE49-F238E27FC236}">
-                <a16:creationId xmlns:a16="http://schemas.microsoft.com/office/drawing/2014/main" id="{761DF09F-A933-4C55-B1D8-B3DE71C6C8C6}"/>
-              </a:ext>
-            </a:extLst>
-          </p:cNvPr>
-          <p:cNvSpPr>
-            <a:spLocks noGrp="1"/>
-          </p:cNvSpPr>
-          <p:nvPr>
-            <p:ph type="title"/>
-          </p:nvPr>
-        </p:nvSpPr>
-        <p:spPr/>
-        <p:txBody>
-          <a:bodyPr/>
-          <a:lstStyle/>
-          <a:p>
-            <a:r>
-              <a:rPr lang="en-US" dirty="0"/>
-              <a:t>Delta-Sigma ADC</a:t>
-            </a:r>
-          </a:p>
-        </p:txBody>
-      </p:sp>
-      <p:sp>
-        <p:nvSpPr>
-          <p:cNvPr id="3" name="Content Placeholder 2">
-            <a:extLst>
-              <a:ext uri="{FF2B5EF4-FFF2-40B4-BE49-F238E27FC236}">
-                <a16:creationId xmlns:a16="http://schemas.microsoft.com/office/drawing/2014/main" id="{E895EB69-6B51-4805-A1D8-A364110719C5}"/>
-              </a:ext>
-            </a:extLst>
-          </p:cNvPr>
-          <p:cNvSpPr>
-            <a:spLocks noGrp="1"/>
-          </p:cNvSpPr>
-          <p:nvPr>
-            <p:ph idx="1"/>
-          </p:nvPr>
-        </p:nvSpPr>
-        <p:spPr/>
-        <p:txBody>
-          <a:bodyPr/>
-          <a:lstStyle/>
-          <a:p>
-            <a:r>
-              <a:rPr lang="en-US" dirty="0"/>
-              <a:t>Highest resolution; also slowest</a:t>
-            </a:r>
-          </a:p>
-          <a:p>
-            <a:r>
-              <a:rPr lang="en-US" dirty="0"/>
-              <a:t>Usually restricted to DC or audio frequencies</a:t>
-            </a:r>
-          </a:p>
-        </p:txBody>
-      </p:sp>
-      <p:pic>
-        <p:nvPicPr>
-          <p:cNvPr id="5" name="Picture 4">
-            <a:extLst>
-              <a:ext uri="{FF2B5EF4-FFF2-40B4-BE49-F238E27FC236}">
-                <a16:creationId xmlns:a16="http://schemas.microsoft.com/office/drawing/2014/main" id="{452FE3B0-0161-4D04-AF7E-FBAD915FA327}"/>
-              </a:ext>
-            </a:extLst>
-          </p:cNvPr>
-          <p:cNvPicPr>
-            <a:picLocks noChangeAspect="1"/>
-          </p:cNvPicPr>
-          <p:nvPr/>
-        </p:nvPicPr>
-        <p:blipFill>
-          <a:blip r:embed="rId2"/>
-          <a:stretch>
-            <a:fillRect/>
-          </a:stretch>
-        </p:blipFill>
-        <p:spPr>
-          <a:xfrm>
-            <a:off x="2190268" y="2981494"/>
-            <a:ext cx="6897063" cy="3210373"/>
-          </a:xfrm>
-          <a:prstGeom prst="rect">
-            <a:avLst/>
-          </a:prstGeom>
-        </p:spPr>
-      </p:pic>
-    </p:spTree>
-    <p:extLst>
-      <p:ext uri="{BB962C8B-B14F-4D97-AF65-F5344CB8AC3E}">
-        <p14:creationId xmlns:p14="http://schemas.microsoft.com/office/powerpoint/2010/main" val="3822692705"/>
-      </p:ext>
-    </p:extLst>
-  </p:cSld>
-  <p:clrMapOvr>
-    <a:masterClrMapping/>
-  </p:clrMapOvr>
-</p:sld>
-</file>
-
-<file path=ppt/slides/slide14.xml><?xml version="1.0" encoding="utf-8"?>
-<p:sld xmlns:a="http://schemas.openxmlformats.org/drawingml/2006/main" xmlns:r="http://schemas.openxmlformats.org/officeDocument/2006/relationships" xmlns:p="http://schemas.openxmlformats.org/presentationml/2006/main">
-  <p:cSld>
-    <p:spTree>
-      <p:nvGrpSpPr>
-        <p:cNvPr id="1" name=""/>
-        <p:cNvGrpSpPr/>
-        <p:nvPr/>
-      </p:nvGrpSpPr>
-      <p:grpSpPr>
-        <a:xfrm>
-          <a:off x="0" y="0"/>
-          <a:ext cx="0" cy="0"/>
-          <a:chOff x="0" y="0"/>
-          <a:chExt cx="0" cy="0"/>
-        </a:xfrm>
-      </p:grpSpPr>
-      <p:sp>
-        <p:nvSpPr>
-          <p:cNvPr id="2" name="Title 1">
-            <a:extLst>
-              <a:ext uri="{FF2B5EF4-FFF2-40B4-BE49-F238E27FC236}">
-                <a16:creationId xmlns:a16="http://schemas.microsoft.com/office/drawing/2014/main" id="{D09A02D3-5657-4DCB-8F20-6904DA7F8950}"/>
-              </a:ext>
-            </a:extLst>
-          </p:cNvPr>
-          <p:cNvSpPr>
-            <a:spLocks noGrp="1"/>
-          </p:cNvSpPr>
-          <p:nvPr>
-            <p:ph type="title"/>
-          </p:nvPr>
-        </p:nvSpPr>
-        <p:spPr/>
-        <p:txBody>
-          <a:bodyPr/>
-          <a:lstStyle/>
-          <a:p>
-            <a:r>
-              <a:rPr lang="en-US" dirty="0"/>
-              <a:t>Comparison of ADC Methods</a:t>
-            </a:r>
-          </a:p>
-        </p:txBody>
-      </p:sp>
-      <p:pic>
-        <p:nvPicPr>
-          <p:cNvPr id="5" name="Content Placeholder 4">
-            <a:extLst>
-              <a:ext uri="{FF2B5EF4-FFF2-40B4-BE49-F238E27FC236}">
-                <a16:creationId xmlns:a16="http://schemas.microsoft.com/office/drawing/2014/main" id="{84E81781-72D9-48FE-AE65-758D3FFBA7D9}"/>
-              </a:ext>
-            </a:extLst>
-          </p:cNvPr>
-          <p:cNvPicPr>
-            <a:picLocks noGrp="1" noChangeAspect="1"/>
-          </p:cNvPicPr>
-          <p:nvPr>
-            <p:ph idx="1"/>
-          </p:nvPr>
-        </p:nvPicPr>
-        <p:blipFill>
-          <a:blip r:embed="rId2"/>
-          <a:stretch>
-            <a:fillRect/>
-          </a:stretch>
-        </p:blipFill>
-        <p:spPr>
-          <a:xfrm>
-            <a:off x="2270324" y="2131792"/>
-            <a:ext cx="7382905" cy="2848373"/>
-          </a:xfrm>
-        </p:spPr>
-      </p:pic>
-    </p:spTree>
-    <p:extLst>
-      <p:ext uri="{BB962C8B-B14F-4D97-AF65-F5344CB8AC3E}">
-        <p14:creationId xmlns:p14="http://schemas.microsoft.com/office/powerpoint/2010/main" val="1016658108"/>
-      </p:ext>
-    </p:extLst>
-  </p:cSld>
-  <p:clrMapOvr>
-    <a:masterClrMapping/>
-  </p:clrMapOvr>
-</p:sld>
-</file>
-
-<file path=ppt/slides/slide15.xml><?xml version="1.0" encoding="utf-8"?>
-<p:sld xmlns:a="http://schemas.openxmlformats.org/drawingml/2006/main" xmlns:r="http://schemas.openxmlformats.org/officeDocument/2006/relationships" xmlns:p="http://schemas.openxmlformats.org/presentationml/2006/main">
-  <p:cSld>
-    <p:spTree>
-      <p:nvGrpSpPr>
-        <p:cNvPr id="1" name=""/>
-        <p:cNvGrpSpPr/>
-        <p:nvPr/>
-      </p:nvGrpSpPr>
-      <p:grpSpPr>
-        <a:xfrm>
-          <a:off x="0" y="0"/>
-          <a:ext cx="0" cy="0"/>
-          <a:chOff x="0" y="0"/>
-          <a:chExt cx="0" cy="0"/>
-        </a:xfrm>
-      </p:grpSpPr>
-      <p:sp>
-        <p:nvSpPr>
-          <p:cNvPr id="2" name="Title 1">
-            <a:extLst>
-              <a:ext uri="{FF2B5EF4-FFF2-40B4-BE49-F238E27FC236}">
-                <a16:creationId xmlns:a16="http://schemas.microsoft.com/office/drawing/2014/main" id="{A3C29FC3-202D-415D-9B25-29F4B35BE466}"/>
-              </a:ext>
-            </a:extLst>
-          </p:cNvPr>
-          <p:cNvSpPr>
-            <a:spLocks noGrp="1"/>
-          </p:cNvSpPr>
-          <p:nvPr>
-            <p:ph type="title"/>
-          </p:nvPr>
-        </p:nvSpPr>
-        <p:spPr/>
-        <p:txBody>
-          <a:bodyPr/>
-          <a:lstStyle/>
-          <a:p>
-            <a:r>
-              <a:rPr lang="en-US" dirty="0"/>
-              <a:t>Voltage Calculation</a:t>
-            </a:r>
-          </a:p>
-        </p:txBody>
-      </p:sp>
-      <p:sp>
-        <p:nvSpPr>
-          <p:cNvPr id="3" name="Content Placeholder 2">
-            <a:extLst>
-              <a:ext uri="{FF2B5EF4-FFF2-40B4-BE49-F238E27FC236}">
-                <a16:creationId xmlns:a16="http://schemas.microsoft.com/office/drawing/2014/main" id="{19726855-AC17-48CE-8905-80670C363385}"/>
-              </a:ext>
-            </a:extLst>
-          </p:cNvPr>
-          <p:cNvSpPr>
-            <a:spLocks noGrp="1"/>
-          </p:cNvSpPr>
-          <p:nvPr>
-            <p:ph idx="1"/>
-          </p:nvPr>
-        </p:nvSpPr>
-        <p:spPr/>
-        <p:txBody>
-          <a:bodyPr/>
-          <a:lstStyle/>
-          <a:p>
-            <a:r>
-              <a:rPr lang="en-US" dirty="0"/>
-              <a:t>Two variations, depending on ADC:</a:t>
-            </a:r>
-          </a:p>
-          <a:p>
-            <a:r>
-              <a:rPr lang="en-US" dirty="0"/>
-              <a:t>ADC value at full-scale voltage = 2n</a:t>
-            </a:r>
-          </a:p>
-          <a:p>
-            <a:endParaRPr lang="en-US" dirty="0"/>
-          </a:p>
-          <a:p>
-            <a:endParaRPr lang="en-US" dirty="0"/>
-          </a:p>
-          <a:p>
-            <a:pPr marL="0" indent="0">
-              <a:buNone/>
-            </a:pPr>
-            <a:endParaRPr lang="en-US" dirty="0"/>
-          </a:p>
-          <a:p>
-            <a:r>
-              <a:rPr lang="en-US" dirty="0"/>
-              <a:t>ADC value at a full-scale voltage = 2n – 1</a:t>
-            </a:r>
-          </a:p>
-          <a:p>
-            <a:pPr marL="0" indent="0">
-              <a:buNone/>
-            </a:pPr>
-            <a:endParaRPr lang="en-US" dirty="0"/>
-          </a:p>
-          <a:p>
-            <a:endParaRPr lang="en-US" dirty="0"/>
-          </a:p>
-          <a:p>
-            <a:endParaRPr lang="en-US" dirty="0"/>
-          </a:p>
-          <a:p>
-            <a:endParaRPr lang="en-US" dirty="0"/>
-          </a:p>
-        </p:txBody>
-      </p:sp>
-      <p:pic>
-        <p:nvPicPr>
-          <p:cNvPr id="11" name="Picture 10">
-            <a:extLst>
-              <a:ext uri="{FF2B5EF4-FFF2-40B4-BE49-F238E27FC236}">
-                <a16:creationId xmlns:a16="http://schemas.microsoft.com/office/drawing/2014/main" id="{4BB515A4-91A1-445E-84DD-1A2658736A51}"/>
-              </a:ext>
-            </a:extLst>
-          </p:cNvPr>
-          <p:cNvPicPr>
-            <a:picLocks noChangeAspect="1"/>
-          </p:cNvPicPr>
-          <p:nvPr/>
-        </p:nvPicPr>
-        <p:blipFill>
-          <a:blip r:embed="rId2"/>
-          <a:stretch>
-            <a:fillRect/>
-          </a:stretch>
-        </p:blipFill>
-        <p:spPr>
-          <a:xfrm>
-            <a:off x="4381116" y="5138736"/>
-            <a:ext cx="3010320" cy="1047896"/>
-          </a:xfrm>
-          <a:prstGeom prst="rect">
-            <a:avLst/>
-          </a:prstGeom>
-        </p:spPr>
-      </p:pic>
-      <p:pic>
-        <p:nvPicPr>
-          <p:cNvPr id="13" name="Picture 12">
-            <a:extLst>
-              <a:ext uri="{FF2B5EF4-FFF2-40B4-BE49-F238E27FC236}">
-                <a16:creationId xmlns:a16="http://schemas.microsoft.com/office/drawing/2014/main" id="{E5312CEC-3369-42DD-BD99-5DA5750E9511}"/>
-              </a:ext>
-            </a:extLst>
-          </p:cNvPr>
-          <p:cNvPicPr>
-            <a:picLocks noChangeAspect="1"/>
-          </p:cNvPicPr>
-          <p:nvPr/>
-        </p:nvPicPr>
-        <p:blipFill>
-          <a:blip r:embed="rId3"/>
-          <a:stretch>
-            <a:fillRect/>
-          </a:stretch>
-        </p:blipFill>
-        <p:spPr>
-          <a:xfrm>
-            <a:off x="4381116" y="3017948"/>
-            <a:ext cx="2915057" cy="1124107"/>
-          </a:xfrm>
-          <a:prstGeom prst="rect">
-            <a:avLst/>
-          </a:prstGeom>
-        </p:spPr>
-      </p:pic>
-    </p:spTree>
-    <p:extLst>
-      <p:ext uri="{BB962C8B-B14F-4D97-AF65-F5344CB8AC3E}">
-        <p14:creationId xmlns:p14="http://schemas.microsoft.com/office/powerpoint/2010/main" val="214247460"/>
-      </p:ext>
-    </p:extLst>
-  </p:cSld>
-  <p:clrMapOvr>
-    <a:masterClrMapping/>
-  </p:clrMapOvr>
-</p:sld>
-</file>
-
-<file path=ppt/slides/slide16.xml><?xml version="1.0" encoding="utf-8"?>
-<p:sld xmlns:a="http://schemas.openxmlformats.org/drawingml/2006/main" xmlns:r="http://schemas.openxmlformats.org/officeDocument/2006/relationships" xmlns:p="http://schemas.openxmlformats.org/presentationml/2006/main">
-  <p:cSld>
-    <p:spTree>
-      <p:nvGrpSpPr>
-        <p:cNvPr id="1" name=""/>
-        <p:cNvGrpSpPr/>
-        <p:nvPr/>
-      </p:nvGrpSpPr>
-      <p:grpSpPr>
-        <a:xfrm>
-          <a:off x="0" y="0"/>
-          <a:ext cx="0" cy="0"/>
-          <a:chOff x="0" y="0"/>
-          <a:chExt cx="0" cy="0"/>
-        </a:xfrm>
-      </p:grpSpPr>
-      <p:sp>
-        <p:nvSpPr>
-          <p:cNvPr id="2" name="Title 1">
-            <a:extLst>
-              <a:ext uri="{FF2B5EF4-FFF2-40B4-BE49-F238E27FC236}">
-                <a16:creationId xmlns:a16="http://schemas.microsoft.com/office/drawing/2014/main" id="{34DDBE14-74FC-4253-80FE-383542DD0C6B}"/>
-              </a:ext>
-            </a:extLst>
-          </p:cNvPr>
-          <p:cNvSpPr>
-            <a:spLocks noGrp="1"/>
-          </p:cNvSpPr>
-          <p:nvPr>
-            <p:ph type="title"/>
-          </p:nvPr>
-        </p:nvSpPr>
-        <p:spPr/>
-        <p:txBody>
-          <a:bodyPr/>
-          <a:lstStyle/>
-          <a:p>
-            <a:r>
-              <a:rPr lang="en-US" dirty="0"/>
-              <a:t>Minimum Sampling Rate</a:t>
-            </a:r>
-          </a:p>
-        </p:txBody>
-      </p:sp>
-      <p:sp>
-        <p:nvSpPr>
-          <p:cNvPr id="3" name="Content Placeholder 2">
-            <a:extLst>
-              <a:ext uri="{FF2B5EF4-FFF2-40B4-BE49-F238E27FC236}">
-                <a16:creationId xmlns:a16="http://schemas.microsoft.com/office/drawing/2014/main" id="{56D24839-D0ED-4C2C-A92A-A4485425C5C1}"/>
-              </a:ext>
-            </a:extLst>
-          </p:cNvPr>
-          <p:cNvSpPr>
-            <a:spLocks noGrp="1"/>
-          </p:cNvSpPr>
-          <p:nvPr>
-            <p:ph idx="1"/>
-          </p:nvPr>
-        </p:nvSpPr>
-        <p:spPr/>
-        <p:txBody>
-          <a:bodyPr/>
-          <a:lstStyle/>
-          <a:p>
-            <a:r>
-              <a:rPr lang="en-US" dirty="0"/>
-              <a:t>Nyquist Theorem:</a:t>
-            </a:r>
-          </a:p>
-          <a:p>
-            <a:endParaRPr lang="en-US" dirty="0"/>
-          </a:p>
-          <a:p>
-            <a:pPr marL="0" indent="0">
-              <a:buNone/>
-            </a:pPr>
-            <a:endParaRPr lang="en-US" dirty="0"/>
-          </a:p>
-          <a:p>
-            <a:pPr marL="0" indent="0">
-              <a:buNone/>
-            </a:pPr>
-            <a:endParaRPr lang="en-US" dirty="0"/>
-          </a:p>
-          <a:p>
-            <a:pPr marL="0" indent="0">
-              <a:buNone/>
-            </a:pPr>
-            <a:endParaRPr lang="en-US" dirty="0"/>
-          </a:p>
-          <a:p>
-            <a:pPr marL="0" indent="0">
-              <a:buNone/>
-            </a:pPr>
-            <a:endParaRPr lang="en-US" dirty="0"/>
-          </a:p>
-          <a:p>
-            <a:endParaRPr lang="en-US" dirty="0"/>
-          </a:p>
-          <a:p>
-            <a:r>
-              <a:rPr lang="en-US" dirty="0"/>
-              <a:t>Input signals must also be properly filtered to eliminate</a:t>
-            </a:r>
-          </a:p>
-          <a:p>
-            <a:pPr marL="0" indent="0">
-              <a:buNone/>
-            </a:pPr>
-            <a:r>
-              <a:rPr lang="en-US" dirty="0"/>
-              <a:t>unwanted high-frequency components</a:t>
-            </a:r>
-          </a:p>
-        </p:txBody>
-      </p:sp>
-      <p:pic>
-        <p:nvPicPr>
-          <p:cNvPr id="5" name="Picture 4">
-            <a:extLst>
-              <a:ext uri="{FF2B5EF4-FFF2-40B4-BE49-F238E27FC236}">
-                <a16:creationId xmlns:a16="http://schemas.microsoft.com/office/drawing/2014/main" id="{4EC7BD83-4504-424A-8FAD-64DDC1A365BA}"/>
-              </a:ext>
-            </a:extLst>
-          </p:cNvPr>
-          <p:cNvPicPr>
-            <a:picLocks noChangeAspect="1"/>
-          </p:cNvPicPr>
-          <p:nvPr/>
-        </p:nvPicPr>
-        <p:blipFill>
-          <a:blip r:embed="rId2"/>
-          <a:stretch>
-            <a:fillRect/>
-          </a:stretch>
-        </p:blipFill>
-        <p:spPr>
-          <a:xfrm>
-            <a:off x="2688626" y="2478932"/>
-            <a:ext cx="6277851" cy="2705478"/>
-          </a:xfrm>
-          <a:prstGeom prst="rect">
-            <a:avLst/>
-          </a:prstGeom>
-        </p:spPr>
-      </p:pic>
-    </p:spTree>
-    <p:extLst>
-      <p:ext uri="{BB962C8B-B14F-4D97-AF65-F5344CB8AC3E}">
-        <p14:creationId xmlns:p14="http://schemas.microsoft.com/office/powerpoint/2010/main" val="3784549496"/>
-      </p:ext>
-    </p:extLst>
-  </p:cSld>
-  <p:clrMapOvr>
-    <a:masterClrMapping/>
-  </p:clrMapOvr>
-</p:sld>
-</file>
-
-<file path=ppt/slides/slide17.xml><?xml version="1.0" encoding="utf-8"?>
-<p:sld xmlns:a="http://schemas.openxmlformats.org/drawingml/2006/main" xmlns:r="http://schemas.openxmlformats.org/officeDocument/2006/relationships" xmlns:p="http://schemas.openxmlformats.org/presentationml/2006/main">
-  <p:cSld>
-    <p:spTree>
-      <p:nvGrpSpPr>
-        <p:cNvPr id="1" name=""/>
-        <p:cNvGrpSpPr/>
-        <p:nvPr/>
-      </p:nvGrpSpPr>
-      <p:grpSpPr>
-        <a:xfrm>
-          <a:off x="0" y="0"/>
-          <a:ext cx="0" cy="0"/>
-          <a:chOff x="0" y="0"/>
-          <a:chExt cx="0" cy="0"/>
-        </a:xfrm>
-      </p:grpSpPr>
-      <p:sp>
-        <p:nvSpPr>
-          <p:cNvPr id="2" name="Title 1">
-            <a:extLst>
-              <a:ext uri="{FF2B5EF4-FFF2-40B4-BE49-F238E27FC236}">
-                <a16:creationId xmlns:a16="http://schemas.microsoft.com/office/drawing/2014/main" id="{E3D397B3-5836-4575-8780-FB2755D5CC5A}"/>
-              </a:ext>
-            </a:extLst>
-          </p:cNvPr>
-          <p:cNvSpPr>
-            <a:spLocks noGrp="1"/>
-          </p:cNvSpPr>
-          <p:nvPr>
-            <p:ph type="title"/>
-          </p:nvPr>
-        </p:nvSpPr>
-        <p:spPr/>
-        <p:txBody>
-          <a:bodyPr/>
-          <a:lstStyle/>
-          <a:p>
-            <a:r>
-              <a:rPr lang="en-US" dirty="0"/>
-              <a:t>STM32L43x’s Analog Components</a:t>
-            </a:r>
-          </a:p>
-        </p:txBody>
-      </p:sp>
-      <p:sp>
-        <p:nvSpPr>
-          <p:cNvPr id="3" name="Content Placeholder 2">
-            <a:extLst>
-              <a:ext uri="{FF2B5EF4-FFF2-40B4-BE49-F238E27FC236}">
-                <a16:creationId xmlns:a16="http://schemas.microsoft.com/office/drawing/2014/main" id="{84C5C666-80B3-4DD1-8A8F-15B5680A927D}"/>
-              </a:ext>
-            </a:extLst>
-          </p:cNvPr>
-          <p:cNvSpPr>
-            <a:spLocks noGrp="1"/>
-          </p:cNvSpPr>
-          <p:nvPr>
-            <p:ph idx="1"/>
-          </p:nvPr>
-        </p:nvSpPr>
-        <p:spPr/>
-        <p:txBody>
-          <a:bodyPr/>
-          <a:lstStyle/>
-          <a:p>
-            <a:r>
-              <a:rPr lang="en-US" dirty="0"/>
-              <a:t>1x 12-bit SAR ADC</a:t>
-            </a:r>
-          </a:p>
-          <a:p>
-            <a:pPr lvl="1"/>
-            <a:r>
-              <a:rPr lang="en-US" dirty="0"/>
-              <a:t>5.33 </a:t>
-            </a:r>
-            <a:r>
-              <a:rPr lang="en-US" dirty="0" err="1"/>
-              <a:t>Msps</a:t>
-            </a:r>
-            <a:r>
-              <a:rPr lang="en-US" dirty="0"/>
-              <a:t> max conversion rate with full resolution</a:t>
-            </a:r>
-          </a:p>
-          <a:p>
-            <a:pPr lvl="1"/>
-            <a:r>
-              <a:rPr lang="en-US" dirty="0"/>
-              <a:t>Up to 10 external channels and 4 internal channels</a:t>
-            </a:r>
-          </a:p>
-          <a:p>
-            <a:pPr lvl="1"/>
-            <a:r>
-              <a:rPr lang="en-US" dirty="0"/>
-              <a:t> Analog watchdog</a:t>
-            </a:r>
-          </a:p>
-          <a:p>
-            <a:pPr lvl="1"/>
-            <a:r>
-              <a:rPr lang="en-US" dirty="0"/>
-              <a:t>Single-ended and differential mode inputs</a:t>
-            </a:r>
-          </a:p>
-          <a:p>
-            <a:pPr lvl="1"/>
-            <a:r>
-              <a:rPr lang="en-US" dirty="0"/>
-              <a:t>Dual clock domain architecture</a:t>
-            </a:r>
-          </a:p>
-          <a:p>
-            <a:r>
-              <a:rPr lang="en-US" dirty="0"/>
-              <a:t>2x DAC</a:t>
-            </a:r>
-          </a:p>
-        </p:txBody>
-      </p:sp>
-    </p:spTree>
-    <p:extLst>
-      <p:ext uri="{BB962C8B-B14F-4D97-AF65-F5344CB8AC3E}">
-        <p14:creationId xmlns:p14="http://schemas.microsoft.com/office/powerpoint/2010/main" val="843520126"/>
-      </p:ext>
-    </p:extLst>
-  </p:cSld>
-  <p:clrMapOvr>
-    <a:masterClrMapping/>
-  </p:clrMapOvr>
-</p:sld>
-</file>
-
-<file path=ppt/slides/slide18.xml><?xml version="1.0" encoding="utf-8"?>
-<p:sld xmlns:a="http://schemas.openxmlformats.org/drawingml/2006/main" xmlns:r="http://schemas.openxmlformats.org/officeDocument/2006/relationships" xmlns:p="http://schemas.openxmlformats.org/presentationml/2006/main">
-  <p:cSld>
-    <p:spTree>
-      <p:nvGrpSpPr>
-        <p:cNvPr id="1" name=""/>
-        <p:cNvGrpSpPr/>
-        <p:nvPr/>
-      </p:nvGrpSpPr>
-      <p:grpSpPr>
-        <a:xfrm>
-          <a:off x="0" y="0"/>
-          <a:ext cx="0" cy="0"/>
-          <a:chOff x="0" y="0"/>
-          <a:chExt cx="0" cy="0"/>
-        </a:xfrm>
-      </p:grpSpPr>
-      <p:sp>
-        <p:nvSpPr>
-          <p:cNvPr id="2" name="Title 1">
-            <a:extLst>
-              <a:ext uri="{FF2B5EF4-FFF2-40B4-BE49-F238E27FC236}">
-                <a16:creationId xmlns:a16="http://schemas.microsoft.com/office/drawing/2014/main" id="{2991C1FB-5E50-49C2-BFEB-E9E41FB2BEDD}"/>
-              </a:ext>
-            </a:extLst>
-          </p:cNvPr>
-          <p:cNvSpPr>
-            <a:spLocks noGrp="1"/>
-          </p:cNvSpPr>
-          <p:nvPr>
-            <p:ph type="title"/>
-          </p:nvPr>
-        </p:nvSpPr>
-        <p:spPr/>
-        <p:txBody>
-          <a:bodyPr/>
-          <a:lstStyle/>
-          <a:p>
-            <a:r>
-              <a:rPr lang="en-US" dirty="0"/>
-              <a:t>Analog Input Sources</a:t>
-            </a:r>
-          </a:p>
-        </p:txBody>
-      </p:sp>
-      <p:pic>
-        <p:nvPicPr>
-          <p:cNvPr id="5" name="Content Placeholder 4">
-            <a:extLst>
-              <a:ext uri="{FF2B5EF4-FFF2-40B4-BE49-F238E27FC236}">
-                <a16:creationId xmlns:a16="http://schemas.microsoft.com/office/drawing/2014/main" id="{EB49FFB6-4805-4161-B718-65D802E7A6F6}"/>
-              </a:ext>
-            </a:extLst>
-          </p:cNvPr>
-          <p:cNvPicPr>
-            <a:picLocks noGrp="1" noChangeAspect="1"/>
-          </p:cNvPicPr>
-          <p:nvPr>
-            <p:ph idx="1"/>
-          </p:nvPr>
-        </p:nvPicPr>
-        <p:blipFill>
-          <a:blip r:embed="rId2"/>
-          <a:stretch>
-            <a:fillRect/>
-          </a:stretch>
-        </p:blipFill>
-        <p:spPr>
-          <a:xfrm>
-            <a:off x="2566495" y="1985776"/>
-            <a:ext cx="7059010" cy="4029637"/>
-          </a:xfrm>
-        </p:spPr>
-      </p:pic>
-    </p:spTree>
-    <p:extLst>
-      <p:ext uri="{BB962C8B-B14F-4D97-AF65-F5344CB8AC3E}">
-        <p14:creationId xmlns:p14="http://schemas.microsoft.com/office/powerpoint/2010/main" val="3746462566"/>
-      </p:ext>
-    </p:extLst>
-  </p:cSld>
-  <p:clrMapOvr>
-    <a:masterClrMapping/>
-  </p:clrMapOvr>
-</p:sld>
-</file>
-
-<file path=ppt/slides/slide19.xml><?xml version="1.0" encoding="utf-8"?>
-<p:sld xmlns:a="http://schemas.openxmlformats.org/drawingml/2006/main" xmlns:r="http://schemas.openxmlformats.org/officeDocument/2006/relationships" xmlns:p="http://schemas.openxmlformats.org/presentationml/2006/main">
-  <p:cSld>
-    <p:spTree>
-      <p:nvGrpSpPr>
-        <p:cNvPr id="1" name=""/>
-        <p:cNvGrpSpPr/>
-        <p:nvPr/>
-      </p:nvGrpSpPr>
-      <p:grpSpPr>
-        <a:xfrm>
-          <a:off x="0" y="0"/>
-          <a:ext cx="0" cy="0"/>
-          <a:chOff x="0" y="0"/>
-          <a:chExt cx="0" cy="0"/>
-        </a:xfrm>
-      </p:grpSpPr>
-      <p:sp>
-        <p:nvSpPr>
-          <p:cNvPr id="2" name="Title 1">
-            <a:extLst>
-              <a:ext uri="{FF2B5EF4-FFF2-40B4-BE49-F238E27FC236}">
-                <a16:creationId xmlns:a16="http://schemas.microsoft.com/office/drawing/2014/main" id="{F996EB06-1AEF-452A-A515-39A77C2B5F5E}"/>
-              </a:ext>
-            </a:extLst>
-          </p:cNvPr>
-          <p:cNvSpPr>
-            <a:spLocks noGrp="1"/>
-          </p:cNvSpPr>
-          <p:nvPr>
-            <p:ph type="title"/>
-          </p:nvPr>
-        </p:nvSpPr>
-        <p:spPr/>
-        <p:txBody>
-          <a:bodyPr/>
-          <a:lstStyle/>
-          <a:p>
-            <a:r>
-              <a:rPr lang="en-US" dirty="0"/>
-              <a:t>ADC Clock Sources</a:t>
-            </a:r>
-          </a:p>
-        </p:txBody>
-      </p:sp>
-      <p:sp>
-        <p:nvSpPr>
-          <p:cNvPr id="3" name="Content Placeholder 2">
-            <a:extLst>
-              <a:ext uri="{FF2B5EF4-FFF2-40B4-BE49-F238E27FC236}">
-                <a16:creationId xmlns:a16="http://schemas.microsoft.com/office/drawing/2014/main" id="{A360DEF3-53E3-400B-B7F4-432E74BCF69B}"/>
-              </a:ext>
-            </a:extLst>
-          </p:cNvPr>
-          <p:cNvSpPr>
-            <a:spLocks noGrp="1"/>
-          </p:cNvSpPr>
-          <p:nvPr>
-            <p:ph idx="1"/>
-          </p:nvPr>
-        </p:nvSpPr>
-        <p:spPr/>
-        <p:txBody>
-          <a:bodyPr/>
-          <a:lstStyle/>
-          <a:p>
-            <a:r>
-              <a:rPr lang="en-US" dirty="0"/>
-              <a:t>Selectable from two clock domains</a:t>
-            </a:r>
-          </a:p>
-          <a:p>
-            <a:pPr marL="0" indent="0">
-              <a:buNone/>
-            </a:pPr>
-            <a:endParaRPr lang="en-US" dirty="0"/>
-          </a:p>
-        </p:txBody>
-      </p:sp>
-      <p:pic>
-        <p:nvPicPr>
-          <p:cNvPr id="5" name="Picture 4">
-            <a:extLst>
-              <a:ext uri="{FF2B5EF4-FFF2-40B4-BE49-F238E27FC236}">
-                <a16:creationId xmlns:a16="http://schemas.microsoft.com/office/drawing/2014/main" id="{1B06694A-4E6A-4393-BAC3-16823083314E}"/>
-              </a:ext>
-            </a:extLst>
-          </p:cNvPr>
-          <p:cNvPicPr>
-            <a:picLocks noChangeAspect="1"/>
-          </p:cNvPicPr>
-          <p:nvPr/>
-        </p:nvPicPr>
-        <p:blipFill>
-          <a:blip r:embed="rId2"/>
-          <a:stretch>
-            <a:fillRect/>
-          </a:stretch>
-        </p:blipFill>
-        <p:spPr>
-          <a:xfrm>
-            <a:off x="2547442" y="2558136"/>
-            <a:ext cx="7097115" cy="3486637"/>
-          </a:xfrm>
-          <a:prstGeom prst="rect">
-            <a:avLst/>
-          </a:prstGeom>
-        </p:spPr>
-      </p:pic>
-    </p:spTree>
-    <p:extLst>
-      <p:ext uri="{BB962C8B-B14F-4D97-AF65-F5344CB8AC3E}">
-        <p14:creationId xmlns:p14="http://schemas.microsoft.com/office/powerpoint/2010/main" val="2190215519"/>
-      </p:ext>
-    </p:extLst>
-  </p:cSld>
-  <p:clrMapOvr>
-    <a:masterClrMapping/>
-  </p:clrMapOvr>
-</p:sld>
-</file>
-
-<file path=ppt/slides/slide2.xml><?xml version="1.0" encoding="utf-8"?>
-<p:sld xmlns:a="http://schemas.openxmlformats.org/drawingml/2006/main" xmlns:r="http://schemas.openxmlformats.org/officeDocument/2006/relationships" xmlns:p="http://schemas.openxmlformats.org/presentationml/2006/main">
-  <p:cSld>
-    <p:spTree>
-      <p:nvGrpSpPr>
-        <p:cNvPr id="1" name=""/>
-        <p:cNvGrpSpPr/>
-        <p:nvPr/>
-      </p:nvGrpSpPr>
-      <p:grpSpPr>
-        <a:xfrm>
-          <a:off x="0" y="0"/>
-          <a:ext cx="0" cy="0"/>
-          <a:chOff x="0" y="0"/>
-          <a:chExt cx="0" cy="0"/>
-        </a:xfrm>
-      </p:grpSpPr>
-      <p:sp>
-        <p:nvSpPr>
           <p:cNvPr id="5122" name="Rectangle 3">
             <a:extLst>
               <a:ext uri="{FF2B5EF4-FFF2-40B4-BE49-F238E27FC236}">
@@ -18097,7 +13574,7 @@
                 <a:ea typeface="+mn-ea"/>
                 <a:cs typeface="Arial" panose="020B0604020202020204" pitchFamily="34" charset="0"/>
               </a:rPr>
-              <a:t>STM32 Development Tool</a:t>
+              <a:t>ADC Module</a:t>
             </a:r>
             <a:endParaRPr kumimoji="0" lang="en-US" altLang="en-US" sz="1600" b="1" i="0" u="none" strike="noStrike" kern="1200" cap="none" spc="0" normalizeH="0" baseline="0" noProof="0" dirty="0">
               <a:ln>
@@ -18124,7 +13601,1132 @@
 </p:sld>
 </file>
 
-<file path=ppt/slides/slide20.xml><?xml version="1.0" encoding="utf-8"?>
+<file path=ppt/slides/slide10.xml><?xml version="1.0" encoding="utf-8"?>
+<p:sld xmlns:a="http://schemas.openxmlformats.org/drawingml/2006/main" xmlns:r="http://schemas.openxmlformats.org/officeDocument/2006/relationships" xmlns:p="http://schemas.openxmlformats.org/presentationml/2006/main">
+  <p:cSld>
+    <p:spTree>
+      <p:nvGrpSpPr>
+        <p:cNvPr id="1" name=""/>
+        <p:cNvGrpSpPr/>
+        <p:nvPr/>
+      </p:nvGrpSpPr>
+      <p:grpSpPr>
+        <a:xfrm>
+          <a:off x="0" y="0"/>
+          <a:ext cx="0" cy="0"/>
+          <a:chOff x="0" y="0"/>
+          <a:chExt cx="0" cy="0"/>
+        </a:xfrm>
+      </p:grpSpPr>
+      <p:sp>
+        <p:nvSpPr>
+          <p:cNvPr id="2" name="Title 1">
+            <a:extLst>
+              <a:ext uri="{FF2B5EF4-FFF2-40B4-BE49-F238E27FC236}">
+                <a16:creationId xmlns:a16="http://schemas.microsoft.com/office/drawing/2014/main" id="{CB9F8EF8-95A2-4264-AEE8-CBBDE3C87844}"/>
+              </a:ext>
+            </a:extLst>
+          </p:cNvPr>
+          <p:cNvSpPr>
+            <a:spLocks noGrp="1"/>
+          </p:cNvSpPr>
+          <p:nvPr>
+            <p:ph type="title"/>
+          </p:nvPr>
+        </p:nvSpPr>
+        <p:spPr/>
+        <p:txBody>
+          <a:bodyPr/>
+          <a:lstStyle/>
+          <a:p>
+            <a:r>
+              <a:rPr lang="en-US" dirty="0"/>
+              <a:t>Successive Approximation ADC</a:t>
+            </a:r>
+          </a:p>
+        </p:txBody>
+      </p:sp>
+      <p:sp>
+        <p:nvSpPr>
+          <p:cNvPr id="3" name="Content Placeholder 2">
+            <a:extLst>
+              <a:ext uri="{FF2B5EF4-FFF2-40B4-BE49-F238E27FC236}">
+                <a16:creationId xmlns:a16="http://schemas.microsoft.com/office/drawing/2014/main" id="{EA29732C-69E1-4F78-B492-3ADC492A04B2}"/>
+              </a:ext>
+            </a:extLst>
+          </p:cNvPr>
+          <p:cNvSpPr>
+            <a:spLocks noGrp="1"/>
+          </p:cNvSpPr>
+          <p:nvPr>
+            <p:ph idx="1"/>
+          </p:nvPr>
+        </p:nvSpPr>
+        <p:spPr/>
+        <p:txBody>
+          <a:bodyPr/>
+          <a:lstStyle/>
+          <a:p>
+            <a:r>
+              <a:rPr lang="en-US" dirty="0"/>
+              <a:t>Or Successive Approximation Register (SAR)</a:t>
+            </a:r>
+          </a:p>
+          <a:p>
+            <a:r>
+              <a:rPr lang="en-US" dirty="0"/>
+              <a:t>Binary search - relatively fast and simple to implement</a:t>
+            </a:r>
+          </a:p>
+          <a:p>
+            <a:pPr marL="0" indent="0">
+              <a:buNone/>
+            </a:pPr>
+            <a:endParaRPr lang="en-US" dirty="0"/>
+          </a:p>
+        </p:txBody>
+      </p:sp>
+      <p:pic>
+        <p:nvPicPr>
+          <p:cNvPr id="5" name="Picture 4">
+            <a:extLst>
+              <a:ext uri="{FF2B5EF4-FFF2-40B4-BE49-F238E27FC236}">
+                <a16:creationId xmlns:a16="http://schemas.microsoft.com/office/drawing/2014/main" id="{03D5F9B7-B93A-4C84-994D-D627624A7B46}"/>
+              </a:ext>
+            </a:extLst>
+          </p:cNvPr>
+          <p:cNvPicPr>
+            <a:picLocks noChangeAspect="1"/>
+          </p:cNvPicPr>
+          <p:nvPr/>
+        </p:nvPicPr>
+        <p:blipFill>
+          <a:blip r:embed="rId2"/>
+          <a:stretch>
+            <a:fillRect/>
+          </a:stretch>
+        </p:blipFill>
+        <p:spPr>
+          <a:xfrm>
+            <a:off x="1665558" y="3149184"/>
+            <a:ext cx="8366338" cy="3348675"/>
+          </a:xfrm>
+          <a:prstGeom prst="rect">
+            <a:avLst/>
+          </a:prstGeom>
+        </p:spPr>
+      </p:pic>
+    </p:spTree>
+    <p:extLst>
+      <p:ext uri="{BB962C8B-B14F-4D97-AF65-F5344CB8AC3E}">
+        <p14:creationId xmlns:p14="http://schemas.microsoft.com/office/powerpoint/2010/main" val="1302440596"/>
+      </p:ext>
+    </p:extLst>
+  </p:cSld>
+  <p:clrMapOvr>
+    <a:masterClrMapping/>
+  </p:clrMapOvr>
+</p:sld>
+</file>
+
+<file path=ppt/slides/slide11.xml><?xml version="1.0" encoding="utf-8"?>
+<p:sld xmlns:a="http://schemas.openxmlformats.org/drawingml/2006/main" xmlns:r="http://schemas.openxmlformats.org/officeDocument/2006/relationships" xmlns:p="http://schemas.openxmlformats.org/presentationml/2006/main">
+  <p:cSld>
+    <p:spTree>
+      <p:nvGrpSpPr>
+        <p:cNvPr id="1" name=""/>
+        <p:cNvGrpSpPr/>
+        <p:nvPr/>
+      </p:nvGrpSpPr>
+      <p:grpSpPr>
+        <a:xfrm>
+          <a:off x="0" y="0"/>
+          <a:ext cx="0" cy="0"/>
+          <a:chOff x="0" y="0"/>
+          <a:chExt cx="0" cy="0"/>
+        </a:xfrm>
+      </p:grpSpPr>
+      <p:sp>
+        <p:nvSpPr>
+          <p:cNvPr id="2" name="Title 1">
+            <a:extLst>
+              <a:ext uri="{FF2B5EF4-FFF2-40B4-BE49-F238E27FC236}">
+                <a16:creationId xmlns:a16="http://schemas.microsoft.com/office/drawing/2014/main" id="{12FB0B33-F955-4DDA-8083-74601EB9A10B}"/>
+              </a:ext>
+            </a:extLst>
+          </p:cNvPr>
+          <p:cNvSpPr>
+            <a:spLocks noGrp="1"/>
+          </p:cNvSpPr>
+          <p:nvPr>
+            <p:ph type="title"/>
+          </p:nvPr>
+        </p:nvSpPr>
+        <p:spPr/>
+        <p:txBody>
+          <a:bodyPr/>
+          <a:lstStyle/>
+          <a:p>
+            <a:r>
+              <a:rPr lang="en-US" dirty="0"/>
+              <a:t>SAR Operation</a:t>
+            </a:r>
+          </a:p>
+        </p:txBody>
+      </p:sp>
+      <p:pic>
+        <p:nvPicPr>
+          <p:cNvPr id="5" name="Picture 4">
+            <a:extLst>
+              <a:ext uri="{FF2B5EF4-FFF2-40B4-BE49-F238E27FC236}">
+                <a16:creationId xmlns:a16="http://schemas.microsoft.com/office/drawing/2014/main" id="{921291DA-41B8-47B1-8AB2-587A625EC90C}"/>
+              </a:ext>
+            </a:extLst>
+          </p:cNvPr>
+          <p:cNvPicPr>
+            <a:picLocks noChangeAspect="1"/>
+          </p:cNvPicPr>
+          <p:nvPr/>
+        </p:nvPicPr>
+        <p:blipFill>
+          <a:blip r:embed="rId2"/>
+          <a:stretch>
+            <a:fillRect/>
+          </a:stretch>
+        </p:blipFill>
+        <p:spPr>
+          <a:xfrm>
+            <a:off x="1274576" y="1756433"/>
+            <a:ext cx="8710211" cy="4737132"/>
+          </a:xfrm>
+          <a:prstGeom prst="rect">
+            <a:avLst/>
+          </a:prstGeom>
+        </p:spPr>
+      </p:pic>
+    </p:spTree>
+    <p:extLst>
+      <p:ext uri="{BB962C8B-B14F-4D97-AF65-F5344CB8AC3E}">
+        <p14:creationId xmlns:p14="http://schemas.microsoft.com/office/powerpoint/2010/main" val="1013639777"/>
+      </p:ext>
+    </p:extLst>
+  </p:cSld>
+  <p:clrMapOvr>
+    <a:masterClrMapping/>
+  </p:clrMapOvr>
+</p:sld>
+</file>
+
+<file path=ppt/slides/slide12.xml><?xml version="1.0" encoding="utf-8"?>
+<p:sld xmlns:a="http://schemas.openxmlformats.org/drawingml/2006/main" xmlns:r="http://schemas.openxmlformats.org/officeDocument/2006/relationships" xmlns:p="http://schemas.openxmlformats.org/presentationml/2006/main">
+  <p:cSld>
+    <p:spTree>
+      <p:nvGrpSpPr>
+        <p:cNvPr id="1" name=""/>
+        <p:cNvGrpSpPr/>
+        <p:nvPr/>
+      </p:nvGrpSpPr>
+      <p:grpSpPr>
+        <a:xfrm>
+          <a:off x="0" y="0"/>
+          <a:ext cx="0" cy="0"/>
+          <a:chOff x="0" y="0"/>
+          <a:chExt cx="0" cy="0"/>
+        </a:xfrm>
+      </p:grpSpPr>
+      <p:sp>
+        <p:nvSpPr>
+          <p:cNvPr id="2" name="Title 1">
+            <a:extLst>
+              <a:ext uri="{FF2B5EF4-FFF2-40B4-BE49-F238E27FC236}">
+                <a16:creationId xmlns:a16="http://schemas.microsoft.com/office/drawing/2014/main" id="{761DF09F-A933-4C55-B1D8-B3DE71C6C8C6}"/>
+              </a:ext>
+            </a:extLst>
+          </p:cNvPr>
+          <p:cNvSpPr>
+            <a:spLocks noGrp="1"/>
+          </p:cNvSpPr>
+          <p:nvPr>
+            <p:ph type="title"/>
+          </p:nvPr>
+        </p:nvSpPr>
+        <p:spPr/>
+        <p:txBody>
+          <a:bodyPr/>
+          <a:lstStyle/>
+          <a:p>
+            <a:r>
+              <a:rPr lang="en-US" dirty="0"/>
+              <a:t>Delta-Sigma ADC</a:t>
+            </a:r>
+          </a:p>
+        </p:txBody>
+      </p:sp>
+      <p:sp>
+        <p:nvSpPr>
+          <p:cNvPr id="3" name="Content Placeholder 2">
+            <a:extLst>
+              <a:ext uri="{FF2B5EF4-FFF2-40B4-BE49-F238E27FC236}">
+                <a16:creationId xmlns:a16="http://schemas.microsoft.com/office/drawing/2014/main" id="{E895EB69-6B51-4805-A1D8-A364110719C5}"/>
+              </a:ext>
+            </a:extLst>
+          </p:cNvPr>
+          <p:cNvSpPr>
+            <a:spLocks noGrp="1"/>
+          </p:cNvSpPr>
+          <p:nvPr>
+            <p:ph idx="1"/>
+          </p:nvPr>
+        </p:nvSpPr>
+        <p:spPr/>
+        <p:txBody>
+          <a:bodyPr/>
+          <a:lstStyle/>
+          <a:p>
+            <a:r>
+              <a:rPr lang="en-US" dirty="0"/>
+              <a:t>Highest resolution; also slowest</a:t>
+            </a:r>
+          </a:p>
+          <a:p>
+            <a:r>
+              <a:rPr lang="en-US" dirty="0"/>
+              <a:t>Usually restricted to DC or audio frequencies</a:t>
+            </a:r>
+          </a:p>
+        </p:txBody>
+      </p:sp>
+      <p:pic>
+        <p:nvPicPr>
+          <p:cNvPr id="5" name="Picture 4">
+            <a:extLst>
+              <a:ext uri="{FF2B5EF4-FFF2-40B4-BE49-F238E27FC236}">
+                <a16:creationId xmlns:a16="http://schemas.microsoft.com/office/drawing/2014/main" id="{452FE3B0-0161-4D04-AF7E-FBAD915FA327}"/>
+              </a:ext>
+            </a:extLst>
+          </p:cNvPr>
+          <p:cNvPicPr>
+            <a:picLocks noChangeAspect="1"/>
+          </p:cNvPicPr>
+          <p:nvPr/>
+        </p:nvPicPr>
+        <p:blipFill>
+          <a:blip r:embed="rId2"/>
+          <a:stretch>
+            <a:fillRect/>
+          </a:stretch>
+        </p:blipFill>
+        <p:spPr>
+          <a:xfrm>
+            <a:off x="1819207" y="2937768"/>
+            <a:ext cx="8080167" cy="3761072"/>
+          </a:xfrm>
+          <a:prstGeom prst="rect">
+            <a:avLst/>
+          </a:prstGeom>
+        </p:spPr>
+      </p:pic>
+    </p:spTree>
+    <p:extLst>
+      <p:ext uri="{BB962C8B-B14F-4D97-AF65-F5344CB8AC3E}">
+        <p14:creationId xmlns:p14="http://schemas.microsoft.com/office/powerpoint/2010/main" val="3822692705"/>
+      </p:ext>
+    </p:extLst>
+  </p:cSld>
+  <p:clrMapOvr>
+    <a:masterClrMapping/>
+  </p:clrMapOvr>
+</p:sld>
+</file>
+
+<file path=ppt/slides/slide13.xml><?xml version="1.0" encoding="utf-8"?>
+<p:sld xmlns:a="http://schemas.openxmlformats.org/drawingml/2006/main" xmlns:r="http://schemas.openxmlformats.org/officeDocument/2006/relationships" xmlns:p="http://schemas.openxmlformats.org/presentationml/2006/main">
+  <p:cSld>
+    <p:spTree>
+      <p:nvGrpSpPr>
+        <p:cNvPr id="1" name=""/>
+        <p:cNvGrpSpPr/>
+        <p:nvPr/>
+      </p:nvGrpSpPr>
+      <p:grpSpPr>
+        <a:xfrm>
+          <a:off x="0" y="0"/>
+          <a:ext cx="0" cy="0"/>
+          <a:chOff x="0" y="0"/>
+          <a:chExt cx="0" cy="0"/>
+        </a:xfrm>
+      </p:grpSpPr>
+      <p:sp>
+        <p:nvSpPr>
+          <p:cNvPr id="2" name="Title 1">
+            <a:extLst>
+              <a:ext uri="{FF2B5EF4-FFF2-40B4-BE49-F238E27FC236}">
+                <a16:creationId xmlns:a16="http://schemas.microsoft.com/office/drawing/2014/main" id="{D09A02D3-5657-4DCB-8F20-6904DA7F8950}"/>
+              </a:ext>
+            </a:extLst>
+          </p:cNvPr>
+          <p:cNvSpPr>
+            <a:spLocks noGrp="1"/>
+          </p:cNvSpPr>
+          <p:nvPr>
+            <p:ph type="title"/>
+          </p:nvPr>
+        </p:nvSpPr>
+        <p:spPr/>
+        <p:txBody>
+          <a:bodyPr/>
+          <a:lstStyle/>
+          <a:p>
+            <a:r>
+              <a:rPr lang="en-US" dirty="0"/>
+              <a:t>Comparison of ADC Methods</a:t>
+            </a:r>
+          </a:p>
+        </p:txBody>
+      </p:sp>
+      <p:pic>
+        <p:nvPicPr>
+          <p:cNvPr id="5" name="Content Placeholder 4">
+            <a:extLst>
+              <a:ext uri="{FF2B5EF4-FFF2-40B4-BE49-F238E27FC236}">
+                <a16:creationId xmlns:a16="http://schemas.microsoft.com/office/drawing/2014/main" id="{84E81781-72D9-48FE-AE65-758D3FFBA7D9}"/>
+              </a:ext>
+            </a:extLst>
+          </p:cNvPr>
+          <p:cNvPicPr>
+            <a:picLocks noGrp="1" noChangeAspect="1"/>
+          </p:cNvPicPr>
+          <p:nvPr>
+            <p:ph idx="1"/>
+          </p:nvPr>
+        </p:nvPicPr>
+        <p:blipFill>
+          <a:blip r:embed="rId2"/>
+          <a:stretch>
+            <a:fillRect/>
+          </a:stretch>
+        </p:blipFill>
+        <p:spPr>
+          <a:xfrm>
+            <a:off x="1514950" y="2410087"/>
+            <a:ext cx="8935497" cy="3447373"/>
+          </a:xfrm>
+        </p:spPr>
+      </p:pic>
+    </p:spTree>
+    <p:extLst>
+      <p:ext uri="{BB962C8B-B14F-4D97-AF65-F5344CB8AC3E}">
+        <p14:creationId xmlns:p14="http://schemas.microsoft.com/office/powerpoint/2010/main" val="1016658108"/>
+      </p:ext>
+    </p:extLst>
+  </p:cSld>
+  <p:clrMapOvr>
+    <a:masterClrMapping/>
+  </p:clrMapOvr>
+</p:sld>
+</file>
+
+<file path=ppt/slides/slide14.xml><?xml version="1.0" encoding="utf-8"?>
+<p:sld xmlns:a="http://schemas.openxmlformats.org/drawingml/2006/main" xmlns:r="http://schemas.openxmlformats.org/officeDocument/2006/relationships" xmlns:p="http://schemas.openxmlformats.org/presentationml/2006/main">
+  <p:cSld>
+    <p:spTree>
+      <p:nvGrpSpPr>
+        <p:cNvPr id="1" name=""/>
+        <p:cNvGrpSpPr/>
+        <p:nvPr/>
+      </p:nvGrpSpPr>
+      <p:grpSpPr>
+        <a:xfrm>
+          <a:off x="0" y="0"/>
+          <a:ext cx="0" cy="0"/>
+          <a:chOff x="0" y="0"/>
+          <a:chExt cx="0" cy="0"/>
+        </a:xfrm>
+      </p:grpSpPr>
+      <p:sp>
+        <p:nvSpPr>
+          <p:cNvPr id="2" name="Title 1">
+            <a:extLst>
+              <a:ext uri="{FF2B5EF4-FFF2-40B4-BE49-F238E27FC236}">
+                <a16:creationId xmlns:a16="http://schemas.microsoft.com/office/drawing/2014/main" id="{A3C29FC3-202D-415D-9B25-29F4B35BE466}"/>
+              </a:ext>
+            </a:extLst>
+          </p:cNvPr>
+          <p:cNvSpPr>
+            <a:spLocks noGrp="1"/>
+          </p:cNvSpPr>
+          <p:nvPr>
+            <p:ph type="title"/>
+          </p:nvPr>
+        </p:nvSpPr>
+        <p:spPr/>
+        <p:txBody>
+          <a:bodyPr/>
+          <a:lstStyle/>
+          <a:p>
+            <a:r>
+              <a:rPr lang="en-US" dirty="0"/>
+              <a:t>Voltage Calculation</a:t>
+            </a:r>
+          </a:p>
+        </p:txBody>
+      </p:sp>
+      <p:sp>
+        <p:nvSpPr>
+          <p:cNvPr id="3" name="Content Placeholder 2">
+            <a:extLst>
+              <a:ext uri="{FF2B5EF4-FFF2-40B4-BE49-F238E27FC236}">
+                <a16:creationId xmlns:a16="http://schemas.microsoft.com/office/drawing/2014/main" id="{19726855-AC17-48CE-8905-80670C363385}"/>
+              </a:ext>
+            </a:extLst>
+          </p:cNvPr>
+          <p:cNvSpPr>
+            <a:spLocks noGrp="1"/>
+          </p:cNvSpPr>
+          <p:nvPr>
+            <p:ph idx="1"/>
+          </p:nvPr>
+        </p:nvSpPr>
+        <p:spPr>
+          <a:xfrm>
+            <a:off x="609599" y="1719263"/>
+            <a:ext cx="11039061" cy="4602024"/>
+          </a:xfrm>
+        </p:spPr>
+        <p:txBody>
+          <a:bodyPr/>
+          <a:lstStyle/>
+          <a:p>
+            <a:r>
+              <a:rPr lang="en-US" dirty="0"/>
+              <a:t>Two variations, depending on ADC:</a:t>
+            </a:r>
+          </a:p>
+          <a:p>
+            <a:r>
+              <a:rPr lang="en-US" dirty="0"/>
+              <a:t>ADC value at full-scale voltage = 2n</a:t>
+            </a:r>
+          </a:p>
+          <a:p>
+            <a:endParaRPr lang="en-US" dirty="0"/>
+          </a:p>
+          <a:p>
+            <a:endParaRPr lang="en-US" dirty="0"/>
+          </a:p>
+          <a:p>
+            <a:pPr marL="0" indent="0">
+              <a:buNone/>
+            </a:pPr>
+            <a:endParaRPr lang="en-US" dirty="0"/>
+          </a:p>
+          <a:p>
+            <a:r>
+              <a:rPr lang="en-US" dirty="0"/>
+              <a:t>ADC value at a full-scale voltage = 2n – 1</a:t>
+            </a:r>
+          </a:p>
+          <a:p>
+            <a:pPr marL="0" indent="0">
+              <a:buNone/>
+            </a:pPr>
+            <a:endParaRPr lang="en-US" dirty="0"/>
+          </a:p>
+          <a:p>
+            <a:endParaRPr lang="en-US" dirty="0"/>
+          </a:p>
+          <a:p>
+            <a:endParaRPr lang="en-US" dirty="0"/>
+          </a:p>
+          <a:p>
+            <a:endParaRPr lang="en-US" dirty="0"/>
+          </a:p>
+        </p:txBody>
+      </p:sp>
+      <p:pic>
+        <p:nvPicPr>
+          <p:cNvPr id="11" name="Picture 10">
+            <a:extLst>
+              <a:ext uri="{FF2B5EF4-FFF2-40B4-BE49-F238E27FC236}">
+                <a16:creationId xmlns:a16="http://schemas.microsoft.com/office/drawing/2014/main" id="{4BB515A4-91A1-445E-84DD-1A2658736A51}"/>
+              </a:ext>
+            </a:extLst>
+          </p:cNvPr>
+          <p:cNvPicPr>
+            <a:picLocks noChangeAspect="1"/>
+          </p:cNvPicPr>
+          <p:nvPr/>
+        </p:nvPicPr>
+        <p:blipFill>
+          <a:blip r:embed="rId2"/>
+          <a:stretch>
+            <a:fillRect/>
+          </a:stretch>
+        </p:blipFill>
+        <p:spPr>
+          <a:xfrm>
+            <a:off x="4381116" y="5138736"/>
+            <a:ext cx="3010320" cy="1047896"/>
+          </a:xfrm>
+          <a:prstGeom prst="rect">
+            <a:avLst/>
+          </a:prstGeom>
+        </p:spPr>
+      </p:pic>
+      <p:pic>
+        <p:nvPicPr>
+          <p:cNvPr id="13" name="Picture 12">
+            <a:extLst>
+              <a:ext uri="{FF2B5EF4-FFF2-40B4-BE49-F238E27FC236}">
+                <a16:creationId xmlns:a16="http://schemas.microsoft.com/office/drawing/2014/main" id="{E5312CEC-3369-42DD-BD99-5DA5750E9511}"/>
+              </a:ext>
+            </a:extLst>
+          </p:cNvPr>
+          <p:cNvPicPr>
+            <a:picLocks noChangeAspect="1"/>
+          </p:cNvPicPr>
+          <p:nvPr/>
+        </p:nvPicPr>
+        <p:blipFill>
+          <a:blip r:embed="rId3"/>
+          <a:stretch>
+            <a:fillRect/>
+          </a:stretch>
+        </p:blipFill>
+        <p:spPr>
+          <a:xfrm>
+            <a:off x="4381116" y="3017948"/>
+            <a:ext cx="2915057" cy="1124107"/>
+          </a:xfrm>
+          <a:prstGeom prst="rect">
+            <a:avLst/>
+          </a:prstGeom>
+        </p:spPr>
+      </p:pic>
+    </p:spTree>
+    <p:extLst>
+      <p:ext uri="{BB962C8B-B14F-4D97-AF65-F5344CB8AC3E}">
+        <p14:creationId xmlns:p14="http://schemas.microsoft.com/office/powerpoint/2010/main" val="214247460"/>
+      </p:ext>
+    </p:extLst>
+  </p:cSld>
+  <p:clrMapOvr>
+    <a:masterClrMapping/>
+  </p:clrMapOvr>
+</p:sld>
+</file>
+
+<file path=ppt/slides/slide15.xml><?xml version="1.0" encoding="utf-8"?>
+<p:sld xmlns:a="http://schemas.openxmlformats.org/drawingml/2006/main" xmlns:r="http://schemas.openxmlformats.org/officeDocument/2006/relationships" xmlns:p="http://schemas.openxmlformats.org/presentationml/2006/main">
+  <p:cSld>
+    <p:spTree>
+      <p:nvGrpSpPr>
+        <p:cNvPr id="1" name=""/>
+        <p:cNvGrpSpPr/>
+        <p:nvPr/>
+      </p:nvGrpSpPr>
+      <p:grpSpPr>
+        <a:xfrm>
+          <a:off x="0" y="0"/>
+          <a:ext cx="0" cy="0"/>
+          <a:chOff x="0" y="0"/>
+          <a:chExt cx="0" cy="0"/>
+        </a:xfrm>
+      </p:grpSpPr>
+      <p:sp>
+        <p:nvSpPr>
+          <p:cNvPr id="2" name="Title 1">
+            <a:extLst>
+              <a:ext uri="{FF2B5EF4-FFF2-40B4-BE49-F238E27FC236}">
+                <a16:creationId xmlns:a16="http://schemas.microsoft.com/office/drawing/2014/main" id="{34DDBE14-74FC-4253-80FE-383542DD0C6B}"/>
+              </a:ext>
+            </a:extLst>
+          </p:cNvPr>
+          <p:cNvSpPr>
+            <a:spLocks noGrp="1"/>
+          </p:cNvSpPr>
+          <p:nvPr>
+            <p:ph type="title"/>
+          </p:nvPr>
+        </p:nvSpPr>
+        <p:spPr/>
+        <p:txBody>
+          <a:bodyPr/>
+          <a:lstStyle/>
+          <a:p>
+            <a:r>
+              <a:rPr lang="en-US" dirty="0"/>
+              <a:t>Minimum Sampling Rate</a:t>
+            </a:r>
+          </a:p>
+        </p:txBody>
+      </p:sp>
+      <p:sp>
+        <p:nvSpPr>
+          <p:cNvPr id="3" name="Content Placeholder 2">
+            <a:extLst>
+              <a:ext uri="{FF2B5EF4-FFF2-40B4-BE49-F238E27FC236}">
+                <a16:creationId xmlns:a16="http://schemas.microsoft.com/office/drawing/2014/main" id="{56D24839-D0ED-4C2C-A92A-A4485425C5C1}"/>
+              </a:ext>
+            </a:extLst>
+          </p:cNvPr>
+          <p:cNvSpPr>
+            <a:spLocks noGrp="1"/>
+          </p:cNvSpPr>
+          <p:nvPr>
+            <p:ph idx="1"/>
+          </p:nvPr>
+        </p:nvSpPr>
+        <p:spPr/>
+        <p:txBody>
+          <a:bodyPr/>
+          <a:lstStyle/>
+          <a:p>
+            <a:r>
+              <a:rPr lang="en-US" dirty="0"/>
+              <a:t>Nyquist Theorem:</a:t>
+            </a:r>
+          </a:p>
+          <a:p>
+            <a:endParaRPr lang="en-US" dirty="0"/>
+          </a:p>
+          <a:p>
+            <a:pPr marL="0" indent="0">
+              <a:buNone/>
+            </a:pPr>
+            <a:endParaRPr lang="en-US" dirty="0"/>
+          </a:p>
+          <a:p>
+            <a:pPr marL="0" indent="0">
+              <a:buNone/>
+            </a:pPr>
+            <a:endParaRPr lang="en-US" dirty="0"/>
+          </a:p>
+          <a:p>
+            <a:pPr marL="0" indent="0">
+              <a:buNone/>
+            </a:pPr>
+            <a:endParaRPr lang="en-US" dirty="0"/>
+          </a:p>
+          <a:p>
+            <a:pPr marL="0" indent="0">
+              <a:buNone/>
+            </a:pPr>
+            <a:endParaRPr lang="en-US" dirty="0"/>
+          </a:p>
+          <a:p>
+            <a:endParaRPr lang="en-US" dirty="0"/>
+          </a:p>
+          <a:p>
+            <a:r>
+              <a:rPr lang="en-US" dirty="0"/>
+              <a:t>Input signals must also be properly filtered to eliminate</a:t>
+            </a:r>
+          </a:p>
+          <a:p>
+            <a:pPr marL="0" indent="0">
+              <a:buNone/>
+            </a:pPr>
+            <a:r>
+              <a:rPr lang="en-US" dirty="0"/>
+              <a:t>unwanted high-frequency components</a:t>
+            </a:r>
+          </a:p>
+        </p:txBody>
+      </p:sp>
+      <p:pic>
+        <p:nvPicPr>
+          <p:cNvPr id="5" name="Picture 4">
+            <a:extLst>
+              <a:ext uri="{FF2B5EF4-FFF2-40B4-BE49-F238E27FC236}">
+                <a16:creationId xmlns:a16="http://schemas.microsoft.com/office/drawing/2014/main" id="{4EC7BD83-4504-424A-8FAD-64DDC1A365BA}"/>
+              </a:ext>
+            </a:extLst>
+          </p:cNvPr>
+          <p:cNvPicPr>
+            <a:picLocks noChangeAspect="1"/>
+          </p:cNvPicPr>
+          <p:nvPr/>
+        </p:nvPicPr>
+        <p:blipFill>
+          <a:blip r:embed="rId2"/>
+          <a:stretch>
+            <a:fillRect/>
+          </a:stretch>
+        </p:blipFill>
+        <p:spPr>
+          <a:xfrm>
+            <a:off x="2688626" y="2478932"/>
+            <a:ext cx="6277851" cy="2705478"/>
+          </a:xfrm>
+          <a:prstGeom prst="rect">
+            <a:avLst/>
+          </a:prstGeom>
+        </p:spPr>
+      </p:pic>
+    </p:spTree>
+    <p:extLst>
+      <p:ext uri="{BB962C8B-B14F-4D97-AF65-F5344CB8AC3E}">
+        <p14:creationId xmlns:p14="http://schemas.microsoft.com/office/powerpoint/2010/main" val="3784549496"/>
+      </p:ext>
+    </p:extLst>
+  </p:cSld>
+  <p:clrMapOvr>
+    <a:masterClrMapping/>
+  </p:clrMapOvr>
+</p:sld>
+</file>
+
+<file path=ppt/slides/slide16.xml><?xml version="1.0" encoding="utf-8"?>
+<p:sld xmlns:a="http://schemas.openxmlformats.org/drawingml/2006/main" xmlns:r="http://schemas.openxmlformats.org/officeDocument/2006/relationships" xmlns:p="http://schemas.openxmlformats.org/presentationml/2006/main">
+  <p:cSld>
+    <p:spTree>
+      <p:nvGrpSpPr>
+        <p:cNvPr id="1" name=""/>
+        <p:cNvGrpSpPr/>
+        <p:nvPr/>
+      </p:nvGrpSpPr>
+      <p:grpSpPr>
+        <a:xfrm>
+          <a:off x="0" y="0"/>
+          <a:ext cx="0" cy="0"/>
+          <a:chOff x="0" y="0"/>
+          <a:chExt cx="0" cy="0"/>
+        </a:xfrm>
+      </p:grpSpPr>
+      <p:sp>
+        <p:nvSpPr>
+          <p:cNvPr id="2" name="Title 1">
+            <a:extLst>
+              <a:ext uri="{FF2B5EF4-FFF2-40B4-BE49-F238E27FC236}">
+                <a16:creationId xmlns:a16="http://schemas.microsoft.com/office/drawing/2014/main" id="{E3D397B3-5836-4575-8780-FB2755D5CC5A}"/>
+              </a:ext>
+            </a:extLst>
+          </p:cNvPr>
+          <p:cNvSpPr>
+            <a:spLocks noGrp="1"/>
+          </p:cNvSpPr>
+          <p:nvPr>
+            <p:ph type="title"/>
+          </p:nvPr>
+        </p:nvSpPr>
+        <p:spPr/>
+        <p:txBody>
+          <a:bodyPr/>
+          <a:lstStyle/>
+          <a:p>
+            <a:r>
+              <a:rPr lang="en-US" dirty="0"/>
+              <a:t>STM32F4x’s Analog Components</a:t>
+            </a:r>
+          </a:p>
+        </p:txBody>
+      </p:sp>
+      <p:sp>
+        <p:nvSpPr>
+          <p:cNvPr id="3" name="Content Placeholder 2">
+            <a:extLst>
+              <a:ext uri="{FF2B5EF4-FFF2-40B4-BE49-F238E27FC236}">
+                <a16:creationId xmlns:a16="http://schemas.microsoft.com/office/drawing/2014/main" id="{84C5C666-80B3-4DD1-8A8F-15B5680A927D}"/>
+              </a:ext>
+            </a:extLst>
+          </p:cNvPr>
+          <p:cNvSpPr>
+            <a:spLocks noGrp="1"/>
+          </p:cNvSpPr>
+          <p:nvPr>
+            <p:ph idx="1"/>
+          </p:nvPr>
+        </p:nvSpPr>
+        <p:spPr>
+          <a:xfrm>
+            <a:off x="609600" y="1719262"/>
+            <a:ext cx="10893287" cy="4668285"/>
+          </a:xfrm>
+        </p:spPr>
+        <p:txBody>
+          <a:bodyPr/>
+          <a:lstStyle/>
+          <a:p>
+            <a:r>
+              <a:rPr lang="en-US" dirty="0"/>
+              <a:t>1x 12-bit SAR ADC</a:t>
+            </a:r>
+          </a:p>
+          <a:p>
+            <a:pPr lvl="1"/>
+            <a:r>
+              <a:rPr lang="en-US" dirty="0"/>
+              <a:t>5.33 </a:t>
+            </a:r>
+            <a:r>
+              <a:rPr lang="en-US" dirty="0" err="1"/>
+              <a:t>Msps</a:t>
+            </a:r>
+            <a:r>
+              <a:rPr lang="en-US" dirty="0"/>
+              <a:t> max conversion rate with full resolution</a:t>
+            </a:r>
+          </a:p>
+          <a:p>
+            <a:pPr lvl="1"/>
+            <a:r>
+              <a:rPr lang="en-US" dirty="0"/>
+              <a:t>Up to 10 external channels and 4 internal channels</a:t>
+            </a:r>
+          </a:p>
+          <a:p>
+            <a:pPr lvl="1"/>
+            <a:r>
+              <a:rPr lang="en-US" dirty="0"/>
+              <a:t> Analog watchdog</a:t>
+            </a:r>
+          </a:p>
+          <a:p>
+            <a:pPr lvl="1"/>
+            <a:r>
+              <a:rPr lang="en-US" dirty="0"/>
+              <a:t>Single-ended and differential mode inputs</a:t>
+            </a:r>
+          </a:p>
+          <a:p>
+            <a:pPr lvl="1"/>
+            <a:r>
+              <a:rPr lang="en-US" dirty="0"/>
+              <a:t>Dual clock domain architecture</a:t>
+            </a:r>
+          </a:p>
+          <a:p>
+            <a:r>
+              <a:rPr lang="en-US" dirty="0"/>
+              <a:t>2x DAC</a:t>
+            </a:r>
+          </a:p>
+        </p:txBody>
+      </p:sp>
+    </p:spTree>
+    <p:extLst>
+      <p:ext uri="{BB962C8B-B14F-4D97-AF65-F5344CB8AC3E}">
+        <p14:creationId xmlns:p14="http://schemas.microsoft.com/office/powerpoint/2010/main" val="843520126"/>
+      </p:ext>
+    </p:extLst>
+  </p:cSld>
+  <p:clrMapOvr>
+    <a:masterClrMapping/>
+  </p:clrMapOvr>
+</p:sld>
+</file>
+
+<file path=ppt/slides/slide17.xml><?xml version="1.0" encoding="utf-8"?>
+<p:sld xmlns:a="http://schemas.openxmlformats.org/drawingml/2006/main" xmlns:r="http://schemas.openxmlformats.org/officeDocument/2006/relationships" xmlns:p="http://schemas.openxmlformats.org/presentationml/2006/main">
+  <p:cSld>
+    <p:spTree>
+      <p:nvGrpSpPr>
+        <p:cNvPr id="1" name=""/>
+        <p:cNvGrpSpPr/>
+        <p:nvPr/>
+      </p:nvGrpSpPr>
+      <p:grpSpPr>
+        <a:xfrm>
+          <a:off x="0" y="0"/>
+          <a:ext cx="0" cy="0"/>
+          <a:chOff x="0" y="0"/>
+          <a:chExt cx="0" cy="0"/>
+        </a:xfrm>
+      </p:grpSpPr>
+      <p:sp>
+        <p:nvSpPr>
+          <p:cNvPr id="2" name="Title 1">
+            <a:extLst>
+              <a:ext uri="{FF2B5EF4-FFF2-40B4-BE49-F238E27FC236}">
+                <a16:creationId xmlns:a16="http://schemas.microsoft.com/office/drawing/2014/main" id="{2991C1FB-5E50-49C2-BFEB-E9E41FB2BEDD}"/>
+              </a:ext>
+            </a:extLst>
+          </p:cNvPr>
+          <p:cNvSpPr>
+            <a:spLocks noGrp="1"/>
+          </p:cNvSpPr>
+          <p:nvPr>
+            <p:ph type="title"/>
+          </p:nvPr>
+        </p:nvSpPr>
+        <p:spPr/>
+        <p:txBody>
+          <a:bodyPr/>
+          <a:lstStyle/>
+          <a:p>
+            <a:r>
+              <a:rPr lang="en-US" dirty="0"/>
+              <a:t>Analog Input Sources</a:t>
+            </a:r>
+          </a:p>
+        </p:txBody>
+      </p:sp>
+      <p:pic>
+        <p:nvPicPr>
+          <p:cNvPr id="5" name="Content Placeholder 4">
+            <a:extLst>
+              <a:ext uri="{FF2B5EF4-FFF2-40B4-BE49-F238E27FC236}">
+                <a16:creationId xmlns:a16="http://schemas.microsoft.com/office/drawing/2014/main" id="{EB49FFB6-4805-4161-B718-65D802E7A6F6}"/>
+              </a:ext>
+            </a:extLst>
+          </p:cNvPr>
+          <p:cNvPicPr>
+            <a:picLocks noGrp="1" noChangeAspect="1"/>
+          </p:cNvPicPr>
+          <p:nvPr>
+            <p:ph idx="1"/>
+          </p:nvPr>
+        </p:nvPicPr>
+        <p:blipFill>
+          <a:blip r:embed="rId2"/>
+          <a:stretch>
+            <a:fillRect/>
+          </a:stretch>
+        </p:blipFill>
+        <p:spPr>
+          <a:xfrm>
+            <a:off x="1532825" y="1508697"/>
+            <a:ext cx="8234027" cy="4700396"/>
+          </a:xfrm>
+        </p:spPr>
+      </p:pic>
+    </p:spTree>
+    <p:extLst>
+      <p:ext uri="{BB962C8B-B14F-4D97-AF65-F5344CB8AC3E}">
+        <p14:creationId xmlns:p14="http://schemas.microsoft.com/office/powerpoint/2010/main" val="3746462566"/>
+      </p:ext>
+    </p:extLst>
+  </p:cSld>
+  <p:clrMapOvr>
+    <a:masterClrMapping/>
+  </p:clrMapOvr>
+</p:sld>
+</file>
+
+<file path=ppt/slides/slide18.xml><?xml version="1.0" encoding="utf-8"?>
+<p:sld xmlns:a="http://schemas.openxmlformats.org/drawingml/2006/main" xmlns:r="http://schemas.openxmlformats.org/officeDocument/2006/relationships" xmlns:p="http://schemas.openxmlformats.org/presentationml/2006/main">
+  <p:cSld>
+    <p:spTree>
+      <p:nvGrpSpPr>
+        <p:cNvPr id="1" name=""/>
+        <p:cNvGrpSpPr/>
+        <p:nvPr/>
+      </p:nvGrpSpPr>
+      <p:grpSpPr>
+        <a:xfrm>
+          <a:off x="0" y="0"/>
+          <a:ext cx="0" cy="0"/>
+          <a:chOff x="0" y="0"/>
+          <a:chExt cx="0" cy="0"/>
+        </a:xfrm>
+      </p:grpSpPr>
+      <p:sp>
+        <p:nvSpPr>
+          <p:cNvPr id="2" name="Title 1">
+            <a:extLst>
+              <a:ext uri="{FF2B5EF4-FFF2-40B4-BE49-F238E27FC236}">
+                <a16:creationId xmlns:a16="http://schemas.microsoft.com/office/drawing/2014/main" id="{F996EB06-1AEF-452A-A515-39A77C2B5F5E}"/>
+              </a:ext>
+            </a:extLst>
+          </p:cNvPr>
+          <p:cNvSpPr>
+            <a:spLocks noGrp="1"/>
+          </p:cNvSpPr>
+          <p:nvPr>
+            <p:ph type="title"/>
+          </p:nvPr>
+        </p:nvSpPr>
+        <p:spPr/>
+        <p:txBody>
+          <a:bodyPr/>
+          <a:lstStyle/>
+          <a:p>
+            <a:r>
+              <a:rPr lang="en-US" dirty="0"/>
+              <a:t>ADC Clock Sources</a:t>
+            </a:r>
+          </a:p>
+        </p:txBody>
+      </p:sp>
+      <p:sp>
+        <p:nvSpPr>
+          <p:cNvPr id="3" name="Content Placeholder 2">
+            <a:extLst>
+              <a:ext uri="{FF2B5EF4-FFF2-40B4-BE49-F238E27FC236}">
+                <a16:creationId xmlns:a16="http://schemas.microsoft.com/office/drawing/2014/main" id="{A360DEF3-53E3-400B-B7F4-432E74BCF69B}"/>
+              </a:ext>
+            </a:extLst>
+          </p:cNvPr>
+          <p:cNvSpPr>
+            <a:spLocks noGrp="1"/>
+          </p:cNvSpPr>
+          <p:nvPr>
+            <p:ph idx="1"/>
+          </p:nvPr>
+        </p:nvSpPr>
+        <p:spPr/>
+        <p:txBody>
+          <a:bodyPr/>
+          <a:lstStyle/>
+          <a:p>
+            <a:r>
+              <a:rPr lang="en-US" dirty="0"/>
+              <a:t>Selectable from two clock domains</a:t>
+            </a:r>
+          </a:p>
+          <a:p>
+            <a:pPr marL="0" indent="0">
+              <a:buNone/>
+            </a:pPr>
+            <a:endParaRPr lang="en-US" dirty="0"/>
+          </a:p>
+        </p:txBody>
+      </p:sp>
+      <p:pic>
+        <p:nvPicPr>
+          <p:cNvPr id="5" name="Picture 4">
+            <a:extLst>
+              <a:ext uri="{FF2B5EF4-FFF2-40B4-BE49-F238E27FC236}">
+                <a16:creationId xmlns:a16="http://schemas.microsoft.com/office/drawing/2014/main" id="{1B06694A-4E6A-4393-BAC3-16823083314E}"/>
+              </a:ext>
+            </a:extLst>
+          </p:cNvPr>
+          <p:cNvPicPr>
+            <a:picLocks noChangeAspect="1"/>
+          </p:cNvPicPr>
+          <p:nvPr/>
+        </p:nvPicPr>
+        <p:blipFill>
+          <a:blip r:embed="rId2"/>
+          <a:stretch>
+            <a:fillRect/>
+          </a:stretch>
+        </p:blipFill>
+        <p:spPr>
+          <a:xfrm>
+            <a:off x="1580034" y="2332849"/>
+            <a:ext cx="8690401" cy="4269379"/>
+          </a:xfrm>
+          <a:prstGeom prst="rect">
+            <a:avLst/>
+          </a:prstGeom>
+        </p:spPr>
+      </p:pic>
+    </p:spTree>
+    <p:extLst>
+      <p:ext uri="{BB962C8B-B14F-4D97-AF65-F5344CB8AC3E}">
+        <p14:creationId xmlns:p14="http://schemas.microsoft.com/office/powerpoint/2010/main" val="2190215519"/>
+      </p:ext>
+    </p:extLst>
+  </p:cSld>
+  <p:clrMapOvr>
+    <a:masterClrMapping/>
+  </p:clrMapOvr>
+</p:sld>
+</file>
+
+<file path=ppt/slides/slide19.xml><?xml version="1.0" encoding="utf-8"?>
 <p:sld xmlns:a="http://schemas.openxmlformats.org/drawingml/2006/main" xmlns:r="http://schemas.openxmlformats.org/officeDocument/2006/relationships" xmlns:p="http://schemas.openxmlformats.org/presentationml/2006/main">
   <p:cSld>
     <p:spTree>
@@ -18185,7 +14787,12 @@
             <p:ph idx="1"/>
           </p:nvPr>
         </p:nvSpPr>
-        <p:spPr/>
+        <p:spPr>
+          <a:xfrm>
+            <a:off x="609600" y="1719262"/>
+            <a:ext cx="11264348" cy="4708041"/>
+          </a:xfrm>
+        </p:spPr>
         <p:txBody>
           <a:bodyPr/>
           <a:lstStyle/>
@@ -18259,7 +14866,106 @@
 </p:sld>
 </file>
 
-<file path=ppt/slides/slide21.xml><?xml version="1.0" encoding="utf-8"?>
+<file path=ppt/slides/slide2.xml><?xml version="1.0" encoding="utf-8"?>
+<p:sld xmlns:a="http://schemas.openxmlformats.org/drawingml/2006/main" xmlns:r="http://schemas.openxmlformats.org/officeDocument/2006/relationships" xmlns:p="http://schemas.openxmlformats.org/presentationml/2006/main">
+  <p:cSld>
+    <p:spTree>
+      <p:nvGrpSpPr>
+        <p:cNvPr id="1" name=""/>
+        <p:cNvGrpSpPr/>
+        <p:nvPr/>
+      </p:nvGrpSpPr>
+      <p:grpSpPr>
+        <a:xfrm>
+          <a:off x="0" y="0"/>
+          <a:ext cx="0" cy="0"/>
+          <a:chOff x="0" y="0"/>
+          <a:chExt cx="0" cy="0"/>
+        </a:xfrm>
+      </p:grpSpPr>
+      <p:sp>
+        <p:nvSpPr>
+          <p:cNvPr id="8194" name="Rectangle 2">
+            <a:extLst>
+              <a:ext uri="{FF2B5EF4-FFF2-40B4-BE49-F238E27FC236}">
+                <a16:creationId xmlns:a16="http://schemas.microsoft.com/office/drawing/2014/main" id="{DA5D2A22-4C4D-4048-93C6-F66F19CD3AD9}"/>
+              </a:ext>
+            </a:extLst>
+          </p:cNvPr>
+          <p:cNvSpPr>
+            <a:spLocks noGrp="1" noChangeArrowheads="1"/>
+          </p:cNvSpPr>
+          <p:nvPr>
+            <p:ph type="title"/>
+          </p:nvPr>
+        </p:nvSpPr>
+        <p:spPr/>
+        <p:txBody>
+          <a:bodyPr/>
+          <a:lstStyle/>
+          <a:p>
+            <a:r>
+              <a:rPr lang="en-US" altLang="en-US"/>
+              <a:t>Agenda</a:t>
+            </a:r>
+          </a:p>
+        </p:txBody>
+      </p:sp>
+      <p:sp>
+        <p:nvSpPr>
+          <p:cNvPr id="8195" name="Rectangle 3">
+            <a:extLst>
+              <a:ext uri="{FF2B5EF4-FFF2-40B4-BE49-F238E27FC236}">
+                <a16:creationId xmlns:a16="http://schemas.microsoft.com/office/drawing/2014/main" id="{32C86834-99CE-4CE7-8B9A-F116348E404B}"/>
+              </a:ext>
+            </a:extLst>
+          </p:cNvPr>
+          <p:cNvSpPr>
+            <a:spLocks noGrp="1" noChangeArrowheads="1"/>
+          </p:cNvSpPr>
+          <p:nvPr>
+            <p:ph type="body" idx="1"/>
+          </p:nvPr>
+        </p:nvSpPr>
+        <p:spPr>
+          <a:xfrm>
+            <a:off x="609600" y="1752601"/>
+            <a:ext cx="9753600" cy="4411663"/>
+          </a:xfrm>
+        </p:spPr>
+        <p:txBody>
+          <a:bodyPr/>
+          <a:lstStyle/>
+          <a:p>
+            <a:r>
+              <a:rPr lang="en-US" altLang="en-US" dirty="0"/>
+              <a:t>ADC introduction</a:t>
+            </a:r>
+          </a:p>
+          <a:p>
+            <a:r>
+              <a:rPr lang="en-US" dirty="0"/>
+              <a:t>ADC Techniques</a:t>
+            </a:r>
+            <a:endParaRPr lang="en-US" altLang="en-US" dirty="0"/>
+          </a:p>
+          <a:p>
+            <a:r>
+              <a:rPr lang="en-US" altLang="en-US" dirty="0"/>
+              <a:t>STM32F4 ADC</a:t>
+            </a:r>
+          </a:p>
+        </p:txBody>
+      </p:sp>
+    </p:spTree>
+  </p:cSld>
+  <p:clrMapOvr>
+    <a:masterClrMapping/>
+  </p:clrMapOvr>
+</p:sld>
+</file>
+
+<file path=ppt/slides/slide20.xml><?xml version="1.0" encoding="utf-8"?>
 <p:sld xmlns:a="http://schemas.openxmlformats.org/drawingml/2006/main" xmlns:r="http://schemas.openxmlformats.org/officeDocument/2006/relationships" xmlns:p="http://schemas.openxmlformats.org/presentationml/2006/main">
   <p:cSld>
     <p:spTree>
@@ -18328,8 +15034,8 @@
         </p:blipFill>
         <p:spPr>
           <a:xfrm>
-            <a:off x="2028607" y="1786005"/>
-            <a:ext cx="7497221" cy="4143953"/>
+            <a:off x="1604537" y="1640231"/>
+            <a:ext cx="8639393" cy="4775268"/>
           </a:xfrm>
         </p:spPr>
       </p:pic>
@@ -18346,7 +15052,7 @@
 </p:sld>
 </file>
 
-<file path=ppt/slides/slide22.xml><?xml version="1.0" encoding="utf-8"?>
+<file path=ppt/slides/slide21.xml><?xml version="1.0" encoding="utf-8"?>
 <p:sld xmlns:a="http://schemas.openxmlformats.org/drawingml/2006/main" xmlns:r="http://schemas.openxmlformats.org/officeDocument/2006/relationships" xmlns:p="http://schemas.openxmlformats.org/presentationml/2006/main">
   <p:cSld>
     <p:spTree>
@@ -18415,8 +15121,8 @@
         </p:blipFill>
         <p:spPr>
           <a:xfrm>
-            <a:off x="2699863" y="1772143"/>
-            <a:ext cx="6792273" cy="4305901"/>
+            <a:off x="1719202" y="1427587"/>
+            <a:ext cx="8378954" cy="5311763"/>
           </a:xfrm>
         </p:spPr>
       </p:pic>
@@ -18433,7 +15139,7 @@
 </p:sld>
 </file>
 
-<file path=ppt/slides/slide3.xml><?xml version="1.0" encoding="utf-8"?>
+<file path=ppt/slides/slide22.xml><?xml version="1.0" encoding="utf-8"?>
 <p:sld xmlns:a="http://schemas.openxmlformats.org/drawingml/2006/main" xmlns:r="http://schemas.openxmlformats.org/officeDocument/2006/relationships" xmlns:p="http://schemas.openxmlformats.org/presentationml/2006/main">
   <p:cSld>
     <p:spTree>
@@ -18452,15 +15158,15 @@
       </p:grpSpPr>
       <p:sp>
         <p:nvSpPr>
-          <p:cNvPr id="8194" name="Rectangle 2">
+          <p:cNvPr id="2" name="Title 1">
             <a:extLst>
               <a:ext uri="{FF2B5EF4-FFF2-40B4-BE49-F238E27FC236}">
-                <a16:creationId xmlns:a16="http://schemas.microsoft.com/office/drawing/2014/main" id="{DA5D2A22-4C4D-4048-93C6-F66F19CD3AD9}"/>
+                <a16:creationId xmlns:a16="http://schemas.microsoft.com/office/drawing/2014/main" id="{F19B220C-A065-4737-864C-66F61483E4E6}"/>
               </a:ext>
             </a:extLst>
           </p:cNvPr>
           <p:cNvSpPr>
-            <a:spLocks noGrp="1" noChangeArrowheads="1"/>
+            <a:spLocks noGrp="1"/>
           </p:cNvSpPr>
           <p:nvPr>
             <p:ph type="title"/>
@@ -18471,67 +15177,45 @@
           <a:bodyPr/>
           <a:lstStyle/>
           <a:p>
+            <a:pPr algn="ctr"/>
             <a:r>
-              <a:rPr lang="en-US" altLang="en-US"/>
-              <a:t>Agenda</a:t>
+              <a:rPr lang="en-US" dirty="0"/>
+              <a:t>Q&amp;A</a:t>
             </a:r>
           </a:p>
         </p:txBody>
       </p:sp>
       <p:sp>
         <p:nvSpPr>
-          <p:cNvPr id="8195" name="Rectangle 3">
+          <p:cNvPr id="3" name="Text Placeholder 2">
             <a:extLst>
               <a:ext uri="{FF2B5EF4-FFF2-40B4-BE49-F238E27FC236}">
-                <a16:creationId xmlns:a16="http://schemas.microsoft.com/office/drawing/2014/main" id="{32C86834-99CE-4CE7-8B9A-F116348E404B}"/>
+                <a16:creationId xmlns:a16="http://schemas.microsoft.com/office/drawing/2014/main" id="{C7266917-A576-476A-8EAC-6410568BFFB5}"/>
               </a:ext>
             </a:extLst>
           </p:cNvPr>
           <p:cNvSpPr>
-            <a:spLocks noGrp="1" noChangeArrowheads="1"/>
+            <a:spLocks noGrp="1"/>
           </p:cNvSpPr>
           <p:nvPr>
             <p:ph type="body" idx="1"/>
           </p:nvPr>
         </p:nvSpPr>
-        <p:spPr>
-          <a:xfrm>
-            <a:off x="609600" y="1752601"/>
-            <a:ext cx="9753600" cy="4411663"/>
-          </a:xfrm>
-        </p:spPr>
+        <p:spPr/>
         <p:txBody>
           <a:bodyPr/>
           <a:lstStyle/>
           <a:p>
-            <a:r>
-              <a:rPr lang="en-US" altLang="en-US" dirty="0"/>
-              <a:t>Code Editor</a:t>
-            </a:r>
-          </a:p>
-          <a:p>
-            <a:r>
-              <a:rPr lang="en-US" altLang="en-US" dirty="0" err="1"/>
-              <a:t>CubeIDE</a:t>
-            </a:r>
-            <a:r>
-              <a:rPr lang="en-US" altLang="en-US" dirty="0"/>
-              <a:t> setup</a:t>
-            </a:r>
-          </a:p>
-          <a:p>
-            <a:r>
-              <a:rPr lang="en-US" altLang="en-US" dirty="0" err="1"/>
-              <a:t>CubeIDE</a:t>
-            </a:r>
-            <a:r>
-              <a:rPr lang="en-US" altLang="en-US" dirty="0"/>
-              <a:t> instruction</a:t>
-            </a:r>
+            <a:endParaRPr lang="en-US" dirty="0"/>
           </a:p>
         </p:txBody>
       </p:sp>
     </p:spTree>
+    <p:extLst>
+      <p:ext uri="{BB962C8B-B14F-4D97-AF65-F5344CB8AC3E}">
+        <p14:creationId xmlns:p14="http://schemas.microsoft.com/office/powerpoint/2010/main" val="2578740745"/>
+      </p:ext>
+    </p:extLst>
   </p:cSld>
   <p:clrMapOvr>
     <a:masterClrMapping/>
@@ -18539,7 +15223,7 @@
 </p:sld>
 </file>
 
-<file path=ppt/slides/slide4.xml><?xml version="1.0" encoding="utf-8"?>
+<file path=ppt/slides/slide3.xml><?xml version="1.0" encoding="utf-8"?>
 <p:sld xmlns:a="http://schemas.openxmlformats.org/drawingml/2006/main" xmlns:r="http://schemas.openxmlformats.org/officeDocument/2006/relationships" xmlns:p="http://schemas.openxmlformats.org/presentationml/2006/main">
   <p:cSld>
     <p:spTree>
@@ -18602,8 +15286,8 @@
         </p:nvSpPr>
         <p:spPr>
           <a:xfrm>
-            <a:off x="609600" y="1719263"/>
-            <a:ext cx="5254305" cy="4396311"/>
+            <a:off x="424069" y="1825281"/>
+            <a:ext cx="6944139" cy="4396311"/>
           </a:xfrm>
         </p:spPr>
         <p:txBody>
@@ -18689,8 +15373,8 @@
         </p:blipFill>
         <p:spPr>
           <a:xfrm>
-            <a:off x="5638800" y="1895999"/>
-            <a:ext cx="6048375" cy="4219575"/>
+            <a:off x="7129670" y="2364633"/>
+            <a:ext cx="4755483" cy="3317605"/>
           </a:xfrm>
           <a:prstGeom prst="rect">
             <a:avLst/>
@@ -18710,7 +15394,7 @@
 </p:sld>
 </file>
 
-<file path=ppt/slides/slide5.xml><?xml version="1.0" encoding="utf-8"?>
+<file path=ppt/slides/slide4.xml><?xml version="1.0" encoding="utf-8"?>
 <p:sld xmlns:a="http://schemas.openxmlformats.org/drawingml/2006/main" xmlns:r="http://schemas.openxmlformats.org/officeDocument/2006/relationships" xmlns:p="http://schemas.openxmlformats.org/presentationml/2006/main">
   <p:cSld>
     <p:spTree>
@@ -18877,7 +15561,7 @@
 </p:sld>
 </file>
 
-<file path=ppt/slides/slide6.xml><?xml version="1.0" encoding="utf-8"?>
+<file path=ppt/slides/slide5.xml><?xml version="1.0" encoding="utf-8"?>
 <p:sld xmlns:a="http://schemas.openxmlformats.org/drawingml/2006/main" xmlns:r="http://schemas.openxmlformats.org/officeDocument/2006/relationships" xmlns:p="http://schemas.openxmlformats.org/presentationml/2006/main">
   <p:cSld>
     <p:spTree>
@@ -18989,8 +15673,8 @@
         </p:blipFill>
         <p:spPr>
           <a:xfrm>
-            <a:off x="6297598" y="1838325"/>
-            <a:ext cx="5200650" cy="1590675"/>
+            <a:off x="6187026" y="1719263"/>
+            <a:ext cx="5589919" cy="1709737"/>
           </a:xfrm>
           <a:prstGeom prst="rect">
             <a:avLst/>
@@ -19019,8 +15703,8 @@
         </p:blipFill>
         <p:spPr>
           <a:xfrm>
-            <a:off x="7378046" y="3812141"/>
-            <a:ext cx="2905530" cy="2505425"/>
+            <a:off x="7205766" y="3511037"/>
+            <a:ext cx="3621259" cy="3122595"/>
           </a:xfrm>
           <a:prstGeom prst="rect">
             <a:avLst/>
@@ -19040,7 +15724,7 @@
 </p:sld>
 </file>
 
-<file path=ppt/slides/slide7.xml><?xml version="1.0" encoding="utf-8"?>
+<file path=ppt/slides/slide6.xml><?xml version="1.0" encoding="utf-8"?>
 <p:sld xmlns:a="http://schemas.openxmlformats.org/drawingml/2006/main" xmlns:r="http://schemas.openxmlformats.org/officeDocument/2006/relationships" xmlns:p="http://schemas.openxmlformats.org/presentationml/2006/main">
   <p:cSld>
     <p:spTree>
@@ -19101,7 +15785,12 @@
             <p:ph idx="1"/>
           </p:nvPr>
         </p:nvSpPr>
-        <p:spPr/>
+        <p:spPr>
+          <a:xfrm>
+            <a:off x="516835" y="1851785"/>
+            <a:ext cx="11158330" cy="4411662"/>
+          </a:xfrm>
+        </p:spPr>
         <p:txBody>
           <a:bodyPr/>
           <a:lstStyle/>
@@ -19144,8 +15833,8 @@
         </p:blipFill>
         <p:spPr>
           <a:xfrm>
-            <a:off x="2177548" y="2886795"/>
-            <a:ext cx="7602011" cy="2829320"/>
+            <a:off x="1461930" y="3045821"/>
+            <a:ext cx="9072620" cy="3376652"/>
           </a:xfrm>
           <a:prstGeom prst="rect">
             <a:avLst/>
@@ -19165,7 +15854,7 @@
 </p:sld>
 </file>
 
-<file path=ppt/slides/slide8.xml><?xml version="1.0" encoding="utf-8"?>
+<file path=ppt/slides/slide7.xml><?xml version="1.0" encoding="utf-8"?>
 <p:sld xmlns:a="http://schemas.openxmlformats.org/drawingml/2006/main" xmlns:r="http://schemas.openxmlformats.org/officeDocument/2006/relationships" xmlns:p="http://schemas.openxmlformats.org/presentationml/2006/main">
   <p:cSld>
     <p:spTree>
@@ -19274,8 +15963,8 @@
         </p:blipFill>
         <p:spPr>
           <a:xfrm>
-            <a:off x="2314543" y="2510933"/>
-            <a:ext cx="7344800" cy="3715268"/>
+            <a:off x="2137932" y="2444672"/>
+            <a:ext cx="7916135" cy="4004270"/>
           </a:xfrm>
           <a:prstGeom prst="rect">
             <a:avLst/>
@@ -19295,7 +15984,7 @@
 </p:sld>
 </file>
 
-<file path=ppt/slides/slide9.xml><?xml version="1.0" encoding="utf-8"?>
+<file path=ppt/slides/slide8.xml><?xml version="1.0" encoding="utf-8"?>
 <p:sld xmlns:a="http://schemas.openxmlformats.org/drawingml/2006/main" xmlns:r="http://schemas.openxmlformats.org/officeDocument/2006/relationships" xmlns:p="http://schemas.openxmlformats.org/presentationml/2006/main">
   <p:cSld>
     <p:spTree>
@@ -19393,302 +16082,142 @@
 </p:sld>
 </file>
 
-<file path=ppt/theme/theme1.xml><?xml version="1.0" encoding="utf-8"?>
-<a:theme xmlns:a="http://schemas.openxmlformats.org/drawingml/2006/main" name="Office Theme">
-  <a:themeElements>
-    <a:clrScheme name="Office">
-      <a:dk1>
-        <a:sysClr val="windowText" lastClr="000000"/>
-      </a:dk1>
-      <a:lt1>
-        <a:sysClr val="window" lastClr="FFFFFF"/>
-      </a:lt1>
-      <a:dk2>
-        <a:srgbClr val="44546A"/>
-      </a:dk2>
-      <a:lt2>
-        <a:srgbClr val="E7E6E6"/>
-      </a:lt2>
-      <a:accent1>
-        <a:srgbClr val="4472C4"/>
-      </a:accent1>
-      <a:accent2>
-        <a:srgbClr val="ED7D31"/>
-      </a:accent2>
-      <a:accent3>
-        <a:srgbClr val="A5A5A5"/>
-      </a:accent3>
-      <a:accent4>
-        <a:srgbClr val="FFC000"/>
-      </a:accent4>
-      <a:accent5>
-        <a:srgbClr val="5B9BD5"/>
-      </a:accent5>
-      <a:accent6>
-        <a:srgbClr val="70AD47"/>
-      </a:accent6>
-      <a:hlink>
-        <a:srgbClr val="0563C1"/>
-      </a:hlink>
-      <a:folHlink>
-        <a:srgbClr val="954F72"/>
-      </a:folHlink>
-    </a:clrScheme>
-    <a:fontScheme name="Office">
-      <a:majorFont>
-        <a:latin typeface="Calibri Light" panose="020F0302020204030204"/>
-        <a:ea typeface=""/>
-        <a:cs typeface=""/>
-        <a:font script="Jpan" typeface="游ゴシック Light"/>
-        <a:font script="Hang" typeface="맑은 고딕"/>
-        <a:font script="Hans" typeface="等线 Light"/>
-        <a:font script="Hant" typeface="新細明體"/>
-        <a:font script="Arab" typeface="Times New Roman"/>
-        <a:font script="Hebr" typeface="Times New Roman"/>
-        <a:font script="Thai" typeface="Angsana New"/>
-        <a:font script="Ethi" typeface="Nyala"/>
-        <a:font script="Beng" typeface="Vrinda"/>
-        <a:font script="Gujr" typeface="Shruti"/>
-        <a:font script="Khmr" typeface="MoolBoran"/>
-        <a:font script="Knda" typeface="Tunga"/>
-        <a:font script="Guru" typeface="Raavi"/>
-        <a:font script="Cans" typeface="Euphemia"/>
-        <a:font script="Cher" typeface="Plantagenet Cherokee"/>
-        <a:font script="Yiii" typeface="Microsoft Yi Baiti"/>
-        <a:font script="Tibt" typeface="Microsoft Himalaya"/>
-        <a:font script="Thaa" typeface="MV Boli"/>
-        <a:font script="Deva" typeface="Mangal"/>
-        <a:font script="Telu" typeface="Gautami"/>
-        <a:font script="Taml" typeface="Latha"/>
-        <a:font script="Syrc" typeface="Estrangelo Edessa"/>
-        <a:font script="Orya" typeface="Kalinga"/>
-        <a:font script="Mlym" typeface="Kartika"/>
-        <a:font script="Laoo" typeface="DokChampa"/>
-        <a:font script="Sinh" typeface="Iskoola Pota"/>
-        <a:font script="Mong" typeface="Mongolian Baiti"/>
-        <a:font script="Viet" typeface="Times New Roman"/>
-        <a:font script="Uigh" typeface="Microsoft Uighur"/>
-        <a:font script="Geor" typeface="Sylfaen"/>
-        <a:font script="Armn" typeface="Arial"/>
-        <a:font script="Bugi" typeface="Leelawadee UI"/>
-        <a:font script="Bopo" typeface="Microsoft JhengHei"/>
-        <a:font script="Java" typeface="Javanese Text"/>
-        <a:font script="Lisu" typeface="Segoe UI"/>
-        <a:font script="Mymr" typeface="Myanmar Text"/>
-        <a:font script="Nkoo" typeface="Ebrima"/>
-        <a:font script="Olck" typeface="Nirmala UI"/>
-        <a:font script="Osma" typeface="Ebrima"/>
-        <a:font script="Phag" typeface="Phagspa"/>
-        <a:font script="Syrn" typeface="Estrangelo Edessa"/>
-        <a:font script="Syrj" typeface="Estrangelo Edessa"/>
-        <a:font script="Syre" typeface="Estrangelo Edessa"/>
-        <a:font script="Sora" typeface="Nirmala UI"/>
-        <a:font script="Tale" typeface="Microsoft Tai Le"/>
-        <a:font script="Talu" typeface="Microsoft New Tai Lue"/>
-        <a:font script="Tfng" typeface="Ebrima"/>
-      </a:majorFont>
-      <a:minorFont>
-        <a:latin typeface="Calibri" panose="020F0502020204030204"/>
-        <a:ea typeface=""/>
-        <a:cs typeface=""/>
-        <a:font script="Jpan" typeface="游ゴシック"/>
-        <a:font script="Hang" typeface="맑은 고딕"/>
-        <a:font script="Hans" typeface="等线"/>
-        <a:font script="Hant" typeface="新細明體"/>
-        <a:font script="Arab" typeface="Arial"/>
-        <a:font script="Hebr" typeface="Arial"/>
-        <a:font script="Thai" typeface="Cordia New"/>
-        <a:font script="Ethi" typeface="Nyala"/>
-        <a:font script="Beng" typeface="Vrinda"/>
-        <a:font script="Gujr" typeface="Shruti"/>
-        <a:font script="Khmr" typeface="DaunPenh"/>
-        <a:font script="Knda" typeface="Tunga"/>
-        <a:font script="Guru" typeface="Raavi"/>
-        <a:font script="Cans" typeface="Euphemia"/>
-        <a:font script="Cher" typeface="Plantagenet Cherokee"/>
-        <a:font script="Yiii" typeface="Microsoft Yi Baiti"/>
-        <a:font script="Tibt" typeface="Microsoft Himalaya"/>
-        <a:font script="Thaa" typeface="MV Boli"/>
-        <a:font script="Deva" typeface="Mangal"/>
-        <a:font script="Telu" typeface="Gautami"/>
-        <a:font script="Taml" typeface="Latha"/>
-        <a:font script="Syrc" typeface="Estrangelo Edessa"/>
-        <a:font script="Orya" typeface="Kalinga"/>
-        <a:font script="Mlym" typeface="Kartika"/>
-        <a:font script="Laoo" typeface="DokChampa"/>
-        <a:font script="Sinh" typeface="Iskoola Pota"/>
-        <a:font script="Mong" typeface="Mongolian Baiti"/>
-        <a:font script="Viet" typeface="Arial"/>
-        <a:font script="Uigh" typeface="Microsoft Uighur"/>
-        <a:font script="Geor" typeface="Sylfaen"/>
-        <a:font script="Armn" typeface="Arial"/>
-        <a:font script="Bugi" typeface="Leelawadee UI"/>
-        <a:font script="Bopo" typeface="Microsoft JhengHei"/>
-        <a:font script="Java" typeface="Javanese Text"/>
-        <a:font script="Lisu" typeface="Segoe UI"/>
-        <a:font script="Mymr" typeface="Myanmar Text"/>
-        <a:font script="Nkoo" typeface="Ebrima"/>
-        <a:font script="Olck" typeface="Nirmala UI"/>
-        <a:font script="Osma" typeface="Ebrima"/>
-        <a:font script="Phag" typeface="Phagspa"/>
-        <a:font script="Syrn" typeface="Estrangelo Edessa"/>
-        <a:font script="Syrj" typeface="Estrangelo Edessa"/>
-        <a:font script="Syre" typeface="Estrangelo Edessa"/>
-        <a:font script="Sora" typeface="Nirmala UI"/>
-        <a:font script="Tale" typeface="Microsoft Tai Le"/>
-        <a:font script="Talu" typeface="Microsoft New Tai Lue"/>
-        <a:font script="Tfng" typeface="Ebrima"/>
-      </a:minorFont>
-    </a:fontScheme>
-    <a:fmtScheme name="Office">
-      <a:fillStyleLst>
-        <a:solidFill>
-          <a:schemeClr val="phClr"/>
-        </a:solidFill>
-        <a:gradFill rotWithShape="1">
-          <a:gsLst>
-            <a:gs pos="0">
-              <a:schemeClr val="phClr">
-                <a:lumMod val="110000"/>
-                <a:satMod val="105000"/>
-                <a:tint val="67000"/>
-              </a:schemeClr>
-            </a:gs>
-            <a:gs pos="50000">
-              <a:schemeClr val="phClr">
-                <a:lumMod val="105000"/>
-                <a:satMod val="103000"/>
-                <a:tint val="73000"/>
-              </a:schemeClr>
-            </a:gs>
-            <a:gs pos="100000">
-              <a:schemeClr val="phClr">
-                <a:lumMod val="105000"/>
-                <a:satMod val="109000"/>
-                <a:tint val="81000"/>
-              </a:schemeClr>
-            </a:gs>
-          </a:gsLst>
-          <a:lin ang="5400000" scaled="0"/>
-        </a:gradFill>
-        <a:gradFill rotWithShape="1">
-          <a:gsLst>
-            <a:gs pos="0">
-              <a:schemeClr val="phClr">
-                <a:satMod val="103000"/>
-                <a:lumMod val="102000"/>
-                <a:tint val="94000"/>
-              </a:schemeClr>
-            </a:gs>
-            <a:gs pos="50000">
-              <a:schemeClr val="phClr">
-                <a:satMod val="110000"/>
-                <a:lumMod val="100000"/>
-                <a:shade val="100000"/>
-              </a:schemeClr>
-            </a:gs>
-            <a:gs pos="100000">
-              <a:schemeClr val="phClr">
-                <a:lumMod val="99000"/>
-                <a:satMod val="120000"/>
-                <a:shade val="78000"/>
-              </a:schemeClr>
-            </a:gs>
-          </a:gsLst>
-          <a:lin ang="5400000" scaled="0"/>
-        </a:gradFill>
-      </a:fillStyleLst>
-      <a:lnStyleLst>
-        <a:ln w="6350" cap="flat" cmpd="sng" algn="ctr">
-          <a:solidFill>
-            <a:schemeClr val="phClr"/>
-          </a:solidFill>
-          <a:prstDash val="solid"/>
-          <a:miter lim="800000"/>
-        </a:ln>
-        <a:ln w="12700" cap="flat" cmpd="sng" algn="ctr">
-          <a:solidFill>
-            <a:schemeClr val="phClr"/>
-          </a:solidFill>
-          <a:prstDash val="solid"/>
-          <a:miter lim="800000"/>
-        </a:ln>
-        <a:ln w="19050" cap="flat" cmpd="sng" algn="ctr">
-          <a:solidFill>
-            <a:schemeClr val="phClr"/>
-          </a:solidFill>
-          <a:prstDash val="solid"/>
-          <a:miter lim="800000"/>
-        </a:ln>
-      </a:lnStyleLst>
-      <a:effectStyleLst>
-        <a:effectStyle>
-          <a:effectLst/>
-        </a:effectStyle>
-        <a:effectStyle>
-          <a:effectLst/>
-        </a:effectStyle>
-        <a:effectStyle>
-          <a:effectLst>
-            <a:outerShdw blurRad="57150" dist="19050" dir="5400000" algn="ctr" rotWithShape="0">
-              <a:srgbClr val="000000">
-                <a:alpha val="63000"/>
-              </a:srgbClr>
-            </a:outerShdw>
-          </a:effectLst>
-        </a:effectStyle>
-      </a:effectStyleLst>
-      <a:bgFillStyleLst>
-        <a:solidFill>
-          <a:schemeClr val="phClr"/>
-        </a:solidFill>
-        <a:solidFill>
-          <a:schemeClr val="phClr">
-            <a:tint val="95000"/>
-            <a:satMod val="170000"/>
-          </a:schemeClr>
-        </a:solidFill>
-        <a:gradFill rotWithShape="1">
-          <a:gsLst>
-            <a:gs pos="0">
-              <a:schemeClr val="phClr">
-                <a:tint val="93000"/>
-                <a:satMod val="150000"/>
-                <a:shade val="98000"/>
-                <a:lumMod val="102000"/>
-              </a:schemeClr>
-            </a:gs>
-            <a:gs pos="50000">
-              <a:schemeClr val="phClr">
-                <a:tint val="98000"/>
-                <a:satMod val="130000"/>
-                <a:shade val="90000"/>
-                <a:lumMod val="103000"/>
-              </a:schemeClr>
-            </a:gs>
-            <a:gs pos="100000">
-              <a:schemeClr val="phClr">
-                <a:shade val="63000"/>
-                <a:satMod val="120000"/>
-              </a:schemeClr>
-            </a:gs>
-          </a:gsLst>
-          <a:lin ang="5400000" scaled="0"/>
-        </a:gradFill>
-      </a:bgFillStyleLst>
-    </a:fmtScheme>
-  </a:themeElements>
-  <a:objectDefaults/>
-  <a:extraClrSchemeLst/>
-  <a:extLst>
-    <a:ext uri="{05A4C25C-085E-4340-85A3-A5531E510DB2}">
-      <thm15:themeFamily xmlns:thm15="http://schemas.microsoft.com/office/thememl/2012/main" name="Office Theme" id="{62F939B6-93AF-4DB8-9C6B-D6C7DFDC589F}" vid="{4A3C46E8-61CC-4603-A589-7422A47A8E4A}"/>
-    </a:ext>
-  </a:extLst>
-</a:theme>
+<file path=ppt/slides/slide9.xml><?xml version="1.0" encoding="utf-8"?>
+<p:sld xmlns:a="http://schemas.openxmlformats.org/drawingml/2006/main" xmlns:r="http://schemas.openxmlformats.org/officeDocument/2006/relationships" xmlns:p="http://schemas.openxmlformats.org/presentationml/2006/main">
+  <p:cSld>
+    <p:spTree>
+      <p:nvGrpSpPr>
+        <p:cNvPr id="1" name=""/>
+        <p:cNvGrpSpPr/>
+        <p:nvPr/>
+      </p:nvGrpSpPr>
+      <p:grpSpPr>
+        <a:xfrm>
+          <a:off x="0" y="0"/>
+          <a:ext cx="0" cy="0"/>
+          <a:chOff x="0" y="0"/>
+          <a:chExt cx="0" cy="0"/>
+        </a:xfrm>
+      </p:grpSpPr>
+      <p:sp>
+        <p:nvSpPr>
+          <p:cNvPr id="2" name="Title 1">
+            <a:extLst>
+              <a:ext uri="{FF2B5EF4-FFF2-40B4-BE49-F238E27FC236}">
+                <a16:creationId xmlns:a16="http://schemas.microsoft.com/office/drawing/2014/main" id="{9AF603CA-311B-4011-8B9F-D654517C9416}"/>
+              </a:ext>
+            </a:extLst>
+          </p:cNvPr>
+          <p:cNvSpPr>
+            <a:spLocks noGrp="1"/>
+          </p:cNvSpPr>
+          <p:nvPr>
+            <p:ph type="title"/>
+          </p:nvPr>
+        </p:nvSpPr>
+        <p:spPr/>
+        <p:txBody>
+          <a:bodyPr/>
+          <a:lstStyle/>
+          <a:p>
+            <a:r>
+              <a:rPr lang="en-US" dirty="0"/>
+              <a:t>Flash ADC</a:t>
+            </a:r>
+          </a:p>
+        </p:txBody>
+      </p:sp>
+      <p:sp>
+        <p:nvSpPr>
+          <p:cNvPr id="3" name="Content Placeholder 2">
+            <a:extLst>
+              <a:ext uri="{FF2B5EF4-FFF2-40B4-BE49-F238E27FC236}">
+                <a16:creationId xmlns:a16="http://schemas.microsoft.com/office/drawing/2014/main" id="{C35D44CE-0C31-4A7A-BDC6-E53EDC16F0C3}"/>
+              </a:ext>
+            </a:extLst>
+          </p:cNvPr>
+          <p:cNvSpPr>
+            <a:spLocks noGrp="1"/>
+          </p:cNvSpPr>
+          <p:nvPr>
+            <p:ph idx="1"/>
+          </p:nvPr>
+        </p:nvSpPr>
+        <p:spPr>
+          <a:xfrm>
+            <a:off x="609599" y="1719263"/>
+            <a:ext cx="5698435" cy="4244215"/>
+          </a:xfrm>
+        </p:spPr>
+        <p:txBody>
+          <a:bodyPr/>
+          <a:lstStyle/>
+          <a:p>
+            <a:r>
+              <a:rPr lang="en-US" dirty="0"/>
+              <a:t>Fastest ADC</a:t>
+            </a:r>
+          </a:p>
+          <a:p>
+            <a:r>
+              <a:rPr lang="en-US" dirty="0"/>
+              <a:t>Requires a large number of comparators and resistor (2</a:t>
+            </a:r>
+            <a:r>
+              <a:rPr lang="en-US" baseline="30000" dirty="0"/>
+              <a:t>n</a:t>
+            </a:r>
+            <a:r>
+              <a:rPr lang="en-US" dirty="0"/>
+              <a:t>)</a:t>
+            </a:r>
+          </a:p>
+        </p:txBody>
+      </p:sp>
+      <p:pic>
+        <p:nvPicPr>
+          <p:cNvPr id="5" name="Picture 4">
+            <a:extLst>
+              <a:ext uri="{FF2B5EF4-FFF2-40B4-BE49-F238E27FC236}">
+                <a16:creationId xmlns:a16="http://schemas.microsoft.com/office/drawing/2014/main" id="{E0122C87-9FA2-4558-8B3F-635B69F7FCFD}"/>
+              </a:ext>
+            </a:extLst>
+          </p:cNvPr>
+          <p:cNvPicPr>
+            <a:picLocks noChangeAspect="1"/>
+          </p:cNvPicPr>
+          <p:nvPr/>
+        </p:nvPicPr>
+        <p:blipFill>
+          <a:blip r:embed="rId2"/>
+          <a:stretch>
+            <a:fillRect/>
+          </a:stretch>
+        </p:blipFill>
+        <p:spPr>
+          <a:xfrm>
+            <a:off x="7087758" y="1719263"/>
+            <a:ext cx="4640416" cy="5059961"/>
+          </a:xfrm>
+          <a:prstGeom prst="rect">
+            <a:avLst/>
+          </a:prstGeom>
+        </p:spPr>
+      </p:pic>
+    </p:spTree>
+    <p:extLst>
+      <p:ext uri="{BB962C8B-B14F-4D97-AF65-F5344CB8AC3E}">
+        <p14:creationId xmlns:p14="http://schemas.microsoft.com/office/powerpoint/2010/main" val="1344770138"/>
+      </p:ext>
+    </p:extLst>
+  </p:cSld>
+  <p:clrMapOvr>
+    <a:masterClrMapping/>
+  </p:clrMapOvr>
+</p:sld>
 </file>
 
-<file path=ppt/theme/theme2.xml><?xml version="1.0" encoding="utf-8"?>
+<file path=ppt/theme/theme1.xml><?xml version="1.0" encoding="utf-8"?>
 <a:theme xmlns:a="http://schemas.openxmlformats.org/drawingml/2006/main" name="1_Network">
   <a:themeElements>
     <a:clrScheme name="1_Network 10">
@@ -20324,7 +16853,7 @@
 </a:theme>
 </file>
 
-<file path=ppt/theme/theme3.xml><?xml version="1.0" encoding="utf-8"?>
+<file path=ppt/theme/theme2.xml><?xml version="1.0" encoding="utf-8"?>
 <a:theme xmlns:a="http://schemas.openxmlformats.org/drawingml/2006/main" name="Network">
   <a:themeElements>
     <a:clrScheme name="Network 10">

--- a/04. Slides/05. ADC/ADC.pptx
+++ b/04. Slides/05. ADC/ADC.pptx
@@ -19,15 +19,16 @@
     <p:sldId id="451" r:id="rId13"/>
     <p:sldId id="452" r:id="rId14"/>
     <p:sldId id="453" r:id="rId15"/>
-    <p:sldId id="454" r:id="rId16"/>
-    <p:sldId id="455" r:id="rId17"/>
+    <p:sldId id="455" r:id="rId16"/>
+    <p:sldId id="454" r:id="rId17"/>
     <p:sldId id="456" r:id="rId18"/>
     <p:sldId id="457" r:id="rId19"/>
     <p:sldId id="458" r:id="rId20"/>
     <p:sldId id="459" r:id="rId21"/>
     <p:sldId id="460" r:id="rId22"/>
     <p:sldId id="461" r:id="rId23"/>
-    <p:sldId id="462" r:id="rId24"/>
+    <p:sldId id="463" r:id="rId24"/>
+    <p:sldId id="462" r:id="rId25"/>
   </p:sldIdLst>
   <p:sldSz cx="12192000" cy="6858000"/>
   <p:notesSz cx="6858000" cy="9144000"/>
@@ -13796,8 +13797,8 @@
         </p:blipFill>
         <p:spPr>
           <a:xfrm>
-            <a:off x="1274576" y="1756433"/>
-            <a:ext cx="8710211" cy="4737132"/>
+            <a:off x="1031295" y="1516239"/>
+            <a:ext cx="9043883" cy="4918603"/>
           </a:xfrm>
           <a:prstGeom prst="rect">
             <a:avLst/>
@@ -14048,6 +14049,192 @@
           <p:cNvPr id="2" name="Title 1">
             <a:extLst>
               <a:ext uri="{FF2B5EF4-FFF2-40B4-BE49-F238E27FC236}">
+                <a16:creationId xmlns:a16="http://schemas.microsoft.com/office/drawing/2014/main" id="{34DDBE14-74FC-4253-80FE-383542DD0C6B}"/>
+              </a:ext>
+            </a:extLst>
+          </p:cNvPr>
+          <p:cNvSpPr>
+            <a:spLocks noGrp="1"/>
+          </p:cNvSpPr>
+          <p:nvPr>
+            <p:ph type="title"/>
+          </p:nvPr>
+        </p:nvSpPr>
+        <p:spPr/>
+        <p:txBody>
+          <a:bodyPr/>
+          <a:lstStyle/>
+          <a:p>
+            <a:r>
+              <a:rPr lang="en-US" dirty="0"/>
+              <a:t>Minimum Sampling Rate</a:t>
+            </a:r>
+          </a:p>
+        </p:txBody>
+      </p:sp>
+      <p:sp>
+        <p:nvSpPr>
+          <p:cNvPr id="3" name="Content Placeholder 2">
+            <a:extLst>
+              <a:ext uri="{FF2B5EF4-FFF2-40B4-BE49-F238E27FC236}">
+                <a16:creationId xmlns:a16="http://schemas.microsoft.com/office/drawing/2014/main" id="{56D24839-D0ED-4C2C-A92A-A4485425C5C1}"/>
+              </a:ext>
+            </a:extLst>
+          </p:cNvPr>
+          <p:cNvSpPr>
+            <a:spLocks noGrp="1"/>
+          </p:cNvSpPr>
+          <p:nvPr>
+            <p:ph idx="1"/>
+          </p:nvPr>
+        </p:nvSpPr>
+        <p:spPr>
+          <a:xfrm>
+            <a:off x="609600" y="1719262"/>
+            <a:ext cx="10972800" cy="4966763"/>
+          </a:xfrm>
+        </p:spPr>
+        <p:txBody>
+          <a:bodyPr/>
+          <a:lstStyle/>
+          <a:p>
+            <a:r>
+              <a:rPr lang="en-US" dirty="0"/>
+              <a:t>Nyquist Theorem</a:t>
+            </a:r>
+          </a:p>
+          <a:p>
+            <a:endParaRPr lang="en-US" dirty="0"/>
+          </a:p>
+          <a:p>
+            <a:pPr marL="0" indent="0">
+              <a:buNone/>
+            </a:pPr>
+            <a:endParaRPr lang="en-US" dirty="0"/>
+          </a:p>
+          <a:p>
+            <a:pPr marL="0" indent="0">
+              <a:buNone/>
+            </a:pPr>
+            <a:endParaRPr lang="en-US" dirty="0"/>
+          </a:p>
+          <a:p>
+            <a:pPr marL="0" indent="0">
+              <a:buNone/>
+            </a:pPr>
+            <a:endParaRPr lang="en-US" dirty="0"/>
+          </a:p>
+          <a:p>
+            <a:pPr marL="0" indent="0">
+              <a:buNone/>
+            </a:pPr>
+            <a:endParaRPr lang="en-US" dirty="0"/>
+          </a:p>
+          <a:p>
+            <a:endParaRPr lang="en-US" dirty="0"/>
+          </a:p>
+          <a:p>
+            <a:r>
+              <a:rPr lang="en-US" dirty="0"/>
+              <a:t>Input signals must also be properly </a:t>
+            </a:r>
+            <a:r>
+              <a:rPr lang="en-US" dirty="0">
+                <a:solidFill>
+                  <a:srgbClr val="FF0000"/>
+                </a:solidFill>
+              </a:rPr>
+              <a:t>filtered</a:t>
+            </a:r>
+            <a:r>
+              <a:rPr lang="en-US" dirty="0"/>
+              <a:t> to eliminate</a:t>
+            </a:r>
+          </a:p>
+          <a:p>
+            <a:pPr marL="0" indent="0">
+              <a:buNone/>
+            </a:pPr>
+            <a:r>
+              <a:rPr lang="en-US" dirty="0"/>
+              <a:t>unwanted </a:t>
+            </a:r>
+            <a:r>
+              <a:rPr lang="en-US" dirty="0">
+                <a:solidFill>
+                  <a:srgbClr val="FF0000"/>
+                </a:solidFill>
+              </a:rPr>
+              <a:t>high-frequency components</a:t>
+            </a:r>
+          </a:p>
+        </p:txBody>
+      </p:sp>
+      <p:pic>
+        <p:nvPicPr>
+          <p:cNvPr id="5" name="Picture 4">
+            <a:extLst>
+              <a:ext uri="{FF2B5EF4-FFF2-40B4-BE49-F238E27FC236}">
+                <a16:creationId xmlns:a16="http://schemas.microsoft.com/office/drawing/2014/main" id="{4EC7BD83-4504-424A-8FAD-64DDC1A365BA}"/>
+              </a:ext>
+            </a:extLst>
+          </p:cNvPr>
+          <p:cNvPicPr>
+            <a:picLocks noChangeAspect="1"/>
+          </p:cNvPicPr>
+          <p:nvPr/>
+        </p:nvPicPr>
+        <p:blipFill>
+          <a:blip r:embed="rId2"/>
+          <a:stretch>
+            <a:fillRect/>
+          </a:stretch>
+        </p:blipFill>
+        <p:spPr>
+          <a:xfrm>
+            <a:off x="2688626" y="2478932"/>
+            <a:ext cx="6321150" cy="2724138"/>
+          </a:xfrm>
+          <a:prstGeom prst="rect">
+            <a:avLst/>
+          </a:prstGeom>
+        </p:spPr>
+      </p:pic>
+    </p:spTree>
+    <p:extLst>
+      <p:ext uri="{BB962C8B-B14F-4D97-AF65-F5344CB8AC3E}">
+        <p14:creationId xmlns:p14="http://schemas.microsoft.com/office/powerpoint/2010/main" val="3784549496"/>
+      </p:ext>
+    </p:extLst>
+  </p:cSld>
+  <p:clrMapOvr>
+    <a:masterClrMapping/>
+  </p:clrMapOvr>
+</p:sld>
+</file>
+
+<file path=ppt/slides/slide15.xml><?xml version="1.0" encoding="utf-8"?>
+<p:sld xmlns:a="http://schemas.openxmlformats.org/drawingml/2006/main" xmlns:r="http://schemas.openxmlformats.org/officeDocument/2006/relationships" xmlns:p="http://schemas.openxmlformats.org/presentationml/2006/main">
+  <p:cSld>
+    <p:spTree>
+      <p:nvGrpSpPr>
+        <p:cNvPr id="1" name=""/>
+        <p:cNvGrpSpPr/>
+        <p:nvPr/>
+      </p:nvGrpSpPr>
+      <p:grpSpPr>
+        <a:xfrm>
+          <a:off x="0" y="0"/>
+          <a:ext cx="0" cy="0"/>
+          <a:chOff x="0" y="0"/>
+          <a:chExt cx="0" cy="0"/>
+        </a:xfrm>
+      </p:grpSpPr>
+      <p:sp>
+        <p:nvSpPr>
+          <p:cNvPr id="2" name="Title 1">
+            <a:extLst>
+              <a:ext uri="{FF2B5EF4-FFF2-40B4-BE49-F238E27FC236}">
                 <a16:creationId xmlns:a16="http://schemas.microsoft.com/office/drawing/2014/main" id="{A3C29FC3-202D-415D-9B25-29F4B35BE466}"/>
               </a:ext>
             </a:extLst>
@@ -14105,7 +14292,19 @@
           <a:p>
             <a:r>
               <a:rPr lang="en-US" dirty="0"/>
-              <a:t>ADC value at full-scale voltage = 2n</a:t>
+              <a:t>ADC value at </a:t>
+            </a:r>
+            <a:r>
+              <a:rPr lang="en-US" dirty="0">
+                <a:solidFill>
+                  <a:srgbClr val="FF0000"/>
+                </a:solidFill>
+              </a:rPr>
+              <a:t>full-scale</a:t>
+            </a:r>
+            <a:r>
+              <a:rPr lang="en-US" dirty="0"/>
+              <a:t> voltage = 2n</a:t>
             </a:r>
           </a:p>
           <a:p>
@@ -14123,7 +14322,19 @@
           <a:p>
             <a:r>
               <a:rPr lang="en-US" dirty="0"/>
-              <a:t>ADC value at a full-scale voltage = 2n – 1</a:t>
+              <a:t>ADC value at a </a:t>
+            </a:r>
+            <a:r>
+              <a:rPr lang="en-US" dirty="0">
+                <a:solidFill>
+                  <a:srgbClr val="FF0000"/>
+                </a:solidFill>
+              </a:rPr>
+              <a:t>full-scale </a:t>
+            </a:r>
+            <a:r>
+              <a:rPr lang="en-US" dirty="0"/>
+              <a:t>voltage = 2n – 1</a:t>
             </a:r>
           </a:p>
           <a:p>
@@ -14195,7 +14406,7 @@
         </p:blipFill>
         <p:spPr>
           <a:xfrm>
-            <a:off x="4381116" y="3017948"/>
+            <a:off x="4314004" y="3043115"/>
             <a:ext cx="2915057" cy="1124107"/>
           </a:xfrm>
           <a:prstGeom prst="rect">
@@ -14203,171 +14414,116 @@
           </a:prstGeom>
         </p:spPr>
       </p:pic>
+      <p:sp>
+        <p:nvSpPr>
+          <p:cNvPr id="4" name="TextBox 3">
+            <a:extLst>
+              <a:ext uri="{FF2B5EF4-FFF2-40B4-BE49-F238E27FC236}">
+                <a16:creationId xmlns:a16="http://schemas.microsoft.com/office/drawing/2014/main" id="{3FAA27C2-1B54-4EE6-871D-B13F5A3489FD}"/>
+              </a:ext>
+            </a:extLst>
+          </p:cNvPr>
+          <p:cNvSpPr txBox="1"/>
+          <p:nvPr/>
+        </p:nvSpPr>
+        <p:spPr>
+          <a:xfrm>
+            <a:off x="7983524" y="1988950"/>
+            <a:ext cx="3598877" cy="2031325"/>
+          </a:xfrm>
+          <a:prstGeom prst="rect">
+            <a:avLst/>
+          </a:prstGeom>
+          <a:noFill/>
+        </p:spPr>
+        <p:txBody>
+          <a:bodyPr wrap="square" rtlCol="0">
+            <a:spAutoFit/>
+          </a:bodyPr>
+          <a:lstStyle/>
+          <a:p>
+            <a:r>
+              <a:rPr lang="en-US" dirty="0"/>
+              <a:t>Vin = Input Voltage</a:t>
+            </a:r>
+          </a:p>
+          <a:p>
+            <a:r>
+              <a:rPr lang="en-US" dirty="0"/>
+              <a:t>ADC = Giá trị </a:t>
+            </a:r>
+            <a:r>
+              <a:rPr lang="en-US" dirty="0" err="1"/>
+              <a:t>quy</a:t>
+            </a:r>
+            <a:r>
+              <a:rPr lang="en-US" dirty="0"/>
+              <a:t> đổi</a:t>
+            </a:r>
+          </a:p>
+          <a:p>
+            <a:r>
+              <a:rPr lang="en-US" dirty="0"/>
+              <a:t>N = độ </a:t>
+            </a:r>
+            <a:r>
+              <a:rPr lang="en-US" dirty="0" err="1"/>
+              <a:t>phân</a:t>
+            </a:r>
+            <a:r>
+              <a:rPr lang="en-US" dirty="0"/>
+              <a:t> giải ( số bit)</a:t>
+            </a:r>
+            <a:br>
+              <a:rPr lang="en-US" dirty="0"/>
+            </a:br>
+            <a:endParaRPr lang="en-US" dirty="0"/>
+          </a:p>
+          <a:p>
+            <a:r>
+              <a:rPr lang="en-US" dirty="0" err="1"/>
+              <a:t>Vref</a:t>
+            </a:r>
+            <a:r>
+              <a:rPr lang="en-US" dirty="0"/>
+              <a:t> = điện áp tham </a:t>
+            </a:r>
+            <a:r>
+              <a:rPr lang="en-US" dirty="0" err="1"/>
+              <a:t>chiếu</a:t>
+            </a:r>
+            <a:endParaRPr lang="en-US" dirty="0"/>
+          </a:p>
+          <a:p>
+            <a:pPr marL="285750" indent="-285750">
+              <a:buFont typeface="Symbol" panose="05050102010706020507" pitchFamily="18" charset="2"/>
+              <a:buChar char="Þ"/>
+            </a:pPr>
+            <a:r>
+              <a:rPr lang="en-US" dirty="0"/>
+              <a:t>Xác định giới </a:t>
+            </a:r>
+            <a:r>
+              <a:rPr lang="en-US" dirty="0" err="1"/>
+              <a:t>hạn</a:t>
+            </a:r>
+            <a:r>
+              <a:rPr lang="en-US" dirty="0"/>
+              <a:t> đo &lt;= VADC</a:t>
+            </a:r>
+          </a:p>
+          <a:p>
+            <a:r>
+              <a:rPr lang="en-US" dirty="0"/>
+              <a:t>1.8V, 2.5V, 3.3V</a:t>
+            </a:r>
+          </a:p>
+        </p:txBody>
+      </p:sp>
     </p:spTree>
     <p:extLst>
       <p:ext uri="{BB962C8B-B14F-4D97-AF65-F5344CB8AC3E}">
         <p14:creationId xmlns:p14="http://schemas.microsoft.com/office/powerpoint/2010/main" val="214247460"/>
-      </p:ext>
-    </p:extLst>
-  </p:cSld>
-  <p:clrMapOvr>
-    <a:masterClrMapping/>
-  </p:clrMapOvr>
-</p:sld>
-</file>
-
-<file path=ppt/slides/slide15.xml><?xml version="1.0" encoding="utf-8"?>
-<p:sld xmlns:a="http://schemas.openxmlformats.org/drawingml/2006/main" xmlns:r="http://schemas.openxmlformats.org/officeDocument/2006/relationships" xmlns:p="http://schemas.openxmlformats.org/presentationml/2006/main">
-  <p:cSld>
-    <p:spTree>
-      <p:nvGrpSpPr>
-        <p:cNvPr id="1" name=""/>
-        <p:cNvGrpSpPr/>
-        <p:nvPr/>
-      </p:nvGrpSpPr>
-      <p:grpSpPr>
-        <a:xfrm>
-          <a:off x="0" y="0"/>
-          <a:ext cx="0" cy="0"/>
-          <a:chOff x="0" y="0"/>
-          <a:chExt cx="0" cy="0"/>
-        </a:xfrm>
-      </p:grpSpPr>
-      <p:sp>
-        <p:nvSpPr>
-          <p:cNvPr id="2" name="Title 1">
-            <a:extLst>
-              <a:ext uri="{FF2B5EF4-FFF2-40B4-BE49-F238E27FC236}">
-                <a16:creationId xmlns:a16="http://schemas.microsoft.com/office/drawing/2014/main" id="{34DDBE14-74FC-4253-80FE-383542DD0C6B}"/>
-              </a:ext>
-            </a:extLst>
-          </p:cNvPr>
-          <p:cNvSpPr>
-            <a:spLocks noGrp="1"/>
-          </p:cNvSpPr>
-          <p:nvPr>
-            <p:ph type="title"/>
-          </p:nvPr>
-        </p:nvSpPr>
-        <p:spPr/>
-        <p:txBody>
-          <a:bodyPr/>
-          <a:lstStyle/>
-          <a:p>
-            <a:r>
-              <a:rPr lang="en-US" dirty="0"/>
-              <a:t>Minimum Sampling Rate</a:t>
-            </a:r>
-          </a:p>
-        </p:txBody>
-      </p:sp>
-      <p:sp>
-        <p:nvSpPr>
-          <p:cNvPr id="3" name="Content Placeholder 2">
-            <a:extLst>
-              <a:ext uri="{FF2B5EF4-FFF2-40B4-BE49-F238E27FC236}">
-                <a16:creationId xmlns:a16="http://schemas.microsoft.com/office/drawing/2014/main" id="{56D24839-D0ED-4C2C-A92A-A4485425C5C1}"/>
-              </a:ext>
-            </a:extLst>
-          </p:cNvPr>
-          <p:cNvSpPr>
-            <a:spLocks noGrp="1"/>
-          </p:cNvSpPr>
-          <p:nvPr>
-            <p:ph idx="1"/>
-          </p:nvPr>
-        </p:nvSpPr>
-        <p:spPr/>
-        <p:txBody>
-          <a:bodyPr/>
-          <a:lstStyle/>
-          <a:p>
-            <a:r>
-              <a:rPr lang="en-US" dirty="0"/>
-              <a:t>Nyquist Theorem:</a:t>
-            </a:r>
-          </a:p>
-          <a:p>
-            <a:endParaRPr lang="en-US" dirty="0"/>
-          </a:p>
-          <a:p>
-            <a:pPr marL="0" indent="0">
-              <a:buNone/>
-            </a:pPr>
-            <a:endParaRPr lang="en-US" dirty="0"/>
-          </a:p>
-          <a:p>
-            <a:pPr marL="0" indent="0">
-              <a:buNone/>
-            </a:pPr>
-            <a:endParaRPr lang="en-US" dirty="0"/>
-          </a:p>
-          <a:p>
-            <a:pPr marL="0" indent="0">
-              <a:buNone/>
-            </a:pPr>
-            <a:endParaRPr lang="en-US" dirty="0"/>
-          </a:p>
-          <a:p>
-            <a:pPr marL="0" indent="0">
-              <a:buNone/>
-            </a:pPr>
-            <a:endParaRPr lang="en-US" dirty="0"/>
-          </a:p>
-          <a:p>
-            <a:endParaRPr lang="en-US" dirty="0"/>
-          </a:p>
-          <a:p>
-            <a:r>
-              <a:rPr lang="en-US" dirty="0"/>
-              <a:t>Input signals must also be properly filtered to eliminate</a:t>
-            </a:r>
-          </a:p>
-          <a:p>
-            <a:pPr marL="0" indent="0">
-              <a:buNone/>
-            </a:pPr>
-            <a:r>
-              <a:rPr lang="en-US" dirty="0"/>
-              <a:t>unwanted high-frequency components</a:t>
-            </a:r>
-          </a:p>
-        </p:txBody>
-      </p:sp>
-      <p:pic>
-        <p:nvPicPr>
-          <p:cNvPr id="5" name="Picture 4">
-            <a:extLst>
-              <a:ext uri="{FF2B5EF4-FFF2-40B4-BE49-F238E27FC236}">
-                <a16:creationId xmlns:a16="http://schemas.microsoft.com/office/drawing/2014/main" id="{4EC7BD83-4504-424A-8FAD-64DDC1A365BA}"/>
-              </a:ext>
-            </a:extLst>
-          </p:cNvPr>
-          <p:cNvPicPr>
-            <a:picLocks noChangeAspect="1"/>
-          </p:cNvPicPr>
-          <p:nvPr/>
-        </p:nvPicPr>
-        <p:blipFill>
-          <a:blip r:embed="rId2"/>
-          <a:stretch>
-            <a:fillRect/>
-          </a:stretch>
-        </p:blipFill>
-        <p:spPr>
-          <a:xfrm>
-            <a:off x="2688626" y="2478932"/>
-            <a:ext cx="6277851" cy="2705478"/>
-          </a:xfrm>
-          <a:prstGeom prst="rect">
-            <a:avLst/>
-          </a:prstGeom>
-        </p:spPr>
-      </p:pic>
-    </p:spTree>
-    <p:extLst>
-      <p:ext uri="{BB962C8B-B14F-4D97-AF65-F5344CB8AC3E}">
-        <p14:creationId xmlns:p14="http://schemas.microsoft.com/office/powerpoint/2010/main" val="3784549496"/>
       </p:ext>
     </p:extLst>
   </p:cSld>
@@ -14586,8 +14742,8 @@
         </p:blipFill>
         <p:spPr>
           <a:xfrm>
-            <a:off x="1532825" y="1508697"/>
-            <a:ext cx="8234027" cy="4700396"/>
+            <a:off x="1423768" y="1475140"/>
+            <a:ext cx="8550742" cy="4881193"/>
           </a:xfrm>
         </p:spPr>
       </p:pic>
@@ -14665,7 +14821,12 @@
             <p:ph idx="1"/>
           </p:nvPr>
         </p:nvSpPr>
-        <p:spPr/>
+        <p:spPr>
+          <a:xfrm>
+            <a:off x="609600" y="1719262"/>
+            <a:ext cx="10972800" cy="4748649"/>
+          </a:xfrm>
+        </p:spPr>
         <p:txBody>
           <a:bodyPr/>
           <a:lstStyle/>
@@ -14809,27 +14970,75 @@
             </a:r>
             <a:r>
               <a:rPr lang="en-US" dirty="0"/>
-              <a:t> resolution (number of bits)</a:t>
+              <a:t> resolution (</a:t>
             </a:r>
-          </a:p>
-          <a:p>
+            <a:r>
+              <a:rPr lang="en-US" dirty="0">
+                <a:solidFill>
+                  <a:srgbClr val="FF0000"/>
+                </a:solidFill>
+              </a:rPr>
+              <a:t>number of bits</a:t>
+            </a:r>
             <a:r>
               <a:rPr lang="en-US" dirty="0"/>
-              <a:t>Minimum of 2.5 ADC_CLKs for </a:t>
+              <a:t>) – effective bits = n - 2</a:t>
+            </a:r>
+          </a:p>
+          <a:p>
+            <a:r>
+              <a:rPr lang="en-US" dirty="0"/>
+              <a:t>Minimum of </a:t>
             </a:r>
             <a:r>
-              <a:rPr lang="en-US" dirty="0" err="1"/>
+              <a:rPr lang="en-US" dirty="0">
+                <a:solidFill>
+                  <a:srgbClr val="FF0000"/>
+                </a:solidFill>
+              </a:rPr>
+              <a:t>2.5 ADC_CLKs </a:t>
+            </a:r>
+            <a:r>
+              <a:rPr lang="en-US" dirty="0"/>
+              <a:t>for </a:t>
+            </a:r>
+            <a:r>
+              <a:rPr lang="en-US" dirty="0" err="1">
+                <a:solidFill>
+                  <a:srgbClr val="FF0000"/>
+                </a:solidFill>
+              </a:rPr>
               <a:t>Tsampl</a:t>
             </a:r>
-            <a:endParaRPr lang="en-US" dirty="0"/>
+            <a:endParaRPr lang="en-US" dirty="0">
+              <a:solidFill>
+                <a:srgbClr val="FF0000"/>
+              </a:solidFill>
+            </a:endParaRPr>
           </a:p>
           <a:p>
             <a:r>
               <a:rPr lang="en-US" dirty="0"/>
-              <a:t>Minimum of 12.5 ADC_CLKs for </a:t>
+              <a:t>Minimum of </a:t>
             </a:r>
             <a:r>
-              <a:rPr lang="en-US" dirty="0" err="1"/>
+              <a:rPr lang="en-US" dirty="0">
+                <a:solidFill>
+                  <a:srgbClr val="FF0000"/>
+                </a:solidFill>
+              </a:rPr>
+              <a:t>12.5 ADC_CLKs</a:t>
+            </a:r>
+            <a:r>
+              <a:rPr lang="en-US" dirty="0"/>
+              <a:t> for </a:t>
+            </a:r>
+            <a:r>
+              <a:rPr lang="en-US" dirty="0" err="1">
+                <a:solidFill>
+                  <a:srgbClr val="FF0000"/>
+                </a:solidFill>
+              </a:rPr>
               <a:t>Tconversion</a:t>
             </a:r>
             <a:r>
@@ -14840,15 +15049,47 @@
           <a:p>
             <a:r>
               <a:rPr lang="en-US" dirty="0"/>
-              <a:t>Hence, 5.33 </a:t>
+              <a:t>Hence, </a:t>
             </a:r>
             <a:r>
-              <a:rPr lang="en-US" dirty="0" err="1"/>
+              <a:rPr lang="en-US" dirty="0">
+                <a:solidFill>
+                  <a:srgbClr val="FF0000"/>
+                </a:solidFill>
+              </a:rPr>
+              <a:t>5.33 </a:t>
+            </a:r>
+            <a:r>
+              <a:rPr lang="en-US" dirty="0" err="1">
+                <a:solidFill>
+                  <a:srgbClr val="FF0000"/>
+                </a:solidFill>
+              </a:rPr>
               <a:t>Msps</a:t>
             </a:r>
             <a:r>
+              <a:rPr lang="en-US" dirty="0">
+                <a:solidFill>
+                  <a:srgbClr val="FF0000"/>
+                </a:solidFill>
+              </a:rPr>
+              <a:t> </a:t>
+            </a:r>
+            <a:r>
               <a:rPr lang="en-US" dirty="0"/>
-              <a:t> for 80 MHz ADC clock frequency</a:t>
+              <a:t>for </a:t>
+            </a:r>
+            <a:r>
+              <a:rPr lang="en-US" dirty="0">
+                <a:solidFill>
+                  <a:srgbClr val="FF0000"/>
+                </a:solidFill>
+              </a:rPr>
+              <a:t>80 MHz ADC </a:t>
+            </a:r>
+            <a:r>
+              <a:rPr lang="en-US" dirty="0"/>
+              <a:t>clock frequency</a:t>
             </a:r>
           </a:p>
         </p:txBody>
@@ -15034,8 +15275,8 @@
         </p:blipFill>
         <p:spPr>
           <a:xfrm>
-            <a:off x="1604537" y="1640231"/>
-            <a:ext cx="8639393" cy="4775268"/>
+            <a:off x="933418" y="1398347"/>
+            <a:ext cx="9435375" cy="5215233"/>
           </a:xfrm>
         </p:spPr>
       </p:pic>
@@ -15121,8 +15362,8 @@
         </p:blipFill>
         <p:spPr>
           <a:xfrm>
-            <a:off x="1719202" y="1427587"/>
-            <a:ext cx="8378954" cy="5311763"/>
+            <a:off x="1576590" y="1377253"/>
+            <a:ext cx="8465032" cy="5366331"/>
           </a:xfrm>
         </p:spPr>
       </p:pic>
@@ -15140,6 +15381,93 @@
 </file>
 
 <file path=ppt/slides/slide22.xml><?xml version="1.0" encoding="utf-8"?>
+<p:sld xmlns:a="http://schemas.openxmlformats.org/drawingml/2006/main" xmlns:r="http://schemas.openxmlformats.org/officeDocument/2006/relationships" xmlns:p="http://schemas.openxmlformats.org/presentationml/2006/main">
+  <p:cSld>
+    <p:spTree>
+      <p:nvGrpSpPr>
+        <p:cNvPr id="1" name=""/>
+        <p:cNvGrpSpPr/>
+        <p:nvPr/>
+      </p:nvGrpSpPr>
+      <p:grpSpPr>
+        <a:xfrm>
+          <a:off x="0" y="0"/>
+          <a:ext cx="0" cy="0"/>
+          <a:chOff x="0" y="0"/>
+          <a:chExt cx="0" cy="0"/>
+        </a:xfrm>
+      </p:grpSpPr>
+      <p:sp>
+        <p:nvSpPr>
+          <p:cNvPr id="2" name="Title 1">
+            <a:extLst>
+              <a:ext uri="{FF2B5EF4-FFF2-40B4-BE49-F238E27FC236}">
+                <a16:creationId xmlns:a16="http://schemas.microsoft.com/office/drawing/2014/main" id="{58F54AF3-796C-4EC0-9881-7A8F62E64400}"/>
+              </a:ext>
+            </a:extLst>
+          </p:cNvPr>
+          <p:cNvSpPr>
+            <a:spLocks noGrp="1"/>
+          </p:cNvSpPr>
+          <p:nvPr>
+            <p:ph type="title"/>
+          </p:nvPr>
+        </p:nvSpPr>
+        <p:spPr/>
+        <p:txBody>
+          <a:bodyPr/>
+          <a:lstStyle/>
+          <a:p>
+            <a:r>
+              <a:rPr lang="en-US" dirty="0"/>
+              <a:t>ADC – Timing Diagram</a:t>
+            </a:r>
+          </a:p>
+        </p:txBody>
+      </p:sp>
+      <p:pic>
+        <p:nvPicPr>
+          <p:cNvPr id="5" name="Content Placeholder 4">
+            <a:extLst>
+              <a:ext uri="{FF2B5EF4-FFF2-40B4-BE49-F238E27FC236}">
+                <a16:creationId xmlns:a16="http://schemas.microsoft.com/office/drawing/2014/main" id="{9F4727FB-3865-415B-B5BB-42B260745472}"/>
+              </a:ext>
+            </a:extLst>
+          </p:cNvPr>
+          <p:cNvPicPr>
+            <a:picLocks noGrp="1" noChangeAspect="1"/>
+          </p:cNvPicPr>
+          <p:nvPr>
+            <p:ph idx="1"/>
+          </p:nvPr>
+        </p:nvPicPr>
+        <p:blipFill>
+          <a:blip r:embed="rId2"/>
+          <a:stretch>
+            <a:fillRect/>
+          </a:stretch>
+        </p:blipFill>
+        <p:spPr>
+          <a:xfrm>
+            <a:off x="609600" y="1638134"/>
+            <a:ext cx="10669667" cy="4863334"/>
+          </a:xfrm>
+        </p:spPr>
+      </p:pic>
+    </p:spTree>
+    <p:extLst>
+      <p:ext uri="{BB962C8B-B14F-4D97-AF65-F5344CB8AC3E}">
+        <p14:creationId xmlns:p14="http://schemas.microsoft.com/office/powerpoint/2010/main" val="3345369461"/>
+      </p:ext>
+    </p:extLst>
+  </p:cSld>
+  <p:clrMapOvr>
+    <a:masterClrMapping/>
+  </p:clrMapOvr>
+</p:sld>
+</file>
+
+<file path=ppt/slides/slide23.xml><?xml version="1.0" encoding="utf-8"?>
 <p:sld xmlns:a="http://schemas.openxmlformats.org/drawingml/2006/main" xmlns:r="http://schemas.openxmlformats.org/officeDocument/2006/relationships" xmlns:p="http://schemas.openxmlformats.org/presentationml/2006/main">
   <p:cSld>
     <p:spTree>
@@ -15373,7 +15701,7 @@
         </p:blipFill>
         <p:spPr>
           <a:xfrm>
-            <a:off x="7129670" y="2364633"/>
+            <a:off x="7112892" y="2255576"/>
             <a:ext cx="4755483" cy="3317605"/>
           </a:xfrm>
           <a:prstGeom prst="rect">

--- a/04. Slides/05. ADC/ADC.pptx
+++ b/04. Slides/05. ADC/ADC.pptx
@@ -28,7 +28,17 @@
     <p:sldId id="460" r:id="rId22"/>
     <p:sldId id="461" r:id="rId23"/>
     <p:sldId id="463" r:id="rId24"/>
-    <p:sldId id="462" r:id="rId25"/>
+    <p:sldId id="488" r:id="rId25"/>
+    <p:sldId id="480" r:id="rId26"/>
+    <p:sldId id="484" r:id="rId27"/>
+    <p:sldId id="481" r:id="rId28"/>
+    <p:sldId id="482" r:id="rId29"/>
+    <p:sldId id="483" r:id="rId30"/>
+    <p:sldId id="485" r:id="rId31"/>
+    <p:sldId id="486" r:id="rId32"/>
+    <p:sldId id="487" r:id="rId33"/>
+    <p:sldId id="476" r:id="rId34"/>
+    <p:sldId id="462" r:id="rId35"/>
   </p:sldIdLst>
   <p:sldSz cx="12192000" cy="6858000"/>
   <p:notesSz cx="6858000" cy="9144000"/>
@@ -13885,8 +13895,16 @@
           <a:lstStyle/>
           <a:p>
             <a:r>
+              <a:rPr lang="en-US" b="1" dirty="0"/>
+              <a:t>Highest resolution</a:t>
+            </a:r>
+            <a:r>
               <a:rPr lang="en-US" dirty="0"/>
-              <a:t>Highest resolution; also slowest</a:t>
+              <a:t>; also </a:t>
+            </a:r>
+            <a:r>
+              <a:rPr lang="en-US" b="1" dirty="0"/>
+              <a:t>slowest</a:t>
             </a:r>
           </a:p>
           <a:p>
@@ -14982,13 +15000,21 @@
             </a:r>
             <a:r>
               <a:rPr lang="en-US" dirty="0"/>
-              <a:t>) – effective bits = n - 2</a:t>
+              <a:t>) – effective bits = n – 2</a:t>
             </a:r>
           </a:p>
           <a:p>
             <a:r>
               <a:rPr lang="en-US" dirty="0"/>
-              <a:t>Minimum of </a:t>
+              <a:t>Total time  = </a:t>
+            </a:r>
+            <a:r>
+              <a:rPr lang="en-US" dirty="0" err="1">
+                <a:solidFill>
+                  <a:srgbClr val="FF0000"/>
+                </a:solidFill>
+              </a:rPr>
+              <a:t>Tsampl</a:t>
             </a:r>
             <a:r>
               <a:rPr lang="en-US" dirty="0">
@@ -14996,7 +15022,30 @@
                   <a:srgbClr val="FF0000"/>
                 </a:solidFill>
               </a:rPr>
-              <a:t>2.5 ADC_CLKs </a:t>
+              <a:t> + </a:t>
+            </a:r>
+            <a:r>
+              <a:rPr lang="en-US" dirty="0" err="1">
+                <a:solidFill>
+                  <a:srgbClr val="FF0000"/>
+                </a:solidFill>
+              </a:rPr>
+              <a:t>Tconversion</a:t>
+            </a:r>
+            <a:endParaRPr lang="en-US" dirty="0"/>
+          </a:p>
+          <a:p>
+            <a:r>
+              <a:rPr lang="en-US" dirty="0"/>
+              <a:t>Minimum of </a:t>
+            </a:r>
+            <a:r>
+              <a:rPr lang="en-US" dirty="0">
+                <a:solidFill>
+                  <a:srgbClr val="FF0000"/>
+                </a:solidFill>
+              </a:rPr>
+              <a:t>2.5 x ADC_CLKs </a:t>
             </a:r>
             <a:r>
               <a:rPr lang="en-US" dirty="0"/>
@@ -15489,7 +15538,7 @@
           <p:cNvPr id="2" name="Title 1">
             <a:extLst>
               <a:ext uri="{FF2B5EF4-FFF2-40B4-BE49-F238E27FC236}">
-                <a16:creationId xmlns:a16="http://schemas.microsoft.com/office/drawing/2014/main" id="{F19B220C-A065-4737-864C-66F61483E4E6}"/>
+                <a16:creationId xmlns:a16="http://schemas.microsoft.com/office/drawing/2014/main" id="{DBAE1089-F522-43F2-AF82-77D90E53E290}"/>
               </a:ext>
             </a:extLst>
           </p:cNvPr>
@@ -15505,20 +15554,19 @@
           <a:bodyPr/>
           <a:lstStyle/>
           <a:p>
-            <a:pPr algn="ctr"/>
             <a:r>
               <a:rPr lang="en-US" dirty="0"/>
-              <a:t>Q&amp;A</a:t>
+              <a:t>STM32 DMA</a:t>
             </a:r>
           </a:p>
         </p:txBody>
       </p:sp>
       <p:sp>
         <p:nvSpPr>
-          <p:cNvPr id="3" name="Text Placeholder 2">
+          <p:cNvPr id="3" name="Content Placeholder 2">
             <a:extLst>
               <a:ext uri="{FF2B5EF4-FFF2-40B4-BE49-F238E27FC236}">
-                <a16:creationId xmlns:a16="http://schemas.microsoft.com/office/drawing/2014/main" id="{C7266917-A576-476A-8EAC-6410568BFFB5}"/>
+                <a16:creationId xmlns:a16="http://schemas.microsoft.com/office/drawing/2014/main" id="{2E9460E5-8FF7-4CC8-A041-94E44CE770DC}"/>
               </a:ext>
             </a:extLst>
           </p:cNvPr>
@@ -15526,7 +15574,7 @@
             <a:spLocks noGrp="1"/>
           </p:cNvSpPr>
           <p:nvPr>
-            <p:ph type="body" idx="1"/>
+            <p:ph idx="1"/>
           </p:nvPr>
         </p:nvSpPr>
         <p:spPr/>
@@ -15534,14 +15582,620 @@
           <a:bodyPr/>
           <a:lstStyle/>
           <a:p>
+            <a:r>
+              <a:rPr lang="en-US" dirty="0"/>
+              <a:t>DMA: Direct Memory Access</a:t>
+            </a:r>
+          </a:p>
+          <a:p>
+            <a:pPr lvl="1"/>
+            <a:r>
+              <a:rPr lang="en-US" dirty="0"/>
+              <a:t>Peripheral </a:t>
+            </a:r>
+            <a:r>
+              <a:rPr lang="en-US" dirty="0">
+                <a:sym typeface="Wingdings" panose="05000000000000000000" pitchFamily="2" charset="2"/>
+              </a:rPr>
+              <a:t> RAM</a:t>
+            </a:r>
+          </a:p>
+          <a:p>
+            <a:pPr lvl="1"/>
+            <a:r>
+              <a:rPr lang="en-US" dirty="0">
+                <a:sym typeface="Wingdings" panose="05000000000000000000" pitchFamily="2" charset="2"/>
+              </a:rPr>
+              <a:t>RAM  RAM</a:t>
+            </a:r>
             <a:endParaRPr lang="en-US" dirty="0"/>
+          </a:p>
+          <a:p>
+            <a:r>
+              <a:rPr lang="en-US" dirty="0"/>
+              <a:t>TBD</a:t>
+            </a:r>
           </a:p>
         </p:txBody>
       </p:sp>
     </p:spTree>
     <p:extLst>
       <p:ext uri="{BB962C8B-B14F-4D97-AF65-F5344CB8AC3E}">
-        <p14:creationId xmlns:p14="http://schemas.microsoft.com/office/powerpoint/2010/main" val="2578740745"/>
+        <p14:creationId xmlns:p14="http://schemas.microsoft.com/office/powerpoint/2010/main" val="372613916"/>
+      </p:ext>
+    </p:extLst>
+  </p:cSld>
+  <p:clrMapOvr>
+    <a:masterClrMapping/>
+  </p:clrMapOvr>
+</p:sld>
+</file>
+
+<file path=ppt/slides/slide24.xml><?xml version="1.0" encoding="utf-8"?>
+<p:sld xmlns:a="http://schemas.openxmlformats.org/drawingml/2006/main" xmlns:r="http://schemas.openxmlformats.org/officeDocument/2006/relationships" xmlns:p="http://schemas.openxmlformats.org/presentationml/2006/main">
+  <p:cSld>
+    <p:spTree>
+      <p:nvGrpSpPr>
+        <p:cNvPr id="1" name=""/>
+        <p:cNvGrpSpPr/>
+        <p:nvPr/>
+      </p:nvGrpSpPr>
+      <p:grpSpPr>
+        <a:xfrm>
+          <a:off x="0" y="0"/>
+          <a:ext cx="0" cy="0"/>
+          <a:chOff x="0" y="0"/>
+          <a:chExt cx="0" cy="0"/>
+        </a:xfrm>
+      </p:grpSpPr>
+      <p:sp>
+        <p:nvSpPr>
+          <p:cNvPr id="2" name="Title 1">
+            <a:extLst>
+              <a:ext uri="{FF2B5EF4-FFF2-40B4-BE49-F238E27FC236}">
+                <a16:creationId xmlns:a16="http://schemas.microsoft.com/office/drawing/2014/main" id="{E1C2935C-7841-43F2-8D0B-EDF8954D6D28}"/>
+              </a:ext>
+            </a:extLst>
+          </p:cNvPr>
+          <p:cNvSpPr>
+            <a:spLocks noGrp="1"/>
+          </p:cNvSpPr>
+          <p:nvPr>
+            <p:ph type="title"/>
+          </p:nvPr>
+        </p:nvSpPr>
+        <p:spPr/>
+        <p:txBody>
+          <a:bodyPr/>
+          <a:lstStyle/>
+          <a:p>
+            <a:r>
+              <a:rPr lang="en-US" dirty="0"/>
+              <a:t>STM32 DMA: Block Diagram</a:t>
+            </a:r>
+          </a:p>
+        </p:txBody>
+      </p:sp>
+      <p:pic>
+        <p:nvPicPr>
+          <p:cNvPr id="5" name="Content Placeholder 4">
+            <a:extLst>
+              <a:ext uri="{FF2B5EF4-FFF2-40B4-BE49-F238E27FC236}">
+                <a16:creationId xmlns:a16="http://schemas.microsoft.com/office/drawing/2014/main" id="{0A71C043-B99C-4CA8-BFC9-492A53FF9F7B}"/>
+              </a:ext>
+            </a:extLst>
+          </p:cNvPr>
+          <p:cNvPicPr>
+            <a:picLocks noGrp="1" noChangeAspect="1"/>
+          </p:cNvPicPr>
+          <p:nvPr>
+            <p:ph idx="1"/>
+          </p:nvPr>
+        </p:nvPicPr>
+        <p:blipFill>
+          <a:blip r:embed="rId2"/>
+          <a:stretch>
+            <a:fillRect/>
+          </a:stretch>
+        </p:blipFill>
+        <p:spPr>
+          <a:xfrm>
+            <a:off x="1973232" y="1217093"/>
+            <a:ext cx="7157515" cy="5640907"/>
+          </a:xfrm>
+        </p:spPr>
+      </p:pic>
+    </p:spTree>
+    <p:extLst>
+      <p:ext uri="{BB962C8B-B14F-4D97-AF65-F5344CB8AC3E}">
+        <p14:creationId xmlns:p14="http://schemas.microsoft.com/office/powerpoint/2010/main" val="3194562062"/>
+      </p:ext>
+    </p:extLst>
+  </p:cSld>
+  <p:clrMapOvr>
+    <a:masterClrMapping/>
+  </p:clrMapOvr>
+</p:sld>
+</file>
+
+<file path=ppt/slides/slide25.xml><?xml version="1.0" encoding="utf-8"?>
+<p:sld xmlns:a="http://schemas.openxmlformats.org/drawingml/2006/main" xmlns:r="http://schemas.openxmlformats.org/officeDocument/2006/relationships" xmlns:p="http://schemas.openxmlformats.org/presentationml/2006/main">
+  <p:cSld>
+    <p:spTree>
+      <p:nvGrpSpPr>
+        <p:cNvPr id="1" name=""/>
+        <p:cNvGrpSpPr/>
+        <p:nvPr/>
+      </p:nvGrpSpPr>
+      <p:grpSpPr>
+        <a:xfrm>
+          <a:off x="0" y="0"/>
+          <a:ext cx="0" cy="0"/>
+          <a:chOff x="0" y="0"/>
+          <a:chExt cx="0" cy="0"/>
+        </a:xfrm>
+      </p:grpSpPr>
+      <p:sp>
+        <p:nvSpPr>
+          <p:cNvPr id="2" name="Title 1">
+            <a:extLst>
+              <a:ext uri="{FF2B5EF4-FFF2-40B4-BE49-F238E27FC236}">
+                <a16:creationId xmlns:a16="http://schemas.microsoft.com/office/drawing/2014/main" id="{9D274668-DF89-4F34-BBD6-4FD0F1F1E2A3}"/>
+              </a:ext>
+            </a:extLst>
+          </p:cNvPr>
+          <p:cNvSpPr>
+            <a:spLocks noGrp="1"/>
+          </p:cNvSpPr>
+          <p:nvPr>
+            <p:ph type="title"/>
+          </p:nvPr>
+        </p:nvSpPr>
+        <p:spPr/>
+        <p:txBody>
+          <a:bodyPr/>
+          <a:lstStyle/>
+          <a:p>
+            <a:r>
+              <a:rPr lang="en-US" dirty="0"/>
+              <a:t>STM32 DMA  Features</a:t>
+            </a:r>
+          </a:p>
+        </p:txBody>
+      </p:sp>
+      <p:sp>
+        <p:nvSpPr>
+          <p:cNvPr id="3" name="Content Placeholder 2">
+            <a:extLst>
+              <a:ext uri="{FF2B5EF4-FFF2-40B4-BE49-F238E27FC236}">
+                <a16:creationId xmlns:a16="http://schemas.microsoft.com/office/drawing/2014/main" id="{3150F484-C5FC-4AE7-B39B-4E6A677C871A}"/>
+              </a:ext>
+            </a:extLst>
+          </p:cNvPr>
+          <p:cNvSpPr>
+            <a:spLocks noGrp="1"/>
+          </p:cNvSpPr>
+          <p:nvPr>
+            <p:ph idx="1"/>
+          </p:nvPr>
+        </p:nvSpPr>
+        <p:spPr>
+          <a:xfrm>
+            <a:off x="609600" y="1653002"/>
+            <a:ext cx="10972800" cy="4827312"/>
+          </a:xfrm>
+        </p:spPr>
+        <p:txBody>
+          <a:bodyPr/>
+          <a:lstStyle/>
+          <a:p>
+            <a:r>
+              <a:rPr lang="en-US" sz="2800" dirty="0"/>
+              <a:t>Dual AHB master bus architecture, one dedicated to </a:t>
+            </a:r>
+            <a:r>
+              <a:rPr lang="en-US" sz="2800" i="1" dirty="0"/>
+              <a:t>memory</a:t>
+            </a:r>
+            <a:r>
+              <a:rPr lang="en-US" sz="2800" dirty="0"/>
+              <a:t> accesses and one dedicated to </a:t>
+            </a:r>
+            <a:r>
+              <a:rPr lang="en-US" sz="2800" i="1" dirty="0"/>
+              <a:t>peripheral accesses</a:t>
+            </a:r>
+          </a:p>
+          <a:p>
+            <a:r>
+              <a:rPr lang="en-US" sz="2800" dirty="0"/>
+              <a:t>Independent source and destination </a:t>
+            </a:r>
+            <a:r>
+              <a:rPr lang="en-US" sz="2800" dirty="0">
+                <a:solidFill>
+                  <a:srgbClr val="FF0000"/>
+                </a:solidFill>
+              </a:rPr>
+              <a:t>transfer width </a:t>
+            </a:r>
+            <a:r>
+              <a:rPr lang="en-US" sz="2800" dirty="0"/>
+              <a:t>(byte, half-word, word): when the source and destination data widths are different</a:t>
+            </a:r>
+          </a:p>
+          <a:p>
+            <a:r>
+              <a:rPr lang="en-US" sz="2800" dirty="0"/>
+              <a:t>Independent </a:t>
+            </a:r>
+            <a:r>
+              <a:rPr lang="en-US" sz="2800" dirty="0">
+                <a:solidFill>
+                  <a:srgbClr val="FF0000"/>
+                </a:solidFill>
+              </a:rPr>
+              <a:t>Incrementing or Non-Incrementing addressing</a:t>
+            </a:r>
+            <a:r>
+              <a:rPr lang="en-US" sz="2800" dirty="0"/>
+              <a:t> for source and destination. Possibility to set increment offset for peripheral address.</a:t>
+            </a:r>
+          </a:p>
+        </p:txBody>
+      </p:sp>
+    </p:spTree>
+    <p:extLst>
+      <p:ext uri="{BB962C8B-B14F-4D97-AF65-F5344CB8AC3E}">
+        <p14:creationId xmlns:p14="http://schemas.microsoft.com/office/powerpoint/2010/main" val="2296488713"/>
+      </p:ext>
+    </p:extLst>
+  </p:cSld>
+  <p:clrMapOvr>
+    <a:masterClrMapping/>
+  </p:clrMapOvr>
+</p:sld>
+</file>
+
+<file path=ppt/slides/slide26.xml><?xml version="1.0" encoding="utf-8"?>
+<p:sld xmlns:a="http://schemas.openxmlformats.org/drawingml/2006/main" xmlns:r="http://schemas.openxmlformats.org/officeDocument/2006/relationships" xmlns:p="http://schemas.openxmlformats.org/presentationml/2006/main">
+  <p:cSld>
+    <p:spTree>
+      <p:nvGrpSpPr>
+        <p:cNvPr id="1" name=""/>
+        <p:cNvGrpSpPr/>
+        <p:nvPr/>
+      </p:nvGrpSpPr>
+      <p:grpSpPr>
+        <a:xfrm>
+          <a:off x="0" y="0"/>
+          <a:ext cx="0" cy="0"/>
+          <a:chOff x="0" y="0"/>
+          <a:chExt cx="0" cy="0"/>
+        </a:xfrm>
+      </p:grpSpPr>
+      <p:sp>
+        <p:nvSpPr>
+          <p:cNvPr id="2" name="Title 1">
+            <a:extLst>
+              <a:ext uri="{FF2B5EF4-FFF2-40B4-BE49-F238E27FC236}">
+                <a16:creationId xmlns:a16="http://schemas.microsoft.com/office/drawing/2014/main" id="{DF4D19ED-9DE8-4526-92D1-FEE06EE90509}"/>
+              </a:ext>
+            </a:extLst>
+          </p:cNvPr>
+          <p:cNvSpPr>
+            <a:spLocks noGrp="1"/>
+          </p:cNvSpPr>
+          <p:nvPr>
+            <p:ph type="title"/>
+          </p:nvPr>
+        </p:nvSpPr>
+        <p:spPr/>
+        <p:txBody>
+          <a:bodyPr/>
+          <a:lstStyle/>
+          <a:p>
+            <a:r>
+              <a:rPr lang="en-US" dirty="0"/>
+              <a:t>DMA – Peripheral to Memory Mode</a:t>
+            </a:r>
+          </a:p>
+        </p:txBody>
+      </p:sp>
+      <p:pic>
+        <p:nvPicPr>
+          <p:cNvPr id="5" name="Content Placeholder 4">
+            <a:extLst>
+              <a:ext uri="{FF2B5EF4-FFF2-40B4-BE49-F238E27FC236}">
+                <a16:creationId xmlns:a16="http://schemas.microsoft.com/office/drawing/2014/main" id="{E78ECFEA-D9E2-4F53-8CCB-56639D571F91}"/>
+              </a:ext>
+            </a:extLst>
+          </p:cNvPr>
+          <p:cNvPicPr>
+            <a:picLocks noGrp="1" noChangeAspect="1"/>
+          </p:cNvPicPr>
+          <p:nvPr>
+            <p:ph idx="1"/>
+          </p:nvPr>
+        </p:nvPicPr>
+        <p:blipFill>
+          <a:blip r:embed="rId2"/>
+          <a:stretch>
+            <a:fillRect/>
+          </a:stretch>
+        </p:blipFill>
+        <p:spPr>
+          <a:xfrm>
+            <a:off x="1903114" y="1219201"/>
+            <a:ext cx="8115530" cy="5449277"/>
+          </a:xfrm>
+        </p:spPr>
+      </p:pic>
+    </p:spTree>
+    <p:extLst>
+      <p:ext uri="{BB962C8B-B14F-4D97-AF65-F5344CB8AC3E}">
+        <p14:creationId xmlns:p14="http://schemas.microsoft.com/office/powerpoint/2010/main" val="1301975519"/>
+      </p:ext>
+    </p:extLst>
+  </p:cSld>
+  <p:clrMapOvr>
+    <a:masterClrMapping/>
+  </p:clrMapOvr>
+</p:sld>
+</file>
+
+<file path=ppt/slides/slide27.xml><?xml version="1.0" encoding="utf-8"?>
+<p:sld xmlns:a="http://schemas.openxmlformats.org/drawingml/2006/main" xmlns:r="http://schemas.openxmlformats.org/officeDocument/2006/relationships" xmlns:p="http://schemas.openxmlformats.org/presentationml/2006/main">
+  <p:cSld>
+    <p:spTree>
+      <p:nvGrpSpPr>
+        <p:cNvPr id="1" name=""/>
+        <p:cNvGrpSpPr/>
+        <p:nvPr/>
+      </p:nvGrpSpPr>
+      <p:grpSpPr>
+        <a:xfrm>
+          <a:off x="0" y="0"/>
+          <a:ext cx="0" cy="0"/>
+          <a:chOff x="0" y="0"/>
+          <a:chExt cx="0" cy="0"/>
+        </a:xfrm>
+      </p:grpSpPr>
+      <p:sp>
+        <p:nvSpPr>
+          <p:cNvPr id="2" name="Title 1">
+            <a:extLst>
+              <a:ext uri="{FF2B5EF4-FFF2-40B4-BE49-F238E27FC236}">
+                <a16:creationId xmlns:a16="http://schemas.microsoft.com/office/drawing/2014/main" id="{CFC4DA9F-11F3-4A63-B90A-B5AC8A10E3CE}"/>
+              </a:ext>
+            </a:extLst>
+          </p:cNvPr>
+          <p:cNvSpPr>
+            <a:spLocks noGrp="1"/>
+          </p:cNvSpPr>
+          <p:nvPr>
+            <p:ph type="title"/>
+          </p:nvPr>
+        </p:nvSpPr>
+        <p:spPr/>
+        <p:txBody>
+          <a:bodyPr/>
+          <a:lstStyle/>
+          <a:p>
+            <a:r>
+              <a:rPr lang="en-US" dirty="0"/>
+              <a:t>DMA – Memory-to-Peripheral mode</a:t>
+            </a:r>
+          </a:p>
+        </p:txBody>
+      </p:sp>
+      <p:pic>
+        <p:nvPicPr>
+          <p:cNvPr id="5" name="Content Placeholder 4">
+            <a:extLst>
+              <a:ext uri="{FF2B5EF4-FFF2-40B4-BE49-F238E27FC236}">
+                <a16:creationId xmlns:a16="http://schemas.microsoft.com/office/drawing/2014/main" id="{F3D2380B-E0B7-4F3B-876C-E532EC79CE57}"/>
+              </a:ext>
+            </a:extLst>
+          </p:cNvPr>
+          <p:cNvPicPr>
+            <a:picLocks noGrp="1" noChangeAspect="1"/>
+          </p:cNvPicPr>
+          <p:nvPr>
+            <p:ph idx="1"/>
+          </p:nvPr>
+        </p:nvPicPr>
+        <p:blipFill>
+          <a:blip r:embed="rId2"/>
+          <a:stretch>
+            <a:fillRect/>
+          </a:stretch>
+        </p:blipFill>
+        <p:spPr>
+          <a:xfrm>
+            <a:off x="1281789" y="1219201"/>
+            <a:ext cx="8902532" cy="5502998"/>
+          </a:xfrm>
+        </p:spPr>
+      </p:pic>
+    </p:spTree>
+    <p:extLst>
+      <p:ext uri="{BB962C8B-B14F-4D97-AF65-F5344CB8AC3E}">
+        <p14:creationId xmlns:p14="http://schemas.microsoft.com/office/powerpoint/2010/main" val="723678178"/>
+      </p:ext>
+    </p:extLst>
+  </p:cSld>
+  <p:clrMapOvr>
+    <a:masterClrMapping/>
+  </p:clrMapOvr>
+</p:sld>
+</file>
+
+<file path=ppt/slides/slide28.xml><?xml version="1.0" encoding="utf-8"?>
+<p:sld xmlns:a="http://schemas.openxmlformats.org/drawingml/2006/main" xmlns:r="http://schemas.openxmlformats.org/officeDocument/2006/relationships" xmlns:p="http://schemas.openxmlformats.org/presentationml/2006/main">
+  <p:cSld>
+    <p:spTree>
+      <p:nvGrpSpPr>
+        <p:cNvPr id="1" name=""/>
+        <p:cNvGrpSpPr/>
+        <p:nvPr/>
+      </p:nvGrpSpPr>
+      <p:grpSpPr>
+        <a:xfrm>
+          <a:off x="0" y="0"/>
+          <a:ext cx="0" cy="0"/>
+          <a:chOff x="0" y="0"/>
+          <a:chExt cx="0" cy="0"/>
+        </a:xfrm>
+      </p:grpSpPr>
+      <p:sp>
+        <p:nvSpPr>
+          <p:cNvPr id="2" name="Title 1">
+            <a:extLst>
+              <a:ext uri="{FF2B5EF4-FFF2-40B4-BE49-F238E27FC236}">
+                <a16:creationId xmlns:a16="http://schemas.microsoft.com/office/drawing/2014/main" id="{9B7662E4-3E37-4A76-BC88-5AE736C816F0}"/>
+              </a:ext>
+            </a:extLst>
+          </p:cNvPr>
+          <p:cNvSpPr>
+            <a:spLocks noGrp="1"/>
+          </p:cNvSpPr>
+          <p:nvPr>
+            <p:ph type="title"/>
+          </p:nvPr>
+        </p:nvSpPr>
+        <p:spPr/>
+        <p:txBody>
+          <a:bodyPr/>
+          <a:lstStyle/>
+          <a:p>
+            <a:r>
+              <a:rPr lang="en-US" dirty="0"/>
+              <a:t>DMA – Memory-to-Memory mode</a:t>
+            </a:r>
+          </a:p>
+        </p:txBody>
+      </p:sp>
+      <p:pic>
+        <p:nvPicPr>
+          <p:cNvPr id="5" name="Content Placeholder 4">
+            <a:extLst>
+              <a:ext uri="{FF2B5EF4-FFF2-40B4-BE49-F238E27FC236}">
+                <a16:creationId xmlns:a16="http://schemas.microsoft.com/office/drawing/2014/main" id="{873ABB40-DB2A-4FF5-BBEF-B9681DD4268A}"/>
+              </a:ext>
+            </a:extLst>
+          </p:cNvPr>
+          <p:cNvPicPr>
+            <a:picLocks noGrp="1" noChangeAspect="1"/>
+          </p:cNvPicPr>
+          <p:nvPr>
+            <p:ph idx="1"/>
+          </p:nvPr>
+        </p:nvPicPr>
+        <p:blipFill>
+          <a:blip r:embed="rId2"/>
+          <a:stretch>
+            <a:fillRect/>
+          </a:stretch>
+        </p:blipFill>
+        <p:spPr>
+          <a:xfrm>
+            <a:off x="1241839" y="1331356"/>
+            <a:ext cx="8776804" cy="5326095"/>
+          </a:xfrm>
+        </p:spPr>
+      </p:pic>
+    </p:spTree>
+    <p:extLst>
+      <p:ext uri="{BB962C8B-B14F-4D97-AF65-F5344CB8AC3E}">
+        <p14:creationId xmlns:p14="http://schemas.microsoft.com/office/powerpoint/2010/main" val="3787123050"/>
+      </p:ext>
+    </p:extLst>
+  </p:cSld>
+  <p:clrMapOvr>
+    <a:masterClrMapping/>
+  </p:clrMapOvr>
+</p:sld>
+</file>
+
+<file path=ppt/slides/slide29.xml><?xml version="1.0" encoding="utf-8"?>
+<p:sld xmlns:a="http://schemas.openxmlformats.org/drawingml/2006/main" xmlns:r="http://schemas.openxmlformats.org/officeDocument/2006/relationships" xmlns:p="http://schemas.openxmlformats.org/presentationml/2006/main">
+  <p:cSld>
+    <p:spTree>
+      <p:nvGrpSpPr>
+        <p:cNvPr id="1" name=""/>
+        <p:cNvGrpSpPr/>
+        <p:nvPr/>
+      </p:nvGrpSpPr>
+      <p:grpSpPr>
+        <a:xfrm>
+          <a:off x="0" y="0"/>
+          <a:ext cx="0" cy="0"/>
+          <a:chOff x="0" y="0"/>
+          <a:chExt cx="0" cy="0"/>
+        </a:xfrm>
+      </p:grpSpPr>
+      <p:sp>
+        <p:nvSpPr>
+          <p:cNvPr id="2" name="Title 1">
+            <a:extLst>
+              <a:ext uri="{FF2B5EF4-FFF2-40B4-BE49-F238E27FC236}">
+                <a16:creationId xmlns:a16="http://schemas.microsoft.com/office/drawing/2014/main" id="{C404610E-58E7-40C6-9330-859574A63922}"/>
+              </a:ext>
+            </a:extLst>
+          </p:cNvPr>
+          <p:cNvSpPr>
+            <a:spLocks noGrp="1"/>
+          </p:cNvSpPr>
+          <p:nvPr>
+            <p:ph type="title"/>
+          </p:nvPr>
+        </p:nvSpPr>
+        <p:spPr/>
+        <p:txBody>
+          <a:bodyPr/>
+          <a:lstStyle/>
+          <a:p>
+            <a:r>
+              <a:rPr lang="en-US" dirty="0"/>
+              <a:t>FIFO: Data Packing/Unpacking</a:t>
+            </a:r>
+          </a:p>
+        </p:txBody>
+      </p:sp>
+      <p:pic>
+        <p:nvPicPr>
+          <p:cNvPr id="5" name="Content Placeholder 4">
+            <a:extLst>
+              <a:ext uri="{FF2B5EF4-FFF2-40B4-BE49-F238E27FC236}">
+                <a16:creationId xmlns:a16="http://schemas.microsoft.com/office/drawing/2014/main" id="{D6E65F6A-D792-4814-B77D-D754A64A48BB}"/>
+              </a:ext>
+            </a:extLst>
+          </p:cNvPr>
+          <p:cNvPicPr>
+            <a:picLocks noGrp="1" noChangeAspect="1"/>
+          </p:cNvPicPr>
+          <p:nvPr>
+            <p:ph idx="1"/>
+          </p:nvPr>
+        </p:nvPicPr>
+        <p:blipFill>
+          <a:blip r:embed="rId2"/>
+          <a:stretch>
+            <a:fillRect/>
+          </a:stretch>
+        </p:blipFill>
+        <p:spPr>
+          <a:xfrm>
+            <a:off x="1176824" y="1334949"/>
+            <a:ext cx="8908080" cy="5329861"/>
+          </a:xfrm>
+        </p:spPr>
+      </p:pic>
+    </p:spTree>
+    <p:extLst>
+      <p:ext uri="{BB962C8B-B14F-4D97-AF65-F5344CB8AC3E}">
+        <p14:creationId xmlns:p14="http://schemas.microsoft.com/office/powerpoint/2010/main" val="3403848398"/>
       </p:ext>
     </p:extLst>
   </p:cSld>
@@ -15713,6 +16367,351 @@
     <p:extLst>
       <p:ext uri="{BB962C8B-B14F-4D97-AF65-F5344CB8AC3E}">
         <p14:creationId xmlns:p14="http://schemas.microsoft.com/office/powerpoint/2010/main" val="1934699009"/>
+      </p:ext>
+    </p:extLst>
+  </p:cSld>
+  <p:clrMapOvr>
+    <a:masterClrMapping/>
+  </p:clrMapOvr>
+</p:sld>
+</file>
+
+<file path=ppt/slides/slide30.xml><?xml version="1.0" encoding="utf-8"?>
+<p:sld xmlns:a="http://schemas.openxmlformats.org/drawingml/2006/main" xmlns:r="http://schemas.openxmlformats.org/officeDocument/2006/relationships" xmlns:p="http://schemas.openxmlformats.org/presentationml/2006/main">
+  <p:cSld>
+    <p:spTree>
+      <p:nvGrpSpPr>
+        <p:cNvPr id="1" name=""/>
+        <p:cNvGrpSpPr/>
+        <p:nvPr/>
+      </p:nvGrpSpPr>
+      <p:grpSpPr>
+        <a:xfrm>
+          <a:off x="0" y="0"/>
+          <a:ext cx="0" cy="0"/>
+          <a:chOff x="0" y="0"/>
+          <a:chExt cx="0" cy="0"/>
+        </a:xfrm>
+      </p:grpSpPr>
+      <p:sp>
+        <p:nvSpPr>
+          <p:cNvPr id="2" name="Title 1">
+            <a:extLst>
+              <a:ext uri="{FF2B5EF4-FFF2-40B4-BE49-F238E27FC236}">
+                <a16:creationId xmlns:a16="http://schemas.microsoft.com/office/drawing/2014/main" id="{5F918135-98B2-46F4-A254-5A1E71AB3671}"/>
+              </a:ext>
+            </a:extLst>
+          </p:cNvPr>
+          <p:cNvSpPr>
+            <a:spLocks noGrp="1"/>
+          </p:cNvSpPr>
+          <p:nvPr>
+            <p:ph type="title"/>
+          </p:nvPr>
+        </p:nvSpPr>
+        <p:spPr/>
+        <p:txBody>
+          <a:bodyPr/>
+          <a:lstStyle/>
+          <a:p>
+            <a:r>
+              <a:rPr lang="en-US" dirty="0"/>
+              <a:t>FIFO: Threshold &amp; Burst mode</a:t>
+            </a:r>
+          </a:p>
+        </p:txBody>
+      </p:sp>
+      <p:pic>
+        <p:nvPicPr>
+          <p:cNvPr id="5" name="Content Placeholder 4">
+            <a:extLst>
+              <a:ext uri="{FF2B5EF4-FFF2-40B4-BE49-F238E27FC236}">
+                <a16:creationId xmlns:a16="http://schemas.microsoft.com/office/drawing/2014/main" id="{F540E61D-3D9C-45F5-8F7E-698BD05101B5}"/>
+              </a:ext>
+            </a:extLst>
+          </p:cNvPr>
+          <p:cNvPicPr>
+            <a:picLocks noGrp="1" noChangeAspect="1"/>
+          </p:cNvPicPr>
+          <p:nvPr>
+            <p:ph idx="1"/>
+          </p:nvPr>
+        </p:nvPicPr>
+        <p:blipFill>
+          <a:blip r:embed="rId2"/>
+          <a:stretch>
+            <a:fillRect/>
+          </a:stretch>
+        </p:blipFill>
+        <p:spPr>
+          <a:xfrm>
+            <a:off x="1110343" y="1321698"/>
+            <a:ext cx="8961309" cy="5175366"/>
+          </a:xfrm>
+        </p:spPr>
+      </p:pic>
+    </p:spTree>
+    <p:extLst>
+      <p:ext uri="{BB962C8B-B14F-4D97-AF65-F5344CB8AC3E}">
+        <p14:creationId xmlns:p14="http://schemas.microsoft.com/office/powerpoint/2010/main" val="4195565763"/>
+      </p:ext>
+    </p:extLst>
+  </p:cSld>
+  <p:clrMapOvr>
+    <a:masterClrMapping/>
+  </p:clrMapOvr>
+</p:sld>
+</file>
+
+<file path=ppt/slides/slide31.xml><?xml version="1.0" encoding="utf-8"?>
+<p:sld xmlns:a="http://schemas.openxmlformats.org/drawingml/2006/main" xmlns:r="http://schemas.openxmlformats.org/officeDocument/2006/relationships" xmlns:p="http://schemas.openxmlformats.org/presentationml/2006/main">
+  <p:cSld>
+    <p:spTree>
+      <p:nvGrpSpPr>
+        <p:cNvPr id="1" name=""/>
+        <p:cNvGrpSpPr/>
+        <p:nvPr/>
+      </p:nvGrpSpPr>
+      <p:grpSpPr>
+        <a:xfrm>
+          <a:off x="0" y="0"/>
+          <a:ext cx="0" cy="0"/>
+          <a:chOff x="0" y="0"/>
+          <a:chExt cx="0" cy="0"/>
+        </a:xfrm>
+      </p:grpSpPr>
+      <p:sp>
+        <p:nvSpPr>
+          <p:cNvPr id="2" name="Title 1">
+            <a:extLst>
+              <a:ext uri="{FF2B5EF4-FFF2-40B4-BE49-F238E27FC236}">
+                <a16:creationId xmlns:a16="http://schemas.microsoft.com/office/drawing/2014/main" id="{B465B968-323E-4A88-8C80-60188B9A1D9E}"/>
+              </a:ext>
+            </a:extLst>
+          </p:cNvPr>
+          <p:cNvSpPr>
+            <a:spLocks noGrp="1"/>
+          </p:cNvSpPr>
+          <p:nvPr>
+            <p:ph type="title"/>
+          </p:nvPr>
+        </p:nvSpPr>
+        <p:spPr/>
+        <p:txBody>
+          <a:bodyPr/>
+          <a:lstStyle/>
+          <a:p>
+            <a:r>
+              <a:rPr lang="en-US" dirty="0"/>
+              <a:t>Circular &amp; Double Buffer modes</a:t>
+            </a:r>
+          </a:p>
+        </p:txBody>
+      </p:sp>
+      <p:pic>
+        <p:nvPicPr>
+          <p:cNvPr id="5" name="Content Placeholder 4">
+            <a:extLst>
+              <a:ext uri="{FF2B5EF4-FFF2-40B4-BE49-F238E27FC236}">
+                <a16:creationId xmlns:a16="http://schemas.microsoft.com/office/drawing/2014/main" id="{80B590B4-D218-4957-BEA2-E8ABAD94C7BE}"/>
+              </a:ext>
+            </a:extLst>
+          </p:cNvPr>
+          <p:cNvPicPr>
+            <a:picLocks noGrp="1" noChangeAspect="1"/>
+          </p:cNvPicPr>
+          <p:nvPr>
+            <p:ph idx="1"/>
+          </p:nvPr>
+        </p:nvPicPr>
+        <p:blipFill>
+          <a:blip r:embed="rId2"/>
+          <a:stretch>
+            <a:fillRect/>
+          </a:stretch>
+        </p:blipFill>
+        <p:spPr>
+          <a:xfrm>
+            <a:off x="1637506" y="1219201"/>
+            <a:ext cx="7784789" cy="5411837"/>
+          </a:xfrm>
+        </p:spPr>
+      </p:pic>
+    </p:spTree>
+    <p:extLst>
+      <p:ext uri="{BB962C8B-B14F-4D97-AF65-F5344CB8AC3E}">
+        <p14:creationId xmlns:p14="http://schemas.microsoft.com/office/powerpoint/2010/main" val="2506489786"/>
+      </p:ext>
+    </p:extLst>
+  </p:cSld>
+  <p:clrMapOvr>
+    <a:masterClrMapping/>
+  </p:clrMapOvr>
+</p:sld>
+</file>
+
+<file path=ppt/slides/slide32.xml><?xml version="1.0" encoding="utf-8"?>
+<p:sld xmlns:a="http://schemas.openxmlformats.org/drawingml/2006/main" xmlns:r="http://schemas.openxmlformats.org/officeDocument/2006/relationships" xmlns:p="http://schemas.openxmlformats.org/presentationml/2006/main">
+  <p:cSld>
+    <p:spTree>
+      <p:nvGrpSpPr>
+        <p:cNvPr id="1" name=""/>
+        <p:cNvGrpSpPr/>
+        <p:nvPr/>
+      </p:nvGrpSpPr>
+      <p:grpSpPr>
+        <a:xfrm>
+          <a:off x="0" y="0"/>
+          <a:ext cx="0" cy="0"/>
+          <a:chOff x="0" y="0"/>
+          <a:chExt cx="0" cy="0"/>
+        </a:xfrm>
+      </p:grpSpPr>
+      <p:sp>
+        <p:nvSpPr>
+          <p:cNvPr id="2" name="Title 1">
+            <a:extLst>
+              <a:ext uri="{FF2B5EF4-FFF2-40B4-BE49-F238E27FC236}">
+                <a16:creationId xmlns:a16="http://schemas.microsoft.com/office/drawing/2014/main" id="{5ED72FFD-E0D8-4BD1-995A-7670646DAFAD}"/>
+              </a:ext>
+            </a:extLst>
+          </p:cNvPr>
+          <p:cNvSpPr>
+            <a:spLocks noGrp="1"/>
+          </p:cNvSpPr>
+          <p:nvPr>
+            <p:ph type="title"/>
+          </p:nvPr>
+        </p:nvSpPr>
+        <p:spPr/>
+        <p:txBody>
+          <a:bodyPr/>
+          <a:lstStyle/>
+          <a:p>
+            <a:r>
+              <a:rPr lang="en-US" dirty="0"/>
+              <a:t>UART DMA: Receiving &amp; Sending</a:t>
+            </a:r>
+          </a:p>
+        </p:txBody>
+      </p:sp>
+      <p:pic>
+        <p:nvPicPr>
+          <p:cNvPr id="5" name="Content Placeholder 4">
+            <a:extLst>
+              <a:ext uri="{FF2B5EF4-FFF2-40B4-BE49-F238E27FC236}">
+                <a16:creationId xmlns:a16="http://schemas.microsoft.com/office/drawing/2014/main" id="{C7941CCB-3C24-4394-955F-50477967E2A8}"/>
+              </a:ext>
+            </a:extLst>
+          </p:cNvPr>
+          <p:cNvPicPr>
+            <a:picLocks noGrp="1" noChangeAspect="1"/>
+          </p:cNvPicPr>
+          <p:nvPr>
+            <p:ph idx="1"/>
+          </p:nvPr>
+        </p:nvPicPr>
+        <p:blipFill>
+          <a:blip r:embed="rId2"/>
+          <a:stretch>
+            <a:fillRect/>
+          </a:stretch>
+        </p:blipFill>
+        <p:spPr>
+          <a:xfrm>
+            <a:off x="810141" y="1293750"/>
+            <a:ext cx="9543534" cy="5449957"/>
+          </a:xfrm>
+        </p:spPr>
+      </p:pic>
+    </p:spTree>
+    <p:extLst>
+      <p:ext uri="{BB962C8B-B14F-4D97-AF65-F5344CB8AC3E}">
+        <p14:creationId xmlns:p14="http://schemas.microsoft.com/office/powerpoint/2010/main" val="1097630234"/>
+      </p:ext>
+    </p:extLst>
+  </p:cSld>
+  <p:clrMapOvr>
+    <a:masterClrMapping/>
+  </p:clrMapOvr>
+</p:sld>
+</file>
+
+<file path=ppt/slides/slide33.xml><?xml version="1.0" encoding="utf-8"?>
+<p:sld xmlns:a="http://schemas.openxmlformats.org/drawingml/2006/main" xmlns:r="http://schemas.openxmlformats.org/officeDocument/2006/relationships" xmlns:p="http://schemas.openxmlformats.org/presentationml/2006/main">
+  <p:cSld>
+    <p:spTree>
+      <p:nvGrpSpPr>
+        <p:cNvPr id="1" name=""/>
+        <p:cNvGrpSpPr/>
+        <p:nvPr/>
+      </p:nvGrpSpPr>
+      <p:grpSpPr>
+        <a:xfrm>
+          <a:off x="0" y="0"/>
+          <a:ext cx="0" cy="0"/>
+          <a:chOff x="0" y="0"/>
+          <a:chExt cx="0" cy="0"/>
+        </a:xfrm>
+      </p:grpSpPr>
+      <p:sp>
+        <p:nvSpPr>
+          <p:cNvPr id="2" name="Title 1">
+            <a:extLst>
+              <a:ext uri="{FF2B5EF4-FFF2-40B4-BE49-F238E27FC236}">
+                <a16:creationId xmlns:a16="http://schemas.microsoft.com/office/drawing/2014/main" id="{F19B220C-A065-4737-864C-66F61483E4E6}"/>
+              </a:ext>
+            </a:extLst>
+          </p:cNvPr>
+          <p:cNvSpPr>
+            <a:spLocks noGrp="1"/>
+          </p:cNvSpPr>
+          <p:nvPr>
+            <p:ph type="title"/>
+          </p:nvPr>
+        </p:nvSpPr>
+        <p:spPr/>
+        <p:txBody>
+          <a:bodyPr/>
+          <a:lstStyle/>
+          <a:p>
+            <a:pPr algn="ctr"/>
+            <a:r>
+              <a:rPr lang="en-US" dirty="0"/>
+              <a:t>Q&amp;A</a:t>
+            </a:r>
+          </a:p>
+        </p:txBody>
+      </p:sp>
+      <p:sp>
+        <p:nvSpPr>
+          <p:cNvPr id="3" name="Text Placeholder 2">
+            <a:extLst>
+              <a:ext uri="{FF2B5EF4-FFF2-40B4-BE49-F238E27FC236}">
+                <a16:creationId xmlns:a16="http://schemas.microsoft.com/office/drawing/2014/main" id="{C7266917-A576-476A-8EAC-6410568BFFB5}"/>
+              </a:ext>
+            </a:extLst>
+          </p:cNvPr>
+          <p:cNvSpPr>
+            <a:spLocks noGrp="1"/>
+          </p:cNvSpPr>
+          <p:nvPr>
+            <p:ph type="body" idx="1"/>
+          </p:nvPr>
+        </p:nvSpPr>
+        <p:spPr/>
+        <p:txBody>
+          <a:bodyPr/>
+          <a:lstStyle/>
+          <a:p>
+            <a:endParaRPr lang="en-US" dirty="0"/>
+          </a:p>
+        </p:txBody>
+      </p:sp>
+    </p:spTree>
+    <p:extLst>
+      <p:ext uri="{BB962C8B-B14F-4D97-AF65-F5344CB8AC3E}">
+        <p14:creationId xmlns:p14="http://schemas.microsoft.com/office/powerpoint/2010/main" val="2578740745"/>
       </p:ext>
     </p:extLst>
   </p:cSld>
@@ -15929,7 +16928,7 @@
           <a:p>
             <a:r>
               <a:rPr lang="en-US" dirty="0"/>
-              <a:t>Common DAC Techniques</a:t>
+              <a:t>Common ADC/DAC Techniques</a:t>
             </a:r>
           </a:p>
         </p:txBody>
@@ -16524,7 +17523,7 @@
         </p:blipFill>
         <p:spPr>
           <a:xfrm>
-            <a:off x="7087758" y="1719263"/>
+            <a:off x="6941985" y="1719263"/>
             <a:ext cx="4640416" cy="5059961"/>
           </a:xfrm>
           <a:prstGeom prst="rect">
